--- a/Engage_Lesson3/lesson3_slides.pptx
+++ b/Engage_Lesson3/lesson3_slides.pptx
@@ -5,16 +5,18 @@
     <p:sldMasterId id="2147483699" r:id="rId1"/>
   </p:sldMasterIdLst>
   <p:notesMasterIdLst>
-    <p:notesMasterId r:id="rId9"/>
+    <p:notesMasterId r:id="rId11"/>
   </p:notesMasterIdLst>
   <p:sldIdLst>
     <p:sldId id="256" r:id="rId2"/>
     <p:sldId id="259" r:id="rId3"/>
-    <p:sldId id="257" r:id="rId4"/>
-    <p:sldId id="261" r:id="rId5"/>
-    <p:sldId id="258" r:id="rId6"/>
-    <p:sldId id="262" r:id="rId7"/>
-    <p:sldId id="263" r:id="rId8"/>
+    <p:sldId id="264" r:id="rId4"/>
+    <p:sldId id="257" r:id="rId5"/>
+    <p:sldId id="261" r:id="rId6"/>
+    <p:sldId id="258" r:id="rId7"/>
+    <p:sldId id="262" r:id="rId8"/>
+    <p:sldId id="263" r:id="rId9"/>
+    <p:sldId id="265" r:id="rId10"/>
   </p:sldIdLst>
   <p:sldSz cx="12192000" cy="6858000"/>
   <p:notesSz cx="6858000" cy="9144000"/>
@@ -121,6 +123,2667 @@
 </p:presentation>
 </file>
 
+<file path=ppt/diagrams/colors1.xml><?xml version="1.0" encoding="utf-8"?>
+<dgm:colorsDef xmlns:dgm="http://schemas.openxmlformats.org/drawingml/2006/diagram" xmlns:a="http://schemas.openxmlformats.org/drawingml/2006/main" uniqueId="urn:microsoft.com/office/officeart/2018/5/colors/Iconchunking_neutralbg_colorful5">
+  <dgm:title val=""/>
+  <dgm:desc val=""/>
+  <dgm:catLst>
+    <dgm:cat type="colorful" pri="10500"/>
+  </dgm:catLst>
+  <dgm:styleLbl name="node0">
+    <dgm:fillClrLst meth="repeat">
+      <a:schemeClr val="accent4"/>
+    </dgm:fillClrLst>
+    <dgm:linClrLst meth="repeat">
+      <a:schemeClr val="lt1"/>
+    </dgm:linClrLst>
+    <dgm:effectClrLst/>
+    <dgm:txLinClrLst/>
+    <dgm:txFillClrLst/>
+    <dgm:txEffectClrLst/>
+  </dgm:styleLbl>
+  <dgm:styleLbl name="node1">
+    <dgm:fillClrLst>
+      <a:schemeClr val="accent5"/>
+      <a:schemeClr val="accent6"/>
+    </dgm:fillClrLst>
+    <dgm:linClrLst meth="repeat">
+      <a:schemeClr val="lt1">
+        <a:alpha val="0"/>
+      </a:schemeClr>
+    </dgm:linClrLst>
+    <dgm:effectClrLst/>
+    <dgm:txLinClrLst/>
+    <dgm:txFillClrLst/>
+    <dgm:txEffectClrLst/>
+  </dgm:styleLbl>
+  <dgm:styleLbl name="alignNode1">
+    <dgm:fillClrLst>
+      <a:schemeClr val="accent5"/>
+      <a:schemeClr val="accent6"/>
+    </dgm:fillClrLst>
+    <dgm:linClrLst>
+      <a:schemeClr val="accent5"/>
+      <a:schemeClr val="accent6"/>
+    </dgm:linClrLst>
+    <dgm:effectClrLst/>
+    <dgm:txLinClrLst/>
+    <dgm:txFillClrLst/>
+    <dgm:txEffectClrLst/>
+  </dgm:styleLbl>
+  <dgm:styleLbl name="lnNode1">
+    <dgm:fillClrLst>
+      <a:schemeClr val="accent5"/>
+      <a:schemeClr val="accent6"/>
+    </dgm:fillClrLst>
+    <dgm:linClrLst meth="repeat">
+      <a:schemeClr val="lt1"/>
+    </dgm:linClrLst>
+    <dgm:effectClrLst/>
+    <dgm:txLinClrLst/>
+    <dgm:txFillClrLst/>
+    <dgm:txEffectClrLst/>
+  </dgm:styleLbl>
+  <dgm:styleLbl name="vennNode1">
+    <dgm:fillClrLst>
+      <a:schemeClr val="accent5">
+        <a:alpha val="50000"/>
+      </a:schemeClr>
+      <a:schemeClr val="accent6">
+        <a:alpha val="50000"/>
+      </a:schemeClr>
+    </dgm:fillClrLst>
+    <dgm:linClrLst meth="repeat">
+      <a:schemeClr val="lt1"/>
+    </dgm:linClrLst>
+    <dgm:effectClrLst/>
+    <dgm:txLinClrLst/>
+    <dgm:txFillClrLst/>
+    <dgm:txEffectClrLst/>
+  </dgm:styleLbl>
+  <dgm:styleLbl name="node2">
+    <dgm:fillClrLst>
+      <a:schemeClr val="accent6"/>
+    </dgm:fillClrLst>
+    <dgm:linClrLst meth="repeat">
+      <a:schemeClr val="lt1"/>
+    </dgm:linClrLst>
+    <dgm:effectClrLst/>
+    <dgm:txLinClrLst/>
+    <dgm:txFillClrLst/>
+    <dgm:txEffectClrLst/>
+  </dgm:styleLbl>
+  <dgm:styleLbl name="node3">
+    <dgm:fillClrLst>
+      <a:schemeClr val="accent1"/>
+    </dgm:fillClrLst>
+    <dgm:linClrLst meth="repeat">
+      <a:schemeClr val="lt1"/>
+    </dgm:linClrLst>
+    <dgm:effectClrLst/>
+    <dgm:txLinClrLst/>
+    <dgm:txFillClrLst/>
+    <dgm:txEffectClrLst/>
+  </dgm:styleLbl>
+  <dgm:styleLbl name="node4">
+    <dgm:fillClrLst>
+      <a:schemeClr val="accent2"/>
+    </dgm:fillClrLst>
+    <dgm:linClrLst meth="repeat">
+      <a:schemeClr val="lt1"/>
+    </dgm:linClrLst>
+    <dgm:effectClrLst/>
+    <dgm:txLinClrLst/>
+    <dgm:txFillClrLst/>
+    <dgm:txEffectClrLst/>
+  </dgm:styleLbl>
+  <dgm:styleLbl name="fgImgPlace1">
+    <dgm:fillClrLst>
+      <a:schemeClr val="accent5">
+        <a:tint val="50000"/>
+      </a:schemeClr>
+      <a:schemeClr val="accent6">
+        <a:tint val="50000"/>
+      </a:schemeClr>
+    </dgm:fillClrLst>
+    <dgm:linClrLst meth="repeat">
+      <a:schemeClr val="lt1"/>
+    </dgm:linClrLst>
+    <dgm:effectClrLst/>
+    <dgm:txLinClrLst/>
+    <dgm:txFillClrLst meth="repeat">
+      <a:schemeClr val="lt1"/>
+    </dgm:txFillClrLst>
+    <dgm:txEffectClrLst/>
+  </dgm:styleLbl>
+  <dgm:styleLbl name="alignImgPlace1">
+    <dgm:fillClrLst>
+      <a:schemeClr val="accent5">
+        <a:tint val="50000"/>
+      </a:schemeClr>
+      <a:schemeClr val="accent6">
+        <a:tint val="20000"/>
+      </a:schemeClr>
+    </dgm:fillClrLst>
+    <dgm:linClrLst meth="repeat">
+      <a:schemeClr val="lt1"/>
+    </dgm:linClrLst>
+    <dgm:effectClrLst/>
+    <dgm:txLinClrLst/>
+    <dgm:txFillClrLst meth="repeat">
+      <a:schemeClr val="lt1"/>
+    </dgm:txFillClrLst>
+    <dgm:txEffectClrLst/>
+  </dgm:styleLbl>
+  <dgm:styleLbl name="bgImgPlace1">
+    <dgm:fillClrLst>
+      <a:schemeClr val="accent5">
+        <a:tint val="50000"/>
+      </a:schemeClr>
+      <a:schemeClr val="accent6">
+        <a:tint val="20000"/>
+      </a:schemeClr>
+    </dgm:fillClrLst>
+    <dgm:linClrLst meth="repeat">
+      <a:schemeClr val="lt1"/>
+    </dgm:linClrLst>
+    <dgm:effectClrLst/>
+    <dgm:txLinClrLst/>
+    <dgm:txFillClrLst meth="repeat">
+      <a:schemeClr val="lt1"/>
+    </dgm:txFillClrLst>
+    <dgm:txEffectClrLst/>
+  </dgm:styleLbl>
+  <dgm:styleLbl name="sibTrans2D1">
+    <dgm:fillClrLst>
+      <a:schemeClr val="accent5"/>
+      <a:schemeClr val="accent6"/>
+    </dgm:fillClrLst>
+    <dgm:linClrLst meth="repeat">
+      <a:schemeClr val="lt1"/>
+    </dgm:linClrLst>
+    <dgm:effectClrLst/>
+    <dgm:txLinClrLst/>
+    <dgm:txFillClrLst/>
+    <dgm:txEffectClrLst/>
+  </dgm:styleLbl>
+  <dgm:styleLbl name="fgSibTrans2D1">
+    <dgm:fillClrLst>
+      <a:schemeClr val="accent5"/>
+      <a:schemeClr val="accent6"/>
+    </dgm:fillClrLst>
+    <dgm:linClrLst meth="repeat">
+      <a:schemeClr val="lt1"/>
+    </dgm:linClrLst>
+    <dgm:effectClrLst/>
+    <dgm:txLinClrLst/>
+    <dgm:txFillClrLst meth="repeat">
+      <a:schemeClr val="lt1"/>
+    </dgm:txFillClrLst>
+    <dgm:txEffectClrLst/>
+  </dgm:styleLbl>
+  <dgm:styleLbl name="bgSibTrans2D1">
+    <dgm:fillClrLst>
+      <a:schemeClr val="accent5"/>
+      <a:schemeClr val="accent6"/>
+    </dgm:fillClrLst>
+    <dgm:linClrLst meth="repeat">
+      <a:schemeClr val="lt1"/>
+    </dgm:linClrLst>
+    <dgm:effectClrLst/>
+    <dgm:txLinClrLst/>
+    <dgm:txFillClrLst meth="repeat">
+      <a:schemeClr val="lt1"/>
+    </dgm:txFillClrLst>
+    <dgm:txEffectClrLst/>
+  </dgm:styleLbl>
+  <dgm:styleLbl name="sibTrans1D1">
+    <dgm:fillClrLst/>
+    <dgm:linClrLst>
+      <a:schemeClr val="accent5"/>
+      <a:schemeClr val="accent6"/>
+    </dgm:linClrLst>
+    <dgm:effectClrLst/>
+    <dgm:txLinClrLst/>
+    <dgm:txFillClrLst meth="repeat">
+      <a:schemeClr val="tx1"/>
+    </dgm:txFillClrLst>
+    <dgm:txEffectClrLst/>
+  </dgm:styleLbl>
+  <dgm:styleLbl name="callout">
+    <dgm:fillClrLst meth="repeat">
+      <a:schemeClr val="accent5"/>
+    </dgm:fillClrLst>
+    <dgm:linClrLst meth="repeat">
+      <a:schemeClr val="accent5">
+        <a:tint val="50000"/>
+      </a:schemeClr>
+    </dgm:linClrLst>
+    <dgm:effectClrLst/>
+    <dgm:txLinClrLst/>
+    <dgm:txFillClrLst meth="repeat">
+      <a:schemeClr val="tx1"/>
+    </dgm:txFillClrLst>
+    <dgm:txEffectClrLst/>
+  </dgm:styleLbl>
+  <dgm:styleLbl name="asst0">
+    <dgm:fillClrLst meth="repeat">
+      <a:schemeClr val="accent5"/>
+    </dgm:fillClrLst>
+    <dgm:linClrLst meth="repeat">
+      <a:schemeClr val="lt1">
+        <a:shade val="80000"/>
+      </a:schemeClr>
+    </dgm:linClrLst>
+    <dgm:effectClrLst/>
+    <dgm:txLinClrLst/>
+    <dgm:txFillClrLst/>
+    <dgm:txEffectClrLst/>
+  </dgm:styleLbl>
+  <dgm:styleLbl name="asst1">
+    <dgm:fillClrLst meth="repeat">
+      <a:schemeClr val="accent6"/>
+    </dgm:fillClrLst>
+    <dgm:linClrLst meth="repeat">
+      <a:schemeClr val="lt1">
+        <a:shade val="80000"/>
+      </a:schemeClr>
+    </dgm:linClrLst>
+    <dgm:effectClrLst/>
+    <dgm:txLinClrLst/>
+    <dgm:txFillClrLst/>
+    <dgm:txEffectClrLst/>
+  </dgm:styleLbl>
+  <dgm:styleLbl name="asst2">
+    <dgm:fillClrLst>
+      <a:schemeClr val="accent1"/>
+    </dgm:fillClrLst>
+    <dgm:linClrLst meth="repeat">
+      <a:schemeClr val="lt1"/>
+    </dgm:linClrLst>
+    <dgm:effectClrLst/>
+    <dgm:txLinClrLst/>
+    <dgm:txFillClrLst/>
+    <dgm:txEffectClrLst/>
+  </dgm:styleLbl>
+  <dgm:styleLbl name="asst3">
+    <dgm:fillClrLst>
+      <a:schemeClr val="accent2"/>
+    </dgm:fillClrLst>
+    <dgm:linClrLst meth="repeat">
+      <a:schemeClr val="lt1"/>
+    </dgm:linClrLst>
+    <dgm:effectClrLst/>
+    <dgm:txLinClrLst/>
+    <dgm:txFillClrLst/>
+    <dgm:txEffectClrLst/>
+  </dgm:styleLbl>
+  <dgm:styleLbl name="asst4">
+    <dgm:fillClrLst>
+      <a:schemeClr val="accent3"/>
+    </dgm:fillClrLst>
+    <dgm:linClrLst meth="repeat">
+      <a:schemeClr val="lt1"/>
+    </dgm:linClrLst>
+    <dgm:effectClrLst/>
+    <dgm:txLinClrLst/>
+    <dgm:txFillClrLst/>
+    <dgm:txEffectClrLst/>
+  </dgm:styleLbl>
+  <dgm:styleLbl name="parChTrans2D1">
+    <dgm:fillClrLst meth="repeat">
+      <a:schemeClr val="accent5"/>
+    </dgm:fillClrLst>
+    <dgm:linClrLst meth="repeat">
+      <a:schemeClr val="lt1"/>
+    </dgm:linClrLst>
+    <dgm:effectClrLst/>
+    <dgm:txLinClrLst/>
+    <dgm:txFillClrLst meth="repeat">
+      <a:schemeClr val="lt1"/>
+    </dgm:txFillClrLst>
+    <dgm:txEffectClrLst/>
+  </dgm:styleLbl>
+  <dgm:styleLbl name="parChTrans2D2">
+    <dgm:fillClrLst meth="repeat">
+      <a:schemeClr val="accent6"/>
+    </dgm:fillClrLst>
+    <dgm:linClrLst meth="repeat">
+      <a:schemeClr val="lt1"/>
+    </dgm:linClrLst>
+    <dgm:effectClrLst/>
+    <dgm:txLinClrLst/>
+    <dgm:txFillClrLst/>
+    <dgm:txEffectClrLst/>
+  </dgm:styleLbl>
+  <dgm:styleLbl name="parChTrans2D3">
+    <dgm:fillClrLst meth="repeat">
+      <a:schemeClr val="accent6"/>
+    </dgm:fillClrLst>
+    <dgm:linClrLst meth="repeat">
+      <a:schemeClr val="lt1"/>
+    </dgm:linClrLst>
+    <dgm:effectClrLst/>
+    <dgm:txLinClrLst/>
+    <dgm:txFillClrLst/>
+    <dgm:txEffectClrLst/>
+  </dgm:styleLbl>
+  <dgm:styleLbl name="parChTrans2D4">
+    <dgm:fillClrLst meth="repeat">
+      <a:schemeClr val="accent1"/>
+    </dgm:fillClrLst>
+    <dgm:linClrLst meth="repeat">
+      <a:schemeClr val="lt1"/>
+    </dgm:linClrLst>
+    <dgm:effectClrLst/>
+    <dgm:txLinClrLst/>
+    <dgm:txFillClrLst meth="repeat">
+      <a:schemeClr val="lt1"/>
+    </dgm:txFillClrLst>
+    <dgm:txEffectClrLst/>
+  </dgm:styleLbl>
+  <dgm:styleLbl name="parChTrans1D1">
+    <dgm:fillClrLst meth="repeat">
+      <a:schemeClr val="accent5"/>
+    </dgm:fillClrLst>
+    <dgm:linClrLst meth="repeat">
+      <a:schemeClr val="accent5"/>
+    </dgm:linClrLst>
+    <dgm:effectClrLst/>
+    <dgm:txLinClrLst/>
+    <dgm:txFillClrLst meth="repeat">
+      <a:schemeClr val="tx1"/>
+    </dgm:txFillClrLst>
+    <dgm:txEffectClrLst/>
+  </dgm:styleLbl>
+  <dgm:styleLbl name="parChTrans1D2">
+    <dgm:fillClrLst meth="repeat">
+      <a:schemeClr val="accent6">
+        <a:tint val="90000"/>
+      </a:schemeClr>
+    </dgm:fillClrLst>
+    <dgm:linClrLst meth="repeat">
+      <a:schemeClr val="accent6"/>
+    </dgm:linClrLst>
+    <dgm:effectClrLst/>
+    <dgm:txLinClrLst/>
+    <dgm:txFillClrLst meth="repeat">
+      <a:schemeClr val="tx1"/>
+    </dgm:txFillClrLst>
+    <dgm:txEffectClrLst/>
+  </dgm:styleLbl>
+  <dgm:styleLbl name="parChTrans1D3">
+    <dgm:fillClrLst meth="repeat">
+      <a:schemeClr val="accent6">
+        <a:tint val="70000"/>
+      </a:schemeClr>
+    </dgm:fillClrLst>
+    <dgm:linClrLst meth="repeat">
+      <a:schemeClr val="accent1"/>
+    </dgm:linClrLst>
+    <dgm:effectClrLst/>
+    <dgm:txLinClrLst/>
+    <dgm:txFillClrLst meth="repeat">
+      <a:schemeClr val="tx1"/>
+    </dgm:txFillClrLst>
+    <dgm:txEffectClrLst/>
+  </dgm:styleLbl>
+  <dgm:styleLbl name="parChTrans1D4">
+    <dgm:fillClrLst meth="repeat">
+      <a:schemeClr val="accent6">
+        <a:tint val="50000"/>
+      </a:schemeClr>
+    </dgm:fillClrLst>
+    <dgm:linClrLst meth="repeat">
+      <a:schemeClr val="accent2"/>
+    </dgm:linClrLst>
+    <dgm:effectClrLst/>
+    <dgm:txLinClrLst/>
+    <dgm:txFillClrLst meth="repeat">
+      <a:schemeClr val="tx1"/>
+    </dgm:txFillClrLst>
+    <dgm:txEffectClrLst/>
+  </dgm:styleLbl>
+  <dgm:styleLbl name="fgAcc1">
+    <dgm:fillClrLst meth="repeat">
+      <a:schemeClr val="lt1">
+        <a:alpha val="90000"/>
+      </a:schemeClr>
+    </dgm:fillClrLst>
+    <dgm:linClrLst>
+      <a:schemeClr val="accent5"/>
+      <a:schemeClr val="accent6"/>
+    </dgm:linClrLst>
+    <dgm:effectClrLst/>
+    <dgm:txLinClrLst/>
+    <dgm:txFillClrLst meth="repeat">
+      <a:schemeClr val="dk1"/>
+    </dgm:txFillClrLst>
+    <dgm:txEffectClrLst/>
+  </dgm:styleLbl>
+  <dgm:styleLbl name="conFgAcc1">
+    <dgm:fillClrLst meth="repeat">
+      <a:schemeClr val="lt1">
+        <a:alpha val="90000"/>
+      </a:schemeClr>
+    </dgm:fillClrLst>
+    <dgm:linClrLst>
+      <a:schemeClr val="accent5"/>
+      <a:schemeClr val="accent6"/>
+    </dgm:linClrLst>
+    <dgm:effectClrLst/>
+    <dgm:txLinClrLst/>
+    <dgm:txFillClrLst meth="repeat">
+      <a:schemeClr val="dk1"/>
+    </dgm:txFillClrLst>
+    <dgm:txEffectClrLst/>
+  </dgm:styleLbl>
+  <dgm:styleLbl name="alignAcc1">
+    <dgm:fillClrLst meth="repeat">
+      <a:schemeClr val="lt1">
+        <a:alpha val="90000"/>
+      </a:schemeClr>
+    </dgm:fillClrLst>
+    <dgm:linClrLst>
+      <a:schemeClr val="accent5"/>
+      <a:schemeClr val="accent6"/>
+    </dgm:linClrLst>
+    <dgm:effectClrLst/>
+    <dgm:txLinClrLst/>
+    <dgm:txFillClrLst meth="repeat">
+      <a:schemeClr val="dk1"/>
+    </dgm:txFillClrLst>
+    <dgm:txEffectClrLst/>
+  </dgm:styleLbl>
+  <dgm:styleLbl name="trAlignAcc1">
+    <dgm:fillClrLst meth="repeat">
+      <a:schemeClr val="lt1">
+        <a:alpha val="40000"/>
+      </a:schemeClr>
+    </dgm:fillClrLst>
+    <dgm:linClrLst meth="repeat">
+      <a:schemeClr val="accent5"/>
+    </dgm:linClrLst>
+    <dgm:effectClrLst/>
+    <dgm:txLinClrLst/>
+    <dgm:txFillClrLst meth="repeat">
+      <a:schemeClr val="dk1"/>
+    </dgm:txFillClrLst>
+    <dgm:txEffectClrLst/>
+  </dgm:styleLbl>
+  <dgm:styleLbl name="bgAcc1">
+    <dgm:fillClrLst meth="repeat">
+      <a:schemeClr val="lt1">
+        <a:alpha val="90000"/>
+      </a:schemeClr>
+    </dgm:fillClrLst>
+    <dgm:linClrLst>
+      <a:schemeClr val="accent5"/>
+      <a:schemeClr val="accent6"/>
+    </dgm:linClrLst>
+    <dgm:effectClrLst/>
+    <dgm:txLinClrLst/>
+    <dgm:txFillClrLst meth="repeat">
+      <a:schemeClr val="dk1"/>
+    </dgm:txFillClrLst>
+    <dgm:txEffectClrLst/>
+  </dgm:styleLbl>
+  <dgm:styleLbl name="solidFgAcc1">
+    <dgm:fillClrLst meth="repeat">
+      <a:schemeClr val="lt1"/>
+    </dgm:fillClrLst>
+    <dgm:linClrLst>
+      <a:schemeClr val="accent5"/>
+      <a:schemeClr val="accent6"/>
+    </dgm:linClrLst>
+    <dgm:effectClrLst/>
+    <dgm:txLinClrLst/>
+    <dgm:txFillClrLst meth="repeat">
+      <a:schemeClr val="dk1"/>
+    </dgm:txFillClrLst>
+    <dgm:txEffectClrLst/>
+  </dgm:styleLbl>
+  <dgm:styleLbl name="solidAlignAcc1">
+    <dgm:fillClrLst meth="repeat">
+      <a:schemeClr val="lt1"/>
+    </dgm:fillClrLst>
+    <dgm:linClrLst>
+      <a:schemeClr val="accent5"/>
+      <a:schemeClr val="accent6"/>
+    </dgm:linClrLst>
+    <dgm:effectClrLst/>
+    <dgm:txLinClrLst/>
+    <dgm:txFillClrLst meth="repeat">
+      <a:schemeClr val="dk1"/>
+    </dgm:txFillClrLst>
+    <dgm:txEffectClrLst/>
+  </dgm:styleLbl>
+  <dgm:styleLbl name="solidBgAcc1">
+    <dgm:fillClrLst meth="repeat">
+      <a:schemeClr val="lt1"/>
+    </dgm:fillClrLst>
+    <dgm:linClrLst>
+      <a:schemeClr val="accent5"/>
+      <a:schemeClr val="accent6"/>
+    </dgm:linClrLst>
+    <dgm:effectClrLst/>
+    <dgm:txLinClrLst/>
+    <dgm:txFillClrLst meth="repeat">
+      <a:schemeClr val="dk1"/>
+    </dgm:txFillClrLst>
+    <dgm:txEffectClrLst/>
+  </dgm:styleLbl>
+  <dgm:styleLbl name="fgAccFollowNode1">
+    <dgm:fillClrLst>
+      <a:schemeClr val="accent5">
+        <a:tint val="40000"/>
+        <a:alpha val="90000"/>
+      </a:schemeClr>
+      <a:schemeClr val="accent6">
+        <a:tint val="40000"/>
+        <a:alpha val="90000"/>
+      </a:schemeClr>
+    </dgm:fillClrLst>
+    <dgm:linClrLst>
+      <a:schemeClr val="accent5">
+        <a:tint val="40000"/>
+        <a:alpha val="90000"/>
+      </a:schemeClr>
+      <a:schemeClr val="accent5">
+        <a:tint val="40000"/>
+        <a:alpha val="90000"/>
+      </a:schemeClr>
+    </dgm:linClrLst>
+    <dgm:effectClrLst/>
+    <dgm:txLinClrLst/>
+    <dgm:txFillClrLst meth="repeat">
+      <a:schemeClr val="dk1"/>
+    </dgm:txFillClrLst>
+    <dgm:txEffectClrLst/>
+  </dgm:styleLbl>
+  <dgm:styleLbl name="alignAccFollowNode1">
+    <dgm:fillClrLst>
+      <a:schemeClr val="accent5">
+        <a:tint val="40000"/>
+        <a:alpha val="90000"/>
+      </a:schemeClr>
+      <a:schemeClr val="accent6">
+        <a:tint val="40000"/>
+        <a:alpha val="90000"/>
+      </a:schemeClr>
+    </dgm:fillClrLst>
+    <dgm:linClrLst>
+      <a:schemeClr val="accent5">
+        <a:tint val="40000"/>
+        <a:alpha val="90000"/>
+      </a:schemeClr>
+      <a:schemeClr val="accent6">
+        <a:tint val="40000"/>
+        <a:alpha val="90000"/>
+      </a:schemeClr>
+    </dgm:linClrLst>
+    <dgm:effectClrLst/>
+    <dgm:txLinClrLst/>
+    <dgm:txFillClrLst meth="repeat">
+      <a:schemeClr val="dk1"/>
+    </dgm:txFillClrLst>
+    <dgm:txEffectClrLst/>
+  </dgm:styleLbl>
+  <dgm:styleLbl name="bgAccFollowNode1">
+    <dgm:fillClrLst>
+      <a:schemeClr val="accent5">
+        <a:tint val="40000"/>
+        <a:alpha val="90000"/>
+      </a:schemeClr>
+      <a:schemeClr val="accent6">
+        <a:tint val="40000"/>
+        <a:alpha val="90000"/>
+      </a:schemeClr>
+    </dgm:fillClrLst>
+    <dgm:linClrLst>
+      <a:schemeClr val="accent5">
+        <a:tint val="40000"/>
+        <a:alpha val="90000"/>
+      </a:schemeClr>
+      <a:schemeClr val="accent6">
+        <a:tint val="40000"/>
+        <a:alpha val="90000"/>
+      </a:schemeClr>
+    </dgm:linClrLst>
+    <dgm:effectClrLst/>
+    <dgm:txLinClrLst/>
+    <dgm:txFillClrLst meth="repeat">
+      <a:schemeClr val="dk1"/>
+    </dgm:txFillClrLst>
+    <dgm:txEffectClrLst/>
+  </dgm:styleLbl>
+  <dgm:styleLbl name="fgAcc0">
+    <dgm:fillClrLst meth="repeat">
+      <a:schemeClr val="lt1">
+        <a:alpha val="90000"/>
+      </a:schemeClr>
+    </dgm:fillClrLst>
+    <dgm:linClrLst>
+      <a:schemeClr val="accent4"/>
+    </dgm:linClrLst>
+    <dgm:effectClrLst/>
+    <dgm:txLinClrLst/>
+    <dgm:txFillClrLst meth="repeat">
+      <a:schemeClr val="dk1"/>
+    </dgm:txFillClrLst>
+    <dgm:txEffectClrLst/>
+  </dgm:styleLbl>
+  <dgm:styleLbl name="fgAcc2">
+    <dgm:fillClrLst meth="repeat">
+      <a:schemeClr val="lt1">
+        <a:alpha val="90000"/>
+      </a:schemeClr>
+    </dgm:fillClrLst>
+    <dgm:linClrLst>
+      <a:schemeClr val="accent6"/>
+    </dgm:linClrLst>
+    <dgm:effectClrLst/>
+    <dgm:txLinClrLst/>
+    <dgm:txFillClrLst meth="repeat">
+      <a:schemeClr val="dk1"/>
+    </dgm:txFillClrLst>
+    <dgm:txEffectClrLst/>
+  </dgm:styleLbl>
+  <dgm:styleLbl name="fgAcc3">
+    <dgm:fillClrLst meth="repeat">
+      <a:schemeClr val="lt1">
+        <a:alpha val="90000"/>
+      </a:schemeClr>
+    </dgm:fillClrLst>
+    <dgm:linClrLst>
+      <a:schemeClr val="accent1"/>
+    </dgm:linClrLst>
+    <dgm:effectClrLst/>
+    <dgm:txLinClrLst/>
+    <dgm:txFillClrLst meth="repeat">
+      <a:schemeClr val="dk1"/>
+    </dgm:txFillClrLst>
+    <dgm:txEffectClrLst/>
+  </dgm:styleLbl>
+  <dgm:styleLbl name="fgAcc4">
+    <dgm:fillClrLst meth="repeat">
+      <a:schemeClr val="lt1">
+        <a:alpha val="90000"/>
+      </a:schemeClr>
+    </dgm:fillClrLst>
+    <dgm:linClrLst>
+      <a:schemeClr val="accent2"/>
+    </dgm:linClrLst>
+    <dgm:effectClrLst/>
+    <dgm:txLinClrLst/>
+    <dgm:txFillClrLst meth="repeat">
+      <a:schemeClr val="dk1"/>
+    </dgm:txFillClrLst>
+    <dgm:txEffectClrLst/>
+  </dgm:styleLbl>
+  <dgm:styleLbl name="bgShp">
+    <dgm:fillClrLst meth="repeat">
+      <a:schemeClr val="bg1">
+        <a:lumMod val="95000"/>
+      </a:schemeClr>
+    </dgm:fillClrLst>
+    <dgm:linClrLst meth="repeat">
+      <a:schemeClr val="dk1"/>
+    </dgm:linClrLst>
+    <dgm:effectClrLst/>
+    <dgm:txLinClrLst/>
+    <dgm:txFillClrLst meth="repeat">
+      <a:schemeClr val="dk1"/>
+    </dgm:txFillClrLst>
+    <dgm:txEffectClrLst/>
+  </dgm:styleLbl>
+  <dgm:styleLbl name="dkBgShp">
+    <dgm:fillClrLst meth="repeat">
+      <a:schemeClr val="accent5">
+        <a:shade val="90000"/>
+      </a:schemeClr>
+    </dgm:fillClrLst>
+    <dgm:linClrLst meth="repeat">
+      <a:schemeClr val="dk1"/>
+    </dgm:linClrLst>
+    <dgm:effectClrLst/>
+    <dgm:txLinClrLst/>
+    <dgm:txFillClrLst meth="repeat">
+      <a:schemeClr val="lt1"/>
+    </dgm:txFillClrLst>
+    <dgm:txEffectClrLst/>
+  </dgm:styleLbl>
+  <dgm:styleLbl name="trBgShp">
+    <dgm:fillClrLst meth="repeat">
+      <a:schemeClr val="accent5">
+        <a:tint val="50000"/>
+        <a:alpha val="40000"/>
+      </a:schemeClr>
+    </dgm:fillClrLst>
+    <dgm:linClrLst meth="repeat">
+      <a:schemeClr val="accent5"/>
+    </dgm:linClrLst>
+    <dgm:effectClrLst/>
+    <dgm:txLinClrLst/>
+    <dgm:txFillClrLst meth="repeat">
+      <a:schemeClr val="lt1"/>
+    </dgm:txFillClrLst>
+    <dgm:txEffectClrLst/>
+  </dgm:styleLbl>
+  <dgm:styleLbl name="fgShp">
+    <dgm:fillClrLst meth="repeat">
+      <a:schemeClr val="accent5">
+        <a:tint val="40000"/>
+      </a:schemeClr>
+    </dgm:fillClrLst>
+    <dgm:linClrLst meth="repeat">
+      <a:schemeClr val="lt1"/>
+    </dgm:linClrLst>
+    <dgm:effectClrLst/>
+    <dgm:txLinClrLst/>
+    <dgm:txFillClrLst meth="repeat">
+      <a:schemeClr val="dk1"/>
+    </dgm:txFillClrLst>
+    <dgm:txEffectClrLst/>
+  </dgm:styleLbl>
+  <dgm:styleLbl name="revTx">
+    <dgm:fillClrLst meth="repeat">
+      <a:schemeClr val="lt1">
+        <a:alpha val="0"/>
+      </a:schemeClr>
+    </dgm:fillClrLst>
+    <dgm:linClrLst meth="repeat">
+      <a:schemeClr val="dk1">
+        <a:alpha val="0"/>
+      </a:schemeClr>
+    </dgm:linClrLst>
+    <dgm:effectClrLst/>
+    <dgm:txLinClrLst/>
+    <dgm:txFillClrLst meth="repeat">
+      <a:schemeClr val="tx1"/>
+    </dgm:txFillClrLst>
+    <dgm:txEffectClrLst/>
+  </dgm:styleLbl>
+</dgm:colorsDef>
+</file>
+
+<file path=ppt/diagrams/data1.xml><?xml version="1.0" encoding="utf-8"?>
+<dgm:dataModel xmlns:dgm="http://schemas.openxmlformats.org/drawingml/2006/diagram" xmlns:a="http://schemas.openxmlformats.org/drawingml/2006/main">
+  <dgm:ptLst>
+    <dgm:pt modelId="{2ABC53C8-45CC-4634-BB1B-A6FED94108A8}" type="doc">
+      <dgm:prSet loTypeId="urn:microsoft.com/office/officeart/2018/2/layout/IconLabelList" loCatId="icon" qsTypeId="urn:microsoft.com/office/officeart/2005/8/quickstyle/simple1" qsCatId="simple" csTypeId="urn:microsoft.com/office/officeart/2018/5/colors/Iconchunking_neutralbg_colorful5" csCatId="colorful" phldr="1"/>
+      <dgm:spPr/>
+      <dgm:t>
+        <a:bodyPr/>
+        <a:lstStyle/>
+        <a:p>
+          <a:endParaRPr lang="en-US"/>
+        </a:p>
+      </dgm:t>
+    </dgm:pt>
+    <dgm:pt modelId="{1F7499D9-F35F-4AB7-945D-ED2302D578A4}">
+      <dgm:prSet/>
+      <dgm:spPr/>
+      <dgm:t>
+        <a:bodyPr/>
+        <a:lstStyle/>
+        <a:p>
+          <a:r>
+            <a:rPr lang="en-GB"/>
+            <a:t>Equipment</a:t>
+          </a:r>
+          <a:endParaRPr lang="en-US"/>
+        </a:p>
+      </dgm:t>
+    </dgm:pt>
+    <dgm:pt modelId="{3D94F496-4A58-4856-8E1D-6AE32D5DEA1F}" type="parTrans" cxnId="{55D0A751-48B4-4BE6-A222-235C694524F6}">
+      <dgm:prSet/>
+      <dgm:spPr/>
+      <dgm:t>
+        <a:bodyPr/>
+        <a:lstStyle/>
+        <a:p>
+          <a:endParaRPr lang="en-US"/>
+        </a:p>
+      </dgm:t>
+    </dgm:pt>
+    <dgm:pt modelId="{DD79F3F7-B7F0-4227-B446-2E9ED4CB6616}" type="sibTrans" cxnId="{55D0A751-48B4-4BE6-A222-235C694524F6}">
+      <dgm:prSet/>
+      <dgm:spPr/>
+      <dgm:t>
+        <a:bodyPr/>
+        <a:lstStyle/>
+        <a:p>
+          <a:endParaRPr lang="en-US"/>
+        </a:p>
+      </dgm:t>
+    </dgm:pt>
+    <dgm:pt modelId="{08E5F867-220F-4AA2-BC0E-BDFA67338BE4}">
+      <dgm:prSet/>
+      <dgm:spPr/>
+      <dgm:t>
+        <a:bodyPr/>
+        <a:lstStyle/>
+        <a:p>
+          <a:r>
+            <a:rPr lang="en-GB"/>
+            <a:t>Variables</a:t>
+          </a:r>
+          <a:endParaRPr lang="en-US"/>
+        </a:p>
+      </dgm:t>
+    </dgm:pt>
+    <dgm:pt modelId="{9B18920F-3956-4F79-AF73-BA667C5302B4}" type="parTrans" cxnId="{AACC0C13-44BF-4D8A-99DF-50990B4D96D6}">
+      <dgm:prSet/>
+      <dgm:spPr/>
+      <dgm:t>
+        <a:bodyPr/>
+        <a:lstStyle/>
+        <a:p>
+          <a:endParaRPr lang="en-US"/>
+        </a:p>
+      </dgm:t>
+    </dgm:pt>
+    <dgm:pt modelId="{71B35560-1CE0-4AC3-8743-DBA293A1667B}" type="sibTrans" cxnId="{AACC0C13-44BF-4D8A-99DF-50990B4D96D6}">
+      <dgm:prSet/>
+      <dgm:spPr/>
+      <dgm:t>
+        <a:bodyPr/>
+        <a:lstStyle/>
+        <a:p>
+          <a:endParaRPr lang="en-US"/>
+        </a:p>
+      </dgm:t>
+    </dgm:pt>
+    <dgm:pt modelId="{03982473-7C90-4B4C-9D02-7F1E9628F767}">
+      <dgm:prSet/>
+      <dgm:spPr/>
+      <dgm:t>
+        <a:bodyPr/>
+        <a:lstStyle/>
+        <a:p>
+          <a:r>
+            <a:rPr lang="en-GB"/>
+            <a:t>Method</a:t>
+          </a:r>
+          <a:endParaRPr lang="en-US"/>
+        </a:p>
+      </dgm:t>
+    </dgm:pt>
+    <dgm:pt modelId="{52B06068-4B2E-43A2-83CA-96F12083628D}" type="parTrans" cxnId="{D640F007-1BE8-4620-AD9D-E89990A51DAE}">
+      <dgm:prSet/>
+      <dgm:spPr/>
+      <dgm:t>
+        <a:bodyPr/>
+        <a:lstStyle/>
+        <a:p>
+          <a:endParaRPr lang="en-US"/>
+        </a:p>
+      </dgm:t>
+    </dgm:pt>
+    <dgm:pt modelId="{413451F2-9B7C-4A0E-86F6-B19BAF7543E9}" type="sibTrans" cxnId="{D640F007-1BE8-4620-AD9D-E89990A51DAE}">
+      <dgm:prSet/>
+      <dgm:spPr/>
+      <dgm:t>
+        <a:bodyPr/>
+        <a:lstStyle/>
+        <a:p>
+          <a:endParaRPr lang="en-US"/>
+        </a:p>
+      </dgm:t>
+    </dgm:pt>
+    <dgm:pt modelId="{073C0E1B-44DB-4723-91D4-788EB42219EF}" type="pres">
+      <dgm:prSet presAssocID="{2ABC53C8-45CC-4634-BB1B-A6FED94108A8}" presName="root" presStyleCnt="0">
+        <dgm:presLayoutVars>
+          <dgm:dir/>
+          <dgm:resizeHandles val="exact"/>
+        </dgm:presLayoutVars>
+      </dgm:prSet>
+      <dgm:spPr/>
+    </dgm:pt>
+    <dgm:pt modelId="{4452FF6B-9084-4C38-BBF8-AC3D14DF8877}" type="pres">
+      <dgm:prSet presAssocID="{1F7499D9-F35F-4AB7-945D-ED2302D578A4}" presName="compNode" presStyleCnt="0"/>
+      <dgm:spPr/>
+    </dgm:pt>
+    <dgm:pt modelId="{7EEC621B-6E88-44C6-9571-30AFB2A1C21D}" type="pres">
+      <dgm:prSet presAssocID="{1F7499D9-F35F-4AB7-945D-ED2302D578A4}" presName="iconRect" presStyleLbl="node1" presStyleIdx="0" presStyleCnt="3"/>
+      <dgm:spPr>
+        <a:blipFill>
+          <a:blip xmlns:r="http://schemas.openxmlformats.org/officeDocument/2006/relationships" r:embed="rId1">
+            <a:extLst>
+              <a:ext uri="{28A0092B-C50C-407E-A947-70E740481C1C}">
+                <a14:useLocalDpi xmlns:a14="http://schemas.microsoft.com/office/drawing/2010/main" val="0"/>
+              </a:ext>
+              <a:ext uri="{96DAC541-7B7A-43D3-8B79-37D633B846F1}">
+                <asvg:svgBlip xmlns:asvg="http://schemas.microsoft.com/office/drawing/2016/SVG/main" r:embed="rId2"/>
+              </a:ext>
+            </a:extLst>
+          </a:blip>
+          <a:stretch>
+            <a:fillRect/>
+          </a:stretch>
+        </a:blipFill>
+        <a:ln>
+          <a:noFill/>
+        </a:ln>
+      </dgm:spPr>
+      <dgm:extLst>
+        <a:ext uri="{E40237B7-FDA0-4F09-8148-C483321AD2D9}">
+          <dgm14:cNvPr xmlns:dgm14="http://schemas.microsoft.com/office/drawing/2010/diagram" id="0" name="" descr="Tools"/>
+        </a:ext>
+      </dgm:extLst>
+    </dgm:pt>
+    <dgm:pt modelId="{491AF978-3A71-4ED7-B0CA-7091F9F33ECF}" type="pres">
+      <dgm:prSet presAssocID="{1F7499D9-F35F-4AB7-945D-ED2302D578A4}" presName="spaceRect" presStyleCnt="0"/>
+      <dgm:spPr/>
+    </dgm:pt>
+    <dgm:pt modelId="{48866BE7-9DEC-4DE5-9D9F-7ACA2CBE921D}" type="pres">
+      <dgm:prSet presAssocID="{1F7499D9-F35F-4AB7-945D-ED2302D578A4}" presName="textRect" presStyleLbl="revTx" presStyleIdx="0" presStyleCnt="3">
+        <dgm:presLayoutVars>
+          <dgm:chMax val="1"/>
+          <dgm:chPref val="1"/>
+        </dgm:presLayoutVars>
+      </dgm:prSet>
+      <dgm:spPr/>
+    </dgm:pt>
+    <dgm:pt modelId="{63BCAFCB-B638-43F1-A2A4-185C9E1565C3}" type="pres">
+      <dgm:prSet presAssocID="{DD79F3F7-B7F0-4227-B446-2E9ED4CB6616}" presName="sibTrans" presStyleCnt="0"/>
+      <dgm:spPr/>
+    </dgm:pt>
+    <dgm:pt modelId="{E8EF5EE6-1427-44E3-B328-4D7B69AD70C2}" type="pres">
+      <dgm:prSet presAssocID="{08E5F867-220F-4AA2-BC0E-BDFA67338BE4}" presName="compNode" presStyleCnt="0"/>
+      <dgm:spPr/>
+    </dgm:pt>
+    <dgm:pt modelId="{298DBD21-E139-487B-A8A2-A696340668F0}" type="pres">
+      <dgm:prSet presAssocID="{08E5F867-220F-4AA2-BC0E-BDFA67338BE4}" presName="iconRect" presStyleLbl="node1" presStyleIdx="1" presStyleCnt="3"/>
+      <dgm:spPr>
+        <a:blipFill>
+          <a:blip xmlns:r="http://schemas.openxmlformats.org/officeDocument/2006/relationships" r:embed="rId3">
+            <a:extLst>
+              <a:ext uri="{28A0092B-C50C-407E-A947-70E740481C1C}">
+                <a14:useLocalDpi xmlns:a14="http://schemas.microsoft.com/office/drawing/2010/main" val="0"/>
+              </a:ext>
+              <a:ext uri="{96DAC541-7B7A-43D3-8B79-37D633B846F1}">
+                <asvg:svgBlip xmlns:asvg="http://schemas.microsoft.com/office/drawing/2016/SVG/main" r:embed="rId4"/>
+              </a:ext>
+            </a:extLst>
+          </a:blip>
+          <a:stretch>
+            <a:fillRect/>
+          </a:stretch>
+        </a:blipFill>
+        <a:ln>
+          <a:noFill/>
+        </a:ln>
+      </dgm:spPr>
+      <dgm:extLst>
+        <a:ext uri="{E40237B7-FDA0-4F09-8148-C483321AD2D9}">
+          <dgm14:cNvPr xmlns:dgm14="http://schemas.microsoft.com/office/drawing/2010/diagram" id="0" name="" descr="Document"/>
+        </a:ext>
+      </dgm:extLst>
+    </dgm:pt>
+    <dgm:pt modelId="{20FF8C51-4BEA-4EA9-AD04-217E43624FF1}" type="pres">
+      <dgm:prSet presAssocID="{08E5F867-220F-4AA2-BC0E-BDFA67338BE4}" presName="spaceRect" presStyleCnt="0"/>
+      <dgm:spPr/>
+    </dgm:pt>
+    <dgm:pt modelId="{A600E0F2-2AE9-4AEC-B126-C55ACB2161D4}" type="pres">
+      <dgm:prSet presAssocID="{08E5F867-220F-4AA2-BC0E-BDFA67338BE4}" presName="textRect" presStyleLbl="revTx" presStyleIdx="1" presStyleCnt="3">
+        <dgm:presLayoutVars>
+          <dgm:chMax val="1"/>
+          <dgm:chPref val="1"/>
+        </dgm:presLayoutVars>
+      </dgm:prSet>
+      <dgm:spPr/>
+    </dgm:pt>
+    <dgm:pt modelId="{E5FD6FB0-B17B-45D4-BE40-5CAB81AE9A96}" type="pres">
+      <dgm:prSet presAssocID="{71B35560-1CE0-4AC3-8743-DBA293A1667B}" presName="sibTrans" presStyleCnt="0"/>
+      <dgm:spPr/>
+    </dgm:pt>
+    <dgm:pt modelId="{D28F7F62-B8BE-4377-B7B1-0B14AEB4238A}" type="pres">
+      <dgm:prSet presAssocID="{03982473-7C90-4B4C-9D02-7F1E9628F767}" presName="compNode" presStyleCnt="0"/>
+      <dgm:spPr/>
+    </dgm:pt>
+    <dgm:pt modelId="{C7A6FD5D-FCA1-46CF-AD17-A3CC18907B62}" type="pres">
+      <dgm:prSet presAssocID="{03982473-7C90-4B4C-9D02-7F1E9628F767}" presName="iconRect" presStyleLbl="node1" presStyleIdx="2" presStyleCnt="3"/>
+      <dgm:spPr>
+        <a:blipFill>
+          <a:blip xmlns:r="http://schemas.openxmlformats.org/officeDocument/2006/relationships" r:embed="rId5">
+            <a:extLst>
+              <a:ext uri="{28A0092B-C50C-407E-A947-70E740481C1C}">
+                <a14:useLocalDpi xmlns:a14="http://schemas.microsoft.com/office/drawing/2010/main" val="0"/>
+              </a:ext>
+              <a:ext uri="{96DAC541-7B7A-43D3-8B79-37D633B846F1}">
+                <asvg:svgBlip xmlns:asvg="http://schemas.microsoft.com/office/drawing/2016/SVG/main" r:embed="rId6"/>
+              </a:ext>
+            </a:extLst>
+          </a:blip>
+          <a:stretch>
+            <a:fillRect/>
+          </a:stretch>
+        </a:blipFill>
+        <a:ln>
+          <a:noFill/>
+        </a:ln>
+      </dgm:spPr>
+      <dgm:extLst>
+        <a:ext uri="{E40237B7-FDA0-4F09-8148-C483321AD2D9}">
+          <dgm14:cNvPr xmlns:dgm14="http://schemas.microsoft.com/office/drawing/2010/diagram" id="0" name="" descr="Circles with Arrows"/>
+        </a:ext>
+      </dgm:extLst>
+    </dgm:pt>
+    <dgm:pt modelId="{62376FEE-1113-4087-95EC-6ACF1FBB18BF}" type="pres">
+      <dgm:prSet presAssocID="{03982473-7C90-4B4C-9D02-7F1E9628F767}" presName="spaceRect" presStyleCnt="0"/>
+      <dgm:spPr/>
+    </dgm:pt>
+    <dgm:pt modelId="{A83691D2-EB2F-45BA-B2CE-C09BCB9DD7D0}" type="pres">
+      <dgm:prSet presAssocID="{03982473-7C90-4B4C-9D02-7F1E9628F767}" presName="textRect" presStyleLbl="revTx" presStyleIdx="2" presStyleCnt="3">
+        <dgm:presLayoutVars>
+          <dgm:chMax val="1"/>
+          <dgm:chPref val="1"/>
+        </dgm:presLayoutVars>
+      </dgm:prSet>
+      <dgm:spPr/>
+    </dgm:pt>
+  </dgm:ptLst>
+  <dgm:cxnLst>
+    <dgm:cxn modelId="{D640F007-1BE8-4620-AD9D-E89990A51DAE}" srcId="{2ABC53C8-45CC-4634-BB1B-A6FED94108A8}" destId="{03982473-7C90-4B4C-9D02-7F1E9628F767}" srcOrd="2" destOrd="0" parTransId="{52B06068-4B2E-43A2-83CA-96F12083628D}" sibTransId="{413451F2-9B7C-4A0E-86F6-B19BAF7543E9}"/>
+    <dgm:cxn modelId="{F127630D-F8E4-4F17-857A-84E91E0C5976}" type="presOf" srcId="{1F7499D9-F35F-4AB7-945D-ED2302D578A4}" destId="{48866BE7-9DEC-4DE5-9D9F-7ACA2CBE921D}" srcOrd="0" destOrd="0" presId="urn:microsoft.com/office/officeart/2018/2/layout/IconLabelList"/>
+    <dgm:cxn modelId="{AACC0C13-44BF-4D8A-99DF-50990B4D96D6}" srcId="{2ABC53C8-45CC-4634-BB1B-A6FED94108A8}" destId="{08E5F867-220F-4AA2-BC0E-BDFA67338BE4}" srcOrd="1" destOrd="0" parTransId="{9B18920F-3956-4F79-AF73-BA667C5302B4}" sibTransId="{71B35560-1CE0-4AC3-8743-DBA293A1667B}"/>
+    <dgm:cxn modelId="{CFC2EE14-5A6D-40CE-A4FE-50922D84A0EE}" type="presOf" srcId="{03982473-7C90-4B4C-9D02-7F1E9628F767}" destId="{A83691D2-EB2F-45BA-B2CE-C09BCB9DD7D0}" srcOrd="0" destOrd="0" presId="urn:microsoft.com/office/officeart/2018/2/layout/IconLabelList"/>
+    <dgm:cxn modelId="{B6C85824-1654-4218-BA91-5818F051F9B5}" type="presOf" srcId="{2ABC53C8-45CC-4634-BB1B-A6FED94108A8}" destId="{073C0E1B-44DB-4723-91D4-788EB42219EF}" srcOrd="0" destOrd="0" presId="urn:microsoft.com/office/officeart/2018/2/layout/IconLabelList"/>
+    <dgm:cxn modelId="{55D0A751-48B4-4BE6-A222-235C694524F6}" srcId="{2ABC53C8-45CC-4634-BB1B-A6FED94108A8}" destId="{1F7499D9-F35F-4AB7-945D-ED2302D578A4}" srcOrd="0" destOrd="0" parTransId="{3D94F496-4A58-4856-8E1D-6AE32D5DEA1F}" sibTransId="{DD79F3F7-B7F0-4227-B446-2E9ED4CB6616}"/>
+    <dgm:cxn modelId="{5415BDE7-89AA-4818-B8F5-0C6050A7ECEA}" type="presOf" srcId="{08E5F867-220F-4AA2-BC0E-BDFA67338BE4}" destId="{A600E0F2-2AE9-4AEC-B126-C55ACB2161D4}" srcOrd="0" destOrd="0" presId="urn:microsoft.com/office/officeart/2018/2/layout/IconLabelList"/>
+    <dgm:cxn modelId="{187C77FE-D408-4AB3-9675-454D142FBCE1}" type="presParOf" srcId="{073C0E1B-44DB-4723-91D4-788EB42219EF}" destId="{4452FF6B-9084-4C38-BBF8-AC3D14DF8877}" srcOrd="0" destOrd="0" presId="urn:microsoft.com/office/officeart/2018/2/layout/IconLabelList"/>
+    <dgm:cxn modelId="{0EF21FF2-6F7B-4AB1-95B4-5BCB54DE33F4}" type="presParOf" srcId="{4452FF6B-9084-4C38-BBF8-AC3D14DF8877}" destId="{7EEC621B-6E88-44C6-9571-30AFB2A1C21D}" srcOrd="0" destOrd="0" presId="urn:microsoft.com/office/officeart/2018/2/layout/IconLabelList"/>
+    <dgm:cxn modelId="{A946FF32-9F8C-4CEA-BF21-48AB337AF9FC}" type="presParOf" srcId="{4452FF6B-9084-4C38-BBF8-AC3D14DF8877}" destId="{491AF978-3A71-4ED7-B0CA-7091F9F33ECF}" srcOrd="1" destOrd="0" presId="urn:microsoft.com/office/officeart/2018/2/layout/IconLabelList"/>
+    <dgm:cxn modelId="{9819B5B9-435F-49F3-BA4B-AFA862DD257B}" type="presParOf" srcId="{4452FF6B-9084-4C38-BBF8-AC3D14DF8877}" destId="{48866BE7-9DEC-4DE5-9D9F-7ACA2CBE921D}" srcOrd="2" destOrd="0" presId="urn:microsoft.com/office/officeart/2018/2/layout/IconLabelList"/>
+    <dgm:cxn modelId="{AD0F9569-FEE5-4440-91C3-CC700FBE2078}" type="presParOf" srcId="{073C0E1B-44DB-4723-91D4-788EB42219EF}" destId="{63BCAFCB-B638-43F1-A2A4-185C9E1565C3}" srcOrd="1" destOrd="0" presId="urn:microsoft.com/office/officeart/2018/2/layout/IconLabelList"/>
+    <dgm:cxn modelId="{17445452-17EB-4EB5-9720-5206C6CDE49E}" type="presParOf" srcId="{073C0E1B-44DB-4723-91D4-788EB42219EF}" destId="{E8EF5EE6-1427-44E3-B328-4D7B69AD70C2}" srcOrd="2" destOrd="0" presId="urn:microsoft.com/office/officeart/2018/2/layout/IconLabelList"/>
+    <dgm:cxn modelId="{BEFD384F-637F-4131-8C07-891D849F940F}" type="presParOf" srcId="{E8EF5EE6-1427-44E3-B328-4D7B69AD70C2}" destId="{298DBD21-E139-487B-A8A2-A696340668F0}" srcOrd="0" destOrd="0" presId="urn:microsoft.com/office/officeart/2018/2/layout/IconLabelList"/>
+    <dgm:cxn modelId="{3FABEB28-0ADA-42F9-855D-3D1BFC7B52D0}" type="presParOf" srcId="{E8EF5EE6-1427-44E3-B328-4D7B69AD70C2}" destId="{20FF8C51-4BEA-4EA9-AD04-217E43624FF1}" srcOrd="1" destOrd="0" presId="urn:microsoft.com/office/officeart/2018/2/layout/IconLabelList"/>
+    <dgm:cxn modelId="{4E145BCC-B94A-41F0-9F40-56EC746DB366}" type="presParOf" srcId="{E8EF5EE6-1427-44E3-B328-4D7B69AD70C2}" destId="{A600E0F2-2AE9-4AEC-B126-C55ACB2161D4}" srcOrd="2" destOrd="0" presId="urn:microsoft.com/office/officeart/2018/2/layout/IconLabelList"/>
+    <dgm:cxn modelId="{BB681D6A-0704-4016-9D90-B60AE15EDF96}" type="presParOf" srcId="{073C0E1B-44DB-4723-91D4-788EB42219EF}" destId="{E5FD6FB0-B17B-45D4-BE40-5CAB81AE9A96}" srcOrd="3" destOrd="0" presId="urn:microsoft.com/office/officeart/2018/2/layout/IconLabelList"/>
+    <dgm:cxn modelId="{909BA512-D461-4729-AB59-B2482078F08C}" type="presParOf" srcId="{073C0E1B-44DB-4723-91D4-788EB42219EF}" destId="{D28F7F62-B8BE-4377-B7B1-0B14AEB4238A}" srcOrd="4" destOrd="0" presId="urn:microsoft.com/office/officeart/2018/2/layout/IconLabelList"/>
+    <dgm:cxn modelId="{4B35FE3C-D9E7-4360-937B-48909AF58D11}" type="presParOf" srcId="{D28F7F62-B8BE-4377-B7B1-0B14AEB4238A}" destId="{C7A6FD5D-FCA1-46CF-AD17-A3CC18907B62}" srcOrd="0" destOrd="0" presId="urn:microsoft.com/office/officeart/2018/2/layout/IconLabelList"/>
+    <dgm:cxn modelId="{9B8C1C94-1ECC-4D1C-9D46-D380CA48037F}" type="presParOf" srcId="{D28F7F62-B8BE-4377-B7B1-0B14AEB4238A}" destId="{62376FEE-1113-4087-95EC-6ACF1FBB18BF}" srcOrd="1" destOrd="0" presId="urn:microsoft.com/office/officeart/2018/2/layout/IconLabelList"/>
+    <dgm:cxn modelId="{99496EBC-10C4-4C30-8663-83C8F7206283}" type="presParOf" srcId="{D28F7F62-B8BE-4377-B7B1-0B14AEB4238A}" destId="{A83691D2-EB2F-45BA-B2CE-C09BCB9DD7D0}" srcOrd="2" destOrd="0" presId="urn:microsoft.com/office/officeart/2018/2/layout/IconLabelList"/>
+  </dgm:cxnLst>
+  <dgm:bg/>
+  <dgm:whole/>
+  <dgm:extLst>
+    <a:ext uri="http://schemas.microsoft.com/office/drawing/2008/diagram">
+      <dsp:dataModelExt xmlns:dsp="http://schemas.microsoft.com/office/drawing/2008/diagram" relId="rId7" minVer="http://schemas.openxmlformats.org/drawingml/2006/diagram"/>
+    </a:ext>
+  </dgm:extLst>
+</dgm:dataModel>
+</file>
+
+<file path=ppt/diagrams/drawing1.xml><?xml version="1.0" encoding="utf-8"?>
+<dsp:drawing xmlns:dgm="http://schemas.openxmlformats.org/drawingml/2006/diagram" xmlns:dsp="http://schemas.microsoft.com/office/drawing/2008/diagram" xmlns:a="http://schemas.openxmlformats.org/drawingml/2006/main">
+  <dsp:spTree>
+    <dsp:nvGrpSpPr>
+      <dsp:cNvPr id="0" name=""/>
+      <dsp:cNvGrpSpPr/>
+    </dsp:nvGrpSpPr>
+    <dsp:grpSpPr/>
+    <dsp:sp modelId="{7EEC621B-6E88-44C6-9571-30AFB2A1C21D}">
+      <dsp:nvSpPr>
+        <dsp:cNvPr id="0" name=""/>
+        <dsp:cNvSpPr/>
+      </dsp:nvSpPr>
+      <dsp:spPr>
+        <a:xfrm>
+          <a:off x="1063980" y="689481"/>
+          <a:ext cx="1274535" cy="1274535"/>
+        </a:xfrm>
+        <a:prstGeom prst="rect">
+          <a:avLst/>
+        </a:prstGeom>
+        <a:blipFill>
+          <a:blip xmlns:r="http://schemas.openxmlformats.org/officeDocument/2006/relationships" r:embed="rId1">
+            <a:extLst>
+              <a:ext uri="{28A0092B-C50C-407E-A947-70E740481C1C}">
+                <a14:useLocalDpi xmlns:a14="http://schemas.microsoft.com/office/drawing/2010/main" val="0"/>
+              </a:ext>
+              <a:ext uri="{96DAC541-7B7A-43D3-8B79-37D633B846F1}">
+                <asvg:svgBlip xmlns:asvg="http://schemas.microsoft.com/office/drawing/2016/SVG/main" r:embed="rId2"/>
+              </a:ext>
+            </a:extLst>
+          </a:blip>
+          <a:stretch>
+            <a:fillRect/>
+          </a:stretch>
+        </a:blipFill>
+        <a:ln w="12700" cap="flat" cmpd="sng" algn="ctr">
+          <a:noFill/>
+          <a:prstDash val="solid"/>
+        </a:ln>
+        <a:effectLst/>
+      </dsp:spPr>
+      <dsp:style>
+        <a:lnRef idx="2">
+          <a:scrgbClr r="0" g="0" b="0"/>
+        </a:lnRef>
+        <a:fillRef idx="1">
+          <a:scrgbClr r="0" g="0" b="0"/>
+        </a:fillRef>
+        <a:effectRef idx="0">
+          <a:scrgbClr r="0" g="0" b="0"/>
+        </a:effectRef>
+        <a:fontRef idx="minor">
+          <a:schemeClr val="lt1"/>
+        </a:fontRef>
+      </dsp:style>
+    </dsp:sp>
+    <dsp:sp modelId="{48866BE7-9DEC-4DE5-9D9F-7ACA2CBE921D}">
+      <dsp:nvSpPr>
+        <dsp:cNvPr id="0" name=""/>
+        <dsp:cNvSpPr/>
+      </dsp:nvSpPr>
+      <dsp:spPr>
+        <a:xfrm>
+          <a:off x="285097" y="2316130"/>
+          <a:ext cx="2832300" cy="720000"/>
+        </a:xfrm>
+        <a:prstGeom prst="rect">
+          <a:avLst/>
+        </a:prstGeom>
+        <a:noFill/>
+        <a:ln>
+          <a:noFill/>
+        </a:ln>
+        <a:effectLst/>
+      </dsp:spPr>
+      <dsp:style>
+        <a:lnRef idx="0">
+          <a:scrgbClr r="0" g="0" b="0"/>
+        </a:lnRef>
+        <a:fillRef idx="0">
+          <a:scrgbClr r="0" g="0" b="0"/>
+        </a:fillRef>
+        <a:effectRef idx="0">
+          <a:scrgbClr r="0" g="0" b="0"/>
+        </a:effectRef>
+        <a:fontRef idx="minor"/>
+      </dsp:style>
+      <dsp:txBody>
+        <a:bodyPr spcFirstLastPara="0" vert="horz" wrap="square" lIns="0" tIns="0" rIns="0" bIns="0" numCol="1" spcCol="1270" anchor="t" anchorCtr="0">
+          <a:noAutofit/>
+        </a:bodyPr>
+        <a:lstStyle/>
+        <a:p>
+          <a:pPr marL="0" lvl="0" indent="0" algn="ctr" defTabSz="1600200">
+            <a:lnSpc>
+              <a:spcPct val="90000"/>
+            </a:lnSpc>
+            <a:spcBef>
+              <a:spcPct val="0"/>
+            </a:spcBef>
+            <a:spcAft>
+              <a:spcPct val="35000"/>
+            </a:spcAft>
+            <a:buNone/>
+          </a:pPr>
+          <a:r>
+            <a:rPr lang="en-GB" sz="3600" kern="1200"/>
+            <a:t>Equipment</a:t>
+          </a:r>
+          <a:endParaRPr lang="en-US" sz="3600" kern="1200"/>
+        </a:p>
+      </dsp:txBody>
+      <dsp:txXfrm>
+        <a:off x="285097" y="2316130"/>
+        <a:ext cx="2832300" cy="720000"/>
+      </dsp:txXfrm>
+    </dsp:sp>
+    <dsp:sp modelId="{298DBD21-E139-487B-A8A2-A696340668F0}">
+      <dsp:nvSpPr>
+        <dsp:cNvPr id="0" name=""/>
+        <dsp:cNvSpPr/>
+      </dsp:nvSpPr>
+      <dsp:spPr>
+        <a:xfrm>
+          <a:off x="4391932" y="689481"/>
+          <a:ext cx="1274535" cy="1274535"/>
+        </a:xfrm>
+        <a:prstGeom prst="rect">
+          <a:avLst/>
+        </a:prstGeom>
+        <a:blipFill>
+          <a:blip xmlns:r="http://schemas.openxmlformats.org/officeDocument/2006/relationships" r:embed="rId3">
+            <a:extLst>
+              <a:ext uri="{28A0092B-C50C-407E-A947-70E740481C1C}">
+                <a14:useLocalDpi xmlns:a14="http://schemas.microsoft.com/office/drawing/2010/main" val="0"/>
+              </a:ext>
+              <a:ext uri="{96DAC541-7B7A-43D3-8B79-37D633B846F1}">
+                <asvg:svgBlip xmlns:asvg="http://schemas.microsoft.com/office/drawing/2016/SVG/main" r:embed="rId4"/>
+              </a:ext>
+            </a:extLst>
+          </a:blip>
+          <a:stretch>
+            <a:fillRect/>
+          </a:stretch>
+        </a:blipFill>
+        <a:ln w="12700" cap="flat" cmpd="sng" algn="ctr">
+          <a:noFill/>
+          <a:prstDash val="solid"/>
+        </a:ln>
+        <a:effectLst/>
+      </dsp:spPr>
+      <dsp:style>
+        <a:lnRef idx="2">
+          <a:scrgbClr r="0" g="0" b="0"/>
+        </a:lnRef>
+        <a:fillRef idx="1">
+          <a:scrgbClr r="0" g="0" b="0"/>
+        </a:fillRef>
+        <a:effectRef idx="0">
+          <a:scrgbClr r="0" g="0" b="0"/>
+        </a:effectRef>
+        <a:fontRef idx="minor">
+          <a:schemeClr val="lt1"/>
+        </a:fontRef>
+      </dsp:style>
+    </dsp:sp>
+    <dsp:sp modelId="{A600E0F2-2AE9-4AEC-B126-C55ACB2161D4}">
+      <dsp:nvSpPr>
+        <dsp:cNvPr id="0" name=""/>
+        <dsp:cNvSpPr/>
+      </dsp:nvSpPr>
+      <dsp:spPr>
+        <a:xfrm>
+          <a:off x="3613050" y="2316130"/>
+          <a:ext cx="2832300" cy="720000"/>
+        </a:xfrm>
+        <a:prstGeom prst="rect">
+          <a:avLst/>
+        </a:prstGeom>
+        <a:noFill/>
+        <a:ln>
+          <a:noFill/>
+        </a:ln>
+        <a:effectLst/>
+      </dsp:spPr>
+      <dsp:style>
+        <a:lnRef idx="0">
+          <a:scrgbClr r="0" g="0" b="0"/>
+        </a:lnRef>
+        <a:fillRef idx="0">
+          <a:scrgbClr r="0" g="0" b="0"/>
+        </a:fillRef>
+        <a:effectRef idx="0">
+          <a:scrgbClr r="0" g="0" b="0"/>
+        </a:effectRef>
+        <a:fontRef idx="minor"/>
+      </dsp:style>
+      <dsp:txBody>
+        <a:bodyPr spcFirstLastPara="0" vert="horz" wrap="square" lIns="0" tIns="0" rIns="0" bIns="0" numCol="1" spcCol="1270" anchor="t" anchorCtr="0">
+          <a:noAutofit/>
+        </a:bodyPr>
+        <a:lstStyle/>
+        <a:p>
+          <a:pPr marL="0" lvl="0" indent="0" algn="ctr" defTabSz="1600200">
+            <a:lnSpc>
+              <a:spcPct val="90000"/>
+            </a:lnSpc>
+            <a:spcBef>
+              <a:spcPct val="0"/>
+            </a:spcBef>
+            <a:spcAft>
+              <a:spcPct val="35000"/>
+            </a:spcAft>
+            <a:buNone/>
+          </a:pPr>
+          <a:r>
+            <a:rPr lang="en-GB" sz="3600" kern="1200"/>
+            <a:t>Variables</a:t>
+          </a:r>
+          <a:endParaRPr lang="en-US" sz="3600" kern="1200"/>
+        </a:p>
+      </dsp:txBody>
+      <dsp:txXfrm>
+        <a:off x="3613050" y="2316130"/>
+        <a:ext cx="2832300" cy="720000"/>
+      </dsp:txXfrm>
+    </dsp:sp>
+    <dsp:sp modelId="{C7A6FD5D-FCA1-46CF-AD17-A3CC18907B62}">
+      <dsp:nvSpPr>
+        <dsp:cNvPr id="0" name=""/>
+        <dsp:cNvSpPr/>
+      </dsp:nvSpPr>
+      <dsp:spPr>
+        <a:xfrm>
+          <a:off x="7719885" y="689481"/>
+          <a:ext cx="1274535" cy="1274535"/>
+        </a:xfrm>
+        <a:prstGeom prst="rect">
+          <a:avLst/>
+        </a:prstGeom>
+        <a:blipFill>
+          <a:blip xmlns:r="http://schemas.openxmlformats.org/officeDocument/2006/relationships" r:embed="rId5">
+            <a:extLst>
+              <a:ext uri="{28A0092B-C50C-407E-A947-70E740481C1C}">
+                <a14:useLocalDpi xmlns:a14="http://schemas.microsoft.com/office/drawing/2010/main" val="0"/>
+              </a:ext>
+              <a:ext uri="{96DAC541-7B7A-43D3-8B79-37D633B846F1}">
+                <asvg:svgBlip xmlns:asvg="http://schemas.microsoft.com/office/drawing/2016/SVG/main" r:embed="rId6"/>
+              </a:ext>
+            </a:extLst>
+          </a:blip>
+          <a:stretch>
+            <a:fillRect/>
+          </a:stretch>
+        </a:blipFill>
+        <a:ln w="12700" cap="flat" cmpd="sng" algn="ctr">
+          <a:noFill/>
+          <a:prstDash val="solid"/>
+        </a:ln>
+        <a:effectLst/>
+      </dsp:spPr>
+      <dsp:style>
+        <a:lnRef idx="2">
+          <a:scrgbClr r="0" g="0" b="0"/>
+        </a:lnRef>
+        <a:fillRef idx="1">
+          <a:scrgbClr r="0" g="0" b="0"/>
+        </a:fillRef>
+        <a:effectRef idx="0">
+          <a:scrgbClr r="0" g="0" b="0"/>
+        </a:effectRef>
+        <a:fontRef idx="minor">
+          <a:schemeClr val="lt1"/>
+        </a:fontRef>
+      </dsp:style>
+    </dsp:sp>
+    <dsp:sp modelId="{A83691D2-EB2F-45BA-B2CE-C09BCB9DD7D0}">
+      <dsp:nvSpPr>
+        <dsp:cNvPr id="0" name=""/>
+        <dsp:cNvSpPr/>
+      </dsp:nvSpPr>
+      <dsp:spPr>
+        <a:xfrm>
+          <a:off x="6941002" y="2316130"/>
+          <a:ext cx="2832300" cy="720000"/>
+        </a:xfrm>
+        <a:prstGeom prst="rect">
+          <a:avLst/>
+        </a:prstGeom>
+        <a:noFill/>
+        <a:ln>
+          <a:noFill/>
+        </a:ln>
+        <a:effectLst/>
+      </dsp:spPr>
+      <dsp:style>
+        <a:lnRef idx="0">
+          <a:scrgbClr r="0" g="0" b="0"/>
+        </a:lnRef>
+        <a:fillRef idx="0">
+          <a:scrgbClr r="0" g="0" b="0"/>
+        </a:fillRef>
+        <a:effectRef idx="0">
+          <a:scrgbClr r="0" g="0" b="0"/>
+        </a:effectRef>
+        <a:fontRef idx="minor"/>
+      </dsp:style>
+      <dsp:txBody>
+        <a:bodyPr spcFirstLastPara="0" vert="horz" wrap="square" lIns="0" tIns="0" rIns="0" bIns="0" numCol="1" spcCol="1270" anchor="t" anchorCtr="0">
+          <a:noAutofit/>
+        </a:bodyPr>
+        <a:lstStyle/>
+        <a:p>
+          <a:pPr marL="0" lvl="0" indent="0" algn="ctr" defTabSz="1600200">
+            <a:lnSpc>
+              <a:spcPct val="90000"/>
+            </a:lnSpc>
+            <a:spcBef>
+              <a:spcPct val="0"/>
+            </a:spcBef>
+            <a:spcAft>
+              <a:spcPct val="35000"/>
+            </a:spcAft>
+            <a:buNone/>
+          </a:pPr>
+          <a:r>
+            <a:rPr lang="en-GB" sz="3600" kern="1200"/>
+            <a:t>Method</a:t>
+          </a:r>
+          <a:endParaRPr lang="en-US" sz="3600" kern="1200"/>
+        </a:p>
+      </dsp:txBody>
+      <dsp:txXfrm>
+        <a:off x="6941002" y="2316130"/>
+        <a:ext cx="2832300" cy="720000"/>
+      </dsp:txXfrm>
+    </dsp:sp>
+  </dsp:spTree>
+</dsp:drawing>
+</file>
+
+<file path=ppt/diagrams/layout1.xml><?xml version="1.0" encoding="utf-8"?>
+<dgm:layoutDef xmlns:dgm="http://schemas.openxmlformats.org/drawingml/2006/diagram" xmlns:a="http://schemas.openxmlformats.org/drawingml/2006/main" uniqueId="urn:microsoft.com/office/officeart/2018/2/layout/IconLabelList">
+  <dgm:title val="Icon Label List"/>
+  <dgm:desc val="Use to show non-sequential or grouped chunks of information accompanied by a related visuals. Works best with icons or small pictures with short text captions."/>
+  <dgm:catLst>
+    <dgm:cat type="icon" pri="500"/>
+  </dgm:catLst>
+  <dgm:sampData useDef="1">
+    <dgm:dataModel>
+      <dgm:ptLst/>
+      <dgm:bg/>
+      <dgm:whole/>
+    </dgm:dataModel>
+  </dgm:sampData>
+  <dgm:styleData useDef="1">
+    <dgm:dataModel>
+      <dgm:ptLst/>
+      <dgm:bg/>
+      <dgm:whole/>
+    </dgm:dataModel>
+  </dgm:styleData>
+  <dgm:clrData useDef="1">
+    <dgm:dataModel>
+      <dgm:ptLst/>
+      <dgm:bg/>
+      <dgm:whole/>
+    </dgm:dataModel>
+  </dgm:clrData>
+  <dgm:layoutNode name="root">
+    <dgm:varLst>
+      <dgm:dir/>
+      <dgm:resizeHandles val="exact"/>
+    </dgm:varLst>
+    <dgm:choose name="Name0">
+      <dgm:if name="Name1" axis="self" func="var" arg="dir" op="equ" val="norm">
+        <dgm:alg type="snake">
+          <dgm:param type="grDir" val="tL"/>
+          <dgm:param type="flowDir" val="row"/>
+          <dgm:param type="contDir" val="sameDir"/>
+          <dgm:param type="off" val="ctr"/>
+          <dgm:param type="vertAlign" val="mid"/>
+          <dgm:param type="horzAlign" val="ctr"/>
+        </dgm:alg>
+      </dgm:if>
+      <dgm:else name="Name2">
+        <dgm:alg type="snake">
+          <dgm:param type="grDir" val="tR"/>
+          <dgm:param type="flowDir" val="row"/>
+          <dgm:param type="contDir" val="sameDir"/>
+          <dgm:param type="off" val="ctr"/>
+          <dgm:param type="vertAlign" val="mid"/>
+          <dgm:param type="horzAlign" val="ctr"/>
+        </dgm:alg>
+      </dgm:else>
+    </dgm:choose>
+    <dgm:shape xmlns:r="http://schemas.openxmlformats.org/officeDocument/2006/relationships" r:blip="">
+      <dgm:adjLst/>
+    </dgm:shape>
+    <dgm:presOf/>
+    <dgm:choose name="Name3">
+      <dgm:if name="Name4" axis="ch" ptType="node" func="cnt" op="lte" val="2">
+        <dgm:constrLst>
+          <dgm:constr type="h" for="ch" forName="compNode" refType="h" fact="0.4"/>
+          <dgm:constr type="w" for="ch" forName="compNode" val="120"/>
+          <dgm:constr type="w" for="ch" forName="sibTrans" refType="w" refFor="ch" refForName="compNode" fact="0.175"/>
+          <dgm:constr type="sp" refType="w" refFor="ch" refForName="compNode" op="equ" fact="0.25"/>
+          <dgm:constr type="primFontSz" for="des" ptType="node" op="equ" val="50"/>
+          <dgm:constr type="h" for="des" forName="compNode" op="equ"/>
+          <dgm:constr type="h" for="des" forName="textRect" op="equ"/>
+        </dgm:constrLst>
+      </dgm:if>
+      <dgm:if name="Name5" axis="ch" ptType="node" func="cnt" op="lte" val="4">
+        <dgm:constrLst>
+          <dgm:constr type="h" for="ch" forName="compNode" refType="h" fact="0.4"/>
+          <dgm:constr type="w" for="ch" forName="compNode" refType="w"/>
+          <dgm:constr type="w" for="ch" forName="sibTrans" refType="w" refFor="ch" refForName="compNode" fact="0.175"/>
+          <dgm:constr type="sp" refType="w" refFor="ch" refForName="compNode" op="equ" fact="0.25"/>
+          <dgm:constr type="primFontSz" for="des" ptType="node" op="equ" val="36"/>
+          <dgm:constr type="h" for="des" forName="compNode" op="equ"/>
+          <dgm:constr type="h" for="des" forName="textRect" op="equ"/>
+        </dgm:constrLst>
+      </dgm:if>
+      <dgm:else name="Name6">
+        <dgm:constrLst>
+          <dgm:constr type="h" for="ch" forName="compNode" refType="h" fact="0.4"/>
+          <dgm:constr type="w" for="ch" forName="compNode" refType="w"/>
+          <dgm:constr type="w" for="ch" forName="sibTrans" refType="w" refFor="ch" refForName="compNode" fact="0.175"/>
+          <dgm:constr type="sp" refType="w" refFor="ch" refForName="compNode" op="equ" fact="0.25"/>
+          <dgm:constr type="primFontSz" for="des" ptType="node" op="equ" val="24"/>
+          <dgm:constr type="h" for="des" forName="compNode" op="equ"/>
+          <dgm:constr type="h" for="des" forName="textRect" op="equ"/>
+        </dgm:constrLst>
+      </dgm:else>
+    </dgm:choose>
+    <dgm:ruleLst>
+      <dgm:rule type="w" for="ch" forName="compNode" val="50" fact="NaN" max="NaN"/>
+    </dgm:ruleLst>
+    <dgm:forEach name="Name7" axis="ch" ptType="node">
+      <dgm:layoutNode name="compNode">
+        <dgm:alg type="composite"/>
+        <dgm:shape xmlns:r="http://schemas.openxmlformats.org/officeDocument/2006/relationships" r:blip="">
+          <dgm:adjLst/>
+        </dgm:shape>
+        <dgm:presOf axis="self"/>
+        <dgm:constrLst>
+          <dgm:constr type="w" for="ch" forName="iconRect" refType="w" fact="0.45"/>
+          <dgm:constr type="h" for="ch" forName="iconRect" refType="w" refFor="ch" refForName="iconRect"/>
+          <dgm:constr type="ctrX" for="ch" forName="iconRect" refType="w" fact="0.5"/>
+          <dgm:constr type="t" for="ch" forName="iconRect"/>
+          <dgm:constr type="h" for="ch" forName="spaceRect" refType="h" fact="0.15"/>
+          <dgm:constr type="w" for="ch" forName="spaceRect" refType="w"/>
+          <dgm:constr type="l" for="ch" forName="spaceRect"/>
+          <dgm:constr type="t" for="ch" forName="spaceRect" refType="b" refFor="ch" refForName="iconRect"/>
+          <dgm:constr type="h" for="ch" forName="textRect" val="20"/>
+          <dgm:constr type="w" for="ch" forName="textRect" refType="w"/>
+          <dgm:constr type="l" for="ch" forName="textRect"/>
+          <dgm:constr type="t" for="ch" forName="textRect" refType="b" refFor="ch" refForName="spaceRect"/>
+        </dgm:constrLst>
+        <dgm:ruleLst>
+          <dgm:rule type="h" val="INF" fact="NaN" max="NaN"/>
+        </dgm:ruleLst>
+        <dgm:layoutNode name="iconRect" styleLbl="node1">
+          <dgm:alg type="sp"/>
+          <dgm:shape xmlns:r="http://schemas.openxmlformats.org/officeDocument/2006/relationships" type="rect" r:blip="" blipPhldr="1">
+            <dgm:adjLst/>
+          </dgm:shape>
+          <dgm:presOf/>
+          <dgm:constrLst/>
+          <dgm:ruleLst/>
+        </dgm:layoutNode>
+        <dgm:layoutNode name="spaceRect">
+          <dgm:alg type="sp"/>
+          <dgm:shape xmlns:r="http://schemas.openxmlformats.org/officeDocument/2006/relationships" r:blip="">
+            <dgm:adjLst/>
+          </dgm:shape>
+          <dgm:presOf/>
+          <dgm:constrLst/>
+          <dgm:ruleLst/>
+        </dgm:layoutNode>
+        <dgm:layoutNode name="textRect" styleLbl="revTx">
+          <dgm:varLst>
+            <dgm:chMax val="1"/>
+            <dgm:chPref val="1"/>
+          </dgm:varLst>
+          <dgm:alg type="tx">
+            <dgm:param type="txAnchorVert" val="t"/>
+          </dgm:alg>
+          <dgm:shape xmlns:r="http://schemas.openxmlformats.org/officeDocument/2006/relationships" type="rect" r:blip="">
+            <dgm:adjLst/>
+          </dgm:shape>
+          <dgm:presOf axis="self" ptType="node"/>
+          <dgm:constrLst>
+            <dgm:constr type="lMarg"/>
+            <dgm:constr type="rMarg"/>
+            <dgm:constr type="tMarg"/>
+            <dgm:constr type="bMarg"/>
+          </dgm:constrLst>
+          <dgm:ruleLst>
+            <dgm:rule type="primFontSz" val="11" fact="NaN" max="NaN"/>
+            <dgm:rule type="h" val="INF" fact="NaN" max="NaN"/>
+          </dgm:ruleLst>
+        </dgm:layoutNode>
+      </dgm:layoutNode>
+      <dgm:forEach name="Name8" axis="followSib" ptType="sibTrans" cnt="1">
+        <dgm:layoutNode name="sibTrans">
+          <dgm:alg type="sp"/>
+          <dgm:shape xmlns:r="http://schemas.openxmlformats.org/officeDocument/2006/relationships" r:blip="">
+            <dgm:adjLst/>
+          </dgm:shape>
+          <dgm:presOf axis="self"/>
+          <dgm:constrLst/>
+          <dgm:ruleLst/>
+        </dgm:layoutNode>
+      </dgm:forEach>
+    </dgm:forEach>
+  </dgm:layoutNode>
+  <dgm:extLst>
+    <a:ext uri="{68A01E43-0DF5-4B5B-8FA6-DAF915123BFB}">
+      <dgm1612:lstStyle xmlns:dgm1612="http://schemas.microsoft.com/office/drawing/2016/12/diagram">
+        <a:lvl1pPr>
+          <a:lnSpc>
+            <a:spcPct val="100000"/>
+          </a:lnSpc>
+        </a:lvl1pPr>
+      </dgm1612:lstStyle>
+    </a:ext>
+  </dgm:extLst>
+</dgm:layoutDef>
+</file>
+
+<file path=ppt/diagrams/quickStyle1.xml><?xml version="1.0" encoding="utf-8"?>
+<dgm:styleDef xmlns:dgm="http://schemas.openxmlformats.org/drawingml/2006/diagram" xmlns:a="http://schemas.openxmlformats.org/drawingml/2006/main" uniqueId="urn:microsoft.com/office/officeart/2005/8/quickstyle/simple1">
+  <dgm:title val=""/>
+  <dgm:desc val=""/>
+  <dgm:catLst>
+    <dgm:cat type="simple" pri="10100"/>
+  </dgm:catLst>
+  <dgm:scene3d>
+    <a:camera prst="orthographicFront"/>
+    <a:lightRig rig="threePt" dir="t"/>
+  </dgm:scene3d>
+  <dgm:styleLbl name="node0">
+    <dgm:scene3d>
+      <a:camera prst="orthographicFront"/>
+      <a:lightRig rig="threePt" dir="t"/>
+    </dgm:scene3d>
+    <dgm:sp3d/>
+    <dgm:txPr/>
+    <dgm:style>
+      <a:lnRef idx="2">
+        <a:scrgbClr r="0" g="0" b="0"/>
+      </a:lnRef>
+      <a:fillRef idx="1">
+        <a:scrgbClr r="0" g="0" b="0"/>
+      </a:fillRef>
+      <a:effectRef idx="0">
+        <a:scrgbClr r="0" g="0" b="0"/>
+      </a:effectRef>
+      <a:fontRef idx="minor">
+        <a:schemeClr val="lt1"/>
+      </a:fontRef>
+    </dgm:style>
+  </dgm:styleLbl>
+  <dgm:styleLbl name="lnNode1">
+    <dgm:scene3d>
+      <a:camera prst="orthographicFront"/>
+      <a:lightRig rig="threePt" dir="t"/>
+    </dgm:scene3d>
+    <dgm:sp3d/>
+    <dgm:txPr/>
+    <dgm:style>
+      <a:lnRef idx="2">
+        <a:scrgbClr r="0" g="0" b="0"/>
+      </a:lnRef>
+      <a:fillRef idx="1">
+        <a:scrgbClr r="0" g="0" b="0"/>
+      </a:fillRef>
+      <a:effectRef idx="0">
+        <a:scrgbClr r="0" g="0" b="0"/>
+      </a:effectRef>
+      <a:fontRef idx="minor">
+        <a:schemeClr val="lt1"/>
+      </a:fontRef>
+    </dgm:style>
+  </dgm:styleLbl>
+  <dgm:styleLbl name="vennNode1">
+    <dgm:scene3d>
+      <a:camera prst="orthographicFront"/>
+      <a:lightRig rig="threePt" dir="t"/>
+    </dgm:scene3d>
+    <dgm:sp3d/>
+    <dgm:txPr/>
+    <dgm:style>
+      <a:lnRef idx="2">
+        <a:scrgbClr r="0" g="0" b="0"/>
+      </a:lnRef>
+      <a:fillRef idx="1">
+        <a:scrgbClr r="0" g="0" b="0"/>
+      </a:fillRef>
+      <a:effectRef idx="0">
+        <a:scrgbClr r="0" g="0" b="0"/>
+      </a:effectRef>
+      <a:fontRef idx="minor">
+        <a:schemeClr val="tx1"/>
+      </a:fontRef>
+    </dgm:style>
+  </dgm:styleLbl>
+  <dgm:styleLbl name="alignNode1">
+    <dgm:scene3d>
+      <a:camera prst="orthographicFront"/>
+      <a:lightRig rig="threePt" dir="t"/>
+    </dgm:scene3d>
+    <dgm:sp3d/>
+    <dgm:txPr/>
+    <dgm:style>
+      <a:lnRef idx="2">
+        <a:scrgbClr r="0" g="0" b="0"/>
+      </a:lnRef>
+      <a:fillRef idx="1">
+        <a:scrgbClr r="0" g="0" b="0"/>
+      </a:fillRef>
+      <a:effectRef idx="0">
+        <a:scrgbClr r="0" g="0" b="0"/>
+      </a:effectRef>
+      <a:fontRef idx="minor">
+        <a:schemeClr val="lt1"/>
+      </a:fontRef>
+    </dgm:style>
+  </dgm:styleLbl>
+  <dgm:styleLbl name="node1">
+    <dgm:scene3d>
+      <a:camera prst="orthographicFront"/>
+      <a:lightRig rig="threePt" dir="t"/>
+    </dgm:scene3d>
+    <dgm:sp3d/>
+    <dgm:txPr/>
+    <dgm:style>
+      <a:lnRef idx="2">
+        <a:scrgbClr r="0" g="0" b="0"/>
+      </a:lnRef>
+      <a:fillRef idx="1">
+        <a:scrgbClr r="0" g="0" b="0"/>
+      </a:fillRef>
+      <a:effectRef idx="0">
+        <a:scrgbClr r="0" g="0" b="0"/>
+      </a:effectRef>
+      <a:fontRef idx="minor">
+        <a:schemeClr val="lt1"/>
+      </a:fontRef>
+    </dgm:style>
+  </dgm:styleLbl>
+  <dgm:styleLbl name="node2">
+    <dgm:scene3d>
+      <a:camera prst="orthographicFront"/>
+      <a:lightRig rig="threePt" dir="t"/>
+    </dgm:scene3d>
+    <dgm:sp3d/>
+    <dgm:txPr/>
+    <dgm:style>
+      <a:lnRef idx="2">
+        <a:scrgbClr r="0" g="0" b="0"/>
+      </a:lnRef>
+      <a:fillRef idx="1">
+        <a:scrgbClr r="0" g="0" b="0"/>
+      </a:fillRef>
+      <a:effectRef idx="0">
+        <a:scrgbClr r="0" g="0" b="0"/>
+      </a:effectRef>
+      <a:fontRef idx="minor">
+        <a:schemeClr val="lt1"/>
+      </a:fontRef>
+    </dgm:style>
+  </dgm:styleLbl>
+  <dgm:styleLbl name="node3">
+    <dgm:scene3d>
+      <a:camera prst="orthographicFront"/>
+      <a:lightRig rig="threePt" dir="t"/>
+    </dgm:scene3d>
+    <dgm:sp3d/>
+    <dgm:txPr/>
+    <dgm:style>
+      <a:lnRef idx="2">
+        <a:scrgbClr r="0" g="0" b="0"/>
+      </a:lnRef>
+      <a:fillRef idx="1">
+        <a:scrgbClr r="0" g="0" b="0"/>
+      </a:fillRef>
+      <a:effectRef idx="0">
+        <a:scrgbClr r="0" g="0" b="0"/>
+      </a:effectRef>
+      <a:fontRef idx="minor">
+        <a:schemeClr val="lt1"/>
+      </a:fontRef>
+    </dgm:style>
+  </dgm:styleLbl>
+  <dgm:styleLbl name="node4">
+    <dgm:scene3d>
+      <a:camera prst="orthographicFront"/>
+      <a:lightRig rig="threePt" dir="t"/>
+    </dgm:scene3d>
+    <dgm:sp3d/>
+    <dgm:txPr/>
+    <dgm:style>
+      <a:lnRef idx="2">
+        <a:scrgbClr r="0" g="0" b="0"/>
+      </a:lnRef>
+      <a:fillRef idx="1">
+        <a:scrgbClr r="0" g="0" b="0"/>
+      </a:fillRef>
+      <a:effectRef idx="0">
+        <a:scrgbClr r="0" g="0" b="0"/>
+      </a:effectRef>
+      <a:fontRef idx="minor">
+        <a:schemeClr val="lt1"/>
+      </a:fontRef>
+    </dgm:style>
+  </dgm:styleLbl>
+  <dgm:styleLbl name="fgImgPlace1">
+    <dgm:scene3d>
+      <a:camera prst="orthographicFront"/>
+      <a:lightRig rig="threePt" dir="t"/>
+    </dgm:scene3d>
+    <dgm:sp3d/>
+    <dgm:txPr/>
+    <dgm:style>
+      <a:lnRef idx="2">
+        <a:scrgbClr r="0" g="0" b="0"/>
+      </a:lnRef>
+      <a:fillRef idx="1">
+        <a:scrgbClr r="0" g="0" b="0"/>
+      </a:fillRef>
+      <a:effectRef idx="0">
+        <a:scrgbClr r="0" g="0" b="0"/>
+      </a:effectRef>
+      <a:fontRef idx="minor"/>
+    </dgm:style>
+  </dgm:styleLbl>
+  <dgm:styleLbl name="alignImgPlace1">
+    <dgm:scene3d>
+      <a:camera prst="orthographicFront"/>
+      <a:lightRig rig="threePt" dir="t"/>
+    </dgm:scene3d>
+    <dgm:sp3d/>
+    <dgm:txPr/>
+    <dgm:style>
+      <a:lnRef idx="2">
+        <a:scrgbClr r="0" g="0" b="0"/>
+      </a:lnRef>
+      <a:fillRef idx="1">
+        <a:scrgbClr r="0" g="0" b="0"/>
+      </a:fillRef>
+      <a:effectRef idx="0">
+        <a:scrgbClr r="0" g="0" b="0"/>
+      </a:effectRef>
+      <a:fontRef idx="minor"/>
+    </dgm:style>
+  </dgm:styleLbl>
+  <dgm:styleLbl name="bgImgPlace1">
+    <dgm:scene3d>
+      <a:camera prst="orthographicFront"/>
+      <a:lightRig rig="threePt" dir="t"/>
+    </dgm:scene3d>
+    <dgm:sp3d/>
+    <dgm:txPr/>
+    <dgm:style>
+      <a:lnRef idx="2">
+        <a:scrgbClr r="0" g="0" b="0"/>
+      </a:lnRef>
+      <a:fillRef idx="1">
+        <a:scrgbClr r="0" g="0" b="0"/>
+      </a:fillRef>
+      <a:effectRef idx="0">
+        <a:scrgbClr r="0" g="0" b="0"/>
+      </a:effectRef>
+      <a:fontRef idx="minor"/>
+    </dgm:style>
+  </dgm:styleLbl>
+  <dgm:styleLbl name="sibTrans2D1">
+    <dgm:scene3d>
+      <a:camera prst="orthographicFront"/>
+      <a:lightRig rig="threePt" dir="t"/>
+    </dgm:scene3d>
+    <dgm:sp3d/>
+    <dgm:txPr/>
+    <dgm:style>
+      <a:lnRef idx="0">
+        <a:scrgbClr r="0" g="0" b="0"/>
+      </a:lnRef>
+      <a:fillRef idx="1">
+        <a:scrgbClr r="0" g="0" b="0"/>
+      </a:fillRef>
+      <a:effectRef idx="0">
+        <a:scrgbClr r="0" g="0" b="0"/>
+      </a:effectRef>
+      <a:fontRef idx="minor">
+        <a:schemeClr val="lt1"/>
+      </a:fontRef>
+    </dgm:style>
+  </dgm:styleLbl>
+  <dgm:styleLbl name="fgSibTrans2D1">
+    <dgm:scene3d>
+      <a:camera prst="orthographicFront"/>
+      <a:lightRig rig="threePt" dir="t"/>
+    </dgm:scene3d>
+    <dgm:sp3d/>
+    <dgm:txPr/>
+    <dgm:style>
+      <a:lnRef idx="0">
+        <a:scrgbClr r="0" g="0" b="0"/>
+      </a:lnRef>
+      <a:fillRef idx="1">
+        <a:scrgbClr r="0" g="0" b="0"/>
+      </a:fillRef>
+      <a:effectRef idx="0">
+        <a:scrgbClr r="0" g="0" b="0"/>
+      </a:effectRef>
+      <a:fontRef idx="minor">
+        <a:schemeClr val="lt1"/>
+      </a:fontRef>
+    </dgm:style>
+  </dgm:styleLbl>
+  <dgm:styleLbl name="bgSibTrans2D1">
+    <dgm:scene3d>
+      <a:camera prst="orthographicFront"/>
+      <a:lightRig rig="threePt" dir="t"/>
+    </dgm:scene3d>
+    <dgm:sp3d/>
+    <dgm:txPr/>
+    <dgm:style>
+      <a:lnRef idx="0">
+        <a:scrgbClr r="0" g="0" b="0"/>
+      </a:lnRef>
+      <a:fillRef idx="1">
+        <a:scrgbClr r="0" g="0" b="0"/>
+      </a:fillRef>
+      <a:effectRef idx="0">
+        <a:scrgbClr r="0" g="0" b="0"/>
+      </a:effectRef>
+      <a:fontRef idx="minor">
+        <a:schemeClr val="lt1"/>
+      </a:fontRef>
+    </dgm:style>
+  </dgm:styleLbl>
+  <dgm:styleLbl name="sibTrans1D1">
+    <dgm:scene3d>
+      <a:camera prst="orthographicFront"/>
+      <a:lightRig rig="threePt" dir="t"/>
+    </dgm:scene3d>
+    <dgm:sp3d/>
+    <dgm:txPr/>
+    <dgm:style>
+      <a:lnRef idx="1">
+        <a:scrgbClr r="0" g="0" b="0"/>
+      </a:lnRef>
+      <a:fillRef idx="0">
+        <a:scrgbClr r="0" g="0" b="0"/>
+      </a:fillRef>
+      <a:effectRef idx="0">
+        <a:scrgbClr r="0" g="0" b="0"/>
+      </a:effectRef>
+      <a:fontRef idx="minor"/>
+    </dgm:style>
+  </dgm:styleLbl>
+  <dgm:styleLbl name="callout">
+    <dgm:scene3d>
+      <a:camera prst="orthographicFront"/>
+      <a:lightRig rig="threePt" dir="t"/>
+    </dgm:scene3d>
+    <dgm:sp3d/>
+    <dgm:txPr/>
+    <dgm:style>
+      <a:lnRef idx="2">
+        <a:scrgbClr r="0" g="0" b="0"/>
+      </a:lnRef>
+      <a:fillRef idx="1">
+        <a:scrgbClr r="0" g="0" b="0"/>
+      </a:fillRef>
+      <a:effectRef idx="0">
+        <a:scrgbClr r="0" g="0" b="0"/>
+      </a:effectRef>
+      <a:fontRef idx="minor"/>
+    </dgm:style>
+  </dgm:styleLbl>
+  <dgm:styleLbl name="asst0">
+    <dgm:scene3d>
+      <a:camera prst="orthographicFront"/>
+      <a:lightRig rig="threePt" dir="t"/>
+    </dgm:scene3d>
+    <dgm:sp3d/>
+    <dgm:txPr/>
+    <dgm:style>
+      <a:lnRef idx="2">
+        <a:scrgbClr r="0" g="0" b="0"/>
+      </a:lnRef>
+      <a:fillRef idx="1">
+        <a:scrgbClr r="0" g="0" b="0"/>
+      </a:fillRef>
+      <a:effectRef idx="0">
+        <a:scrgbClr r="0" g="0" b="0"/>
+      </a:effectRef>
+      <a:fontRef idx="minor">
+        <a:schemeClr val="lt1"/>
+      </a:fontRef>
+    </dgm:style>
+  </dgm:styleLbl>
+  <dgm:styleLbl name="asst1">
+    <dgm:scene3d>
+      <a:camera prst="orthographicFront"/>
+      <a:lightRig rig="threePt" dir="t"/>
+    </dgm:scene3d>
+    <dgm:sp3d/>
+    <dgm:txPr/>
+    <dgm:style>
+      <a:lnRef idx="2">
+        <a:scrgbClr r="0" g="0" b="0"/>
+      </a:lnRef>
+      <a:fillRef idx="1">
+        <a:scrgbClr r="0" g="0" b="0"/>
+      </a:fillRef>
+      <a:effectRef idx="0">
+        <a:scrgbClr r="0" g="0" b="0"/>
+      </a:effectRef>
+      <a:fontRef idx="minor">
+        <a:schemeClr val="lt1"/>
+      </a:fontRef>
+    </dgm:style>
+  </dgm:styleLbl>
+  <dgm:styleLbl name="asst2">
+    <dgm:scene3d>
+      <a:camera prst="orthographicFront"/>
+      <a:lightRig rig="threePt" dir="t"/>
+    </dgm:scene3d>
+    <dgm:sp3d/>
+    <dgm:txPr/>
+    <dgm:style>
+      <a:lnRef idx="2">
+        <a:scrgbClr r="0" g="0" b="0"/>
+      </a:lnRef>
+      <a:fillRef idx="1">
+        <a:scrgbClr r="0" g="0" b="0"/>
+      </a:fillRef>
+      <a:effectRef idx="0">
+        <a:scrgbClr r="0" g="0" b="0"/>
+      </a:effectRef>
+      <a:fontRef idx="minor">
+        <a:schemeClr val="lt1"/>
+      </a:fontRef>
+    </dgm:style>
+  </dgm:styleLbl>
+  <dgm:styleLbl name="asst3">
+    <dgm:scene3d>
+      <a:camera prst="orthographicFront"/>
+      <a:lightRig rig="threePt" dir="t"/>
+    </dgm:scene3d>
+    <dgm:sp3d/>
+    <dgm:txPr/>
+    <dgm:style>
+      <a:lnRef idx="2">
+        <a:scrgbClr r="0" g="0" b="0"/>
+      </a:lnRef>
+      <a:fillRef idx="1">
+        <a:scrgbClr r="0" g="0" b="0"/>
+      </a:fillRef>
+      <a:effectRef idx="0">
+        <a:scrgbClr r="0" g="0" b="0"/>
+      </a:effectRef>
+      <a:fontRef idx="minor">
+        <a:schemeClr val="lt1"/>
+      </a:fontRef>
+    </dgm:style>
+  </dgm:styleLbl>
+  <dgm:styleLbl name="asst4">
+    <dgm:scene3d>
+      <a:camera prst="orthographicFront"/>
+      <a:lightRig rig="threePt" dir="t"/>
+    </dgm:scene3d>
+    <dgm:sp3d/>
+    <dgm:txPr/>
+    <dgm:style>
+      <a:lnRef idx="2">
+        <a:scrgbClr r="0" g="0" b="0"/>
+      </a:lnRef>
+      <a:fillRef idx="1">
+        <a:scrgbClr r="0" g="0" b="0"/>
+      </a:fillRef>
+      <a:effectRef idx="0">
+        <a:scrgbClr r="0" g="0" b="0"/>
+      </a:effectRef>
+      <a:fontRef idx="minor">
+        <a:schemeClr val="lt1"/>
+      </a:fontRef>
+    </dgm:style>
+  </dgm:styleLbl>
+  <dgm:styleLbl name="parChTrans2D1">
+    <dgm:scene3d>
+      <a:camera prst="orthographicFront"/>
+      <a:lightRig rig="threePt" dir="t"/>
+    </dgm:scene3d>
+    <dgm:sp3d/>
+    <dgm:txPr/>
+    <dgm:style>
+      <a:lnRef idx="2">
+        <a:scrgbClr r="0" g="0" b="0"/>
+      </a:lnRef>
+      <a:fillRef idx="1">
+        <a:scrgbClr r="0" g="0" b="0"/>
+      </a:fillRef>
+      <a:effectRef idx="0">
+        <a:scrgbClr r="0" g="0" b="0"/>
+      </a:effectRef>
+      <a:fontRef idx="minor">
+        <a:schemeClr val="lt1"/>
+      </a:fontRef>
+    </dgm:style>
+  </dgm:styleLbl>
+  <dgm:styleLbl name="parChTrans2D2">
+    <dgm:scene3d>
+      <a:camera prst="orthographicFront"/>
+      <a:lightRig rig="threePt" dir="t"/>
+    </dgm:scene3d>
+    <dgm:sp3d/>
+    <dgm:txPr/>
+    <dgm:style>
+      <a:lnRef idx="2">
+        <a:scrgbClr r="0" g="0" b="0"/>
+      </a:lnRef>
+      <a:fillRef idx="1">
+        <a:scrgbClr r="0" g="0" b="0"/>
+      </a:fillRef>
+      <a:effectRef idx="0">
+        <a:scrgbClr r="0" g="0" b="0"/>
+      </a:effectRef>
+      <a:fontRef idx="minor">
+        <a:schemeClr val="lt1"/>
+      </a:fontRef>
+    </dgm:style>
+  </dgm:styleLbl>
+  <dgm:styleLbl name="parChTrans2D3">
+    <dgm:scene3d>
+      <a:camera prst="orthographicFront"/>
+      <a:lightRig rig="threePt" dir="t"/>
+    </dgm:scene3d>
+    <dgm:sp3d/>
+    <dgm:txPr/>
+    <dgm:style>
+      <a:lnRef idx="2">
+        <a:scrgbClr r="0" g="0" b="0"/>
+      </a:lnRef>
+      <a:fillRef idx="1">
+        <a:scrgbClr r="0" g="0" b="0"/>
+      </a:fillRef>
+      <a:effectRef idx="0">
+        <a:scrgbClr r="0" g="0" b="0"/>
+      </a:effectRef>
+      <a:fontRef idx="minor">
+        <a:schemeClr val="lt1"/>
+      </a:fontRef>
+    </dgm:style>
+  </dgm:styleLbl>
+  <dgm:styleLbl name="parChTrans2D4">
+    <dgm:scene3d>
+      <a:camera prst="orthographicFront"/>
+      <a:lightRig rig="threePt" dir="t"/>
+    </dgm:scene3d>
+    <dgm:sp3d/>
+    <dgm:txPr/>
+    <dgm:style>
+      <a:lnRef idx="2">
+        <a:scrgbClr r="0" g="0" b="0"/>
+      </a:lnRef>
+      <a:fillRef idx="1">
+        <a:scrgbClr r="0" g="0" b="0"/>
+      </a:fillRef>
+      <a:effectRef idx="0">
+        <a:scrgbClr r="0" g="0" b="0"/>
+      </a:effectRef>
+      <a:fontRef idx="minor">
+        <a:schemeClr val="lt1"/>
+      </a:fontRef>
+    </dgm:style>
+  </dgm:styleLbl>
+  <dgm:styleLbl name="parChTrans1D1">
+    <dgm:scene3d>
+      <a:camera prst="orthographicFront"/>
+      <a:lightRig rig="threePt" dir="t"/>
+    </dgm:scene3d>
+    <dgm:sp3d/>
+    <dgm:txPr/>
+    <dgm:style>
+      <a:lnRef idx="2">
+        <a:scrgbClr r="0" g="0" b="0"/>
+      </a:lnRef>
+      <a:fillRef idx="0">
+        <a:scrgbClr r="0" g="0" b="0"/>
+      </a:fillRef>
+      <a:effectRef idx="0">
+        <a:scrgbClr r="0" g="0" b="0"/>
+      </a:effectRef>
+      <a:fontRef idx="minor"/>
+    </dgm:style>
+  </dgm:styleLbl>
+  <dgm:styleLbl name="parChTrans1D2">
+    <dgm:scene3d>
+      <a:camera prst="orthographicFront"/>
+      <a:lightRig rig="threePt" dir="t"/>
+    </dgm:scene3d>
+    <dgm:sp3d/>
+    <dgm:txPr/>
+    <dgm:style>
+      <a:lnRef idx="2">
+        <a:scrgbClr r="0" g="0" b="0"/>
+      </a:lnRef>
+      <a:fillRef idx="0">
+        <a:scrgbClr r="0" g="0" b="0"/>
+      </a:fillRef>
+      <a:effectRef idx="0">
+        <a:scrgbClr r="0" g="0" b="0"/>
+      </a:effectRef>
+      <a:fontRef idx="minor"/>
+    </dgm:style>
+  </dgm:styleLbl>
+  <dgm:styleLbl name="parChTrans1D3">
+    <dgm:scene3d>
+      <a:camera prst="orthographicFront"/>
+      <a:lightRig rig="threePt" dir="t"/>
+    </dgm:scene3d>
+    <dgm:sp3d/>
+    <dgm:txPr/>
+    <dgm:style>
+      <a:lnRef idx="2">
+        <a:scrgbClr r="0" g="0" b="0"/>
+      </a:lnRef>
+      <a:fillRef idx="0">
+        <a:scrgbClr r="0" g="0" b="0"/>
+      </a:fillRef>
+      <a:effectRef idx="0">
+        <a:scrgbClr r="0" g="0" b="0"/>
+      </a:effectRef>
+      <a:fontRef idx="minor"/>
+    </dgm:style>
+  </dgm:styleLbl>
+  <dgm:styleLbl name="parChTrans1D4">
+    <dgm:scene3d>
+      <a:camera prst="orthographicFront"/>
+      <a:lightRig rig="threePt" dir="t"/>
+    </dgm:scene3d>
+    <dgm:sp3d/>
+    <dgm:txPr/>
+    <dgm:style>
+      <a:lnRef idx="2">
+        <a:scrgbClr r="0" g="0" b="0"/>
+      </a:lnRef>
+      <a:fillRef idx="0">
+        <a:scrgbClr r="0" g="0" b="0"/>
+      </a:fillRef>
+      <a:effectRef idx="0">
+        <a:scrgbClr r="0" g="0" b="0"/>
+      </a:effectRef>
+      <a:fontRef idx="minor"/>
+    </dgm:style>
+  </dgm:styleLbl>
+  <dgm:styleLbl name="fgAcc1">
+    <dgm:scene3d>
+      <a:camera prst="orthographicFront"/>
+      <a:lightRig rig="threePt" dir="t"/>
+    </dgm:scene3d>
+    <dgm:sp3d/>
+    <dgm:txPr/>
+    <dgm:style>
+      <a:lnRef idx="2">
+        <a:scrgbClr r="0" g="0" b="0"/>
+      </a:lnRef>
+      <a:fillRef idx="1">
+        <a:scrgbClr r="0" g="0" b="0"/>
+      </a:fillRef>
+      <a:effectRef idx="0">
+        <a:scrgbClr r="0" g="0" b="0"/>
+      </a:effectRef>
+      <a:fontRef idx="minor"/>
+    </dgm:style>
+  </dgm:styleLbl>
+  <dgm:styleLbl name="conFgAcc1">
+    <dgm:scene3d>
+      <a:camera prst="orthographicFront"/>
+      <a:lightRig rig="threePt" dir="t"/>
+    </dgm:scene3d>
+    <dgm:sp3d/>
+    <dgm:txPr/>
+    <dgm:style>
+      <a:lnRef idx="2">
+        <a:scrgbClr r="0" g="0" b="0"/>
+      </a:lnRef>
+      <a:fillRef idx="1">
+        <a:scrgbClr r="0" g="0" b="0"/>
+      </a:fillRef>
+      <a:effectRef idx="0">
+        <a:scrgbClr r="0" g="0" b="0"/>
+      </a:effectRef>
+      <a:fontRef idx="minor"/>
+    </dgm:style>
+  </dgm:styleLbl>
+  <dgm:styleLbl name="alignAcc1">
+    <dgm:scene3d>
+      <a:camera prst="orthographicFront"/>
+      <a:lightRig rig="threePt" dir="t"/>
+    </dgm:scene3d>
+    <dgm:sp3d/>
+    <dgm:txPr/>
+    <dgm:style>
+      <a:lnRef idx="2">
+        <a:scrgbClr r="0" g="0" b="0"/>
+      </a:lnRef>
+      <a:fillRef idx="1">
+        <a:scrgbClr r="0" g="0" b="0"/>
+      </a:fillRef>
+      <a:effectRef idx="0">
+        <a:scrgbClr r="0" g="0" b="0"/>
+      </a:effectRef>
+      <a:fontRef idx="minor"/>
+    </dgm:style>
+  </dgm:styleLbl>
+  <dgm:styleLbl name="trAlignAcc1">
+    <dgm:scene3d>
+      <a:camera prst="orthographicFront"/>
+      <a:lightRig rig="threePt" dir="t"/>
+    </dgm:scene3d>
+    <dgm:sp3d/>
+    <dgm:txPr/>
+    <dgm:style>
+      <a:lnRef idx="1">
+        <a:scrgbClr r="0" g="0" b="0"/>
+      </a:lnRef>
+      <a:fillRef idx="1">
+        <a:scrgbClr r="0" g="0" b="0"/>
+      </a:fillRef>
+      <a:effectRef idx="0">
+        <a:scrgbClr r="0" g="0" b="0"/>
+      </a:effectRef>
+      <a:fontRef idx="minor"/>
+    </dgm:style>
+  </dgm:styleLbl>
+  <dgm:styleLbl name="bgAcc1">
+    <dgm:scene3d>
+      <a:camera prst="orthographicFront"/>
+      <a:lightRig rig="threePt" dir="t"/>
+    </dgm:scene3d>
+    <dgm:sp3d/>
+    <dgm:txPr/>
+    <dgm:style>
+      <a:lnRef idx="2">
+        <a:scrgbClr r="0" g="0" b="0"/>
+      </a:lnRef>
+      <a:fillRef idx="1">
+        <a:scrgbClr r="0" g="0" b="0"/>
+      </a:fillRef>
+      <a:effectRef idx="0">
+        <a:scrgbClr r="0" g="0" b="0"/>
+      </a:effectRef>
+      <a:fontRef idx="minor"/>
+    </dgm:style>
+  </dgm:styleLbl>
+  <dgm:styleLbl name="solidFgAcc1">
+    <dgm:scene3d>
+      <a:camera prst="orthographicFront"/>
+      <a:lightRig rig="threePt" dir="t"/>
+    </dgm:scene3d>
+    <dgm:sp3d/>
+    <dgm:txPr/>
+    <dgm:style>
+      <a:lnRef idx="2">
+        <a:scrgbClr r="0" g="0" b="0"/>
+      </a:lnRef>
+      <a:fillRef idx="1">
+        <a:scrgbClr r="0" g="0" b="0"/>
+      </a:fillRef>
+      <a:effectRef idx="0">
+        <a:scrgbClr r="0" g="0" b="0"/>
+      </a:effectRef>
+      <a:fontRef idx="minor"/>
+    </dgm:style>
+  </dgm:styleLbl>
+  <dgm:styleLbl name="solidAlignAcc1">
+    <dgm:scene3d>
+      <a:camera prst="orthographicFront"/>
+      <a:lightRig rig="threePt" dir="t"/>
+    </dgm:scene3d>
+    <dgm:sp3d/>
+    <dgm:txPr/>
+    <dgm:style>
+      <a:lnRef idx="2">
+        <a:scrgbClr r="0" g="0" b="0"/>
+      </a:lnRef>
+      <a:fillRef idx="1">
+        <a:scrgbClr r="0" g="0" b="0"/>
+      </a:fillRef>
+      <a:effectRef idx="0">
+        <a:scrgbClr r="0" g="0" b="0"/>
+      </a:effectRef>
+      <a:fontRef idx="minor"/>
+    </dgm:style>
+  </dgm:styleLbl>
+  <dgm:styleLbl name="solidBgAcc1">
+    <dgm:scene3d>
+      <a:camera prst="orthographicFront"/>
+      <a:lightRig rig="threePt" dir="t"/>
+    </dgm:scene3d>
+    <dgm:sp3d/>
+    <dgm:txPr/>
+    <dgm:style>
+      <a:lnRef idx="2">
+        <a:scrgbClr r="0" g="0" b="0"/>
+      </a:lnRef>
+      <a:fillRef idx="1">
+        <a:scrgbClr r="0" g="0" b="0"/>
+      </a:fillRef>
+      <a:effectRef idx="0">
+        <a:scrgbClr r="0" g="0" b="0"/>
+      </a:effectRef>
+      <a:fontRef idx="minor"/>
+    </dgm:style>
+  </dgm:styleLbl>
+  <dgm:styleLbl name="fgAccFollowNode1">
+    <dgm:scene3d>
+      <a:camera prst="orthographicFront"/>
+      <a:lightRig rig="threePt" dir="t"/>
+    </dgm:scene3d>
+    <dgm:sp3d/>
+    <dgm:txPr/>
+    <dgm:style>
+      <a:lnRef idx="2">
+        <a:scrgbClr r="0" g="0" b="0"/>
+      </a:lnRef>
+      <a:fillRef idx="1">
+        <a:scrgbClr r="0" g="0" b="0"/>
+      </a:fillRef>
+      <a:effectRef idx="0">
+        <a:scrgbClr r="0" g="0" b="0"/>
+      </a:effectRef>
+      <a:fontRef idx="minor"/>
+    </dgm:style>
+  </dgm:styleLbl>
+  <dgm:styleLbl name="alignAccFollowNode1">
+    <dgm:scene3d>
+      <a:camera prst="orthographicFront"/>
+      <a:lightRig rig="threePt" dir="t"/>
+    </dgm:scene3d>
+    <dgm:sp3d/>
+    <dgm:txPr/>
+    <dgm:style>
+      <a:lnRef idx="2">
+        <a:scrgbClr r="0" g="0" b="0"/>
+      </a:lnRef>
+      <a:fillRef idx="1">
+        <a:scrgbClr r="0" g="0" b="0"/>
+      </a:fillRef>
+      <a:effectRef idx="0">
+        <a:scrgbClr r="0" g="0" b="0"/>
+      </a:effectRef>
+      <a:fontRef idx="minor"/>
+    </dgm:style>
+  </dgm:styleLbl>
+  <dgm:styleLbl name="bgAccFollowNode1">
+    <dgm:scene3d>
+      <a:camera prst="orthographicFront"/>
+      <a:lightRig rig="threePt" dir="t"/>
+    </dgm:scene3d>
+    <dgm:sp3d/>
+    <dgm:txPr/>
+    <dgm:style>
+      <a:lnRef idx="2">
+        <a:scrgbClr r="0" g="0" b="0"/>
+      </a:lnRef>
+      <a:fillRef idx="1">
+        <a:scrgbClr r="0" g="0" b="0"/>
+      </a:fillRef>
+      <a:effectRef idx="0">
+        <a:scrgbClr r="0" g="0" b="0"/>
+      </a:effectRef>
+      <a:fontRef idx="minor"/>
+    </dgm:style>
+  </dgm:styleLbl>
+  <dgm:styleLbl name="fgAcc0">
+    <dgm:scene3d>
+      <a:camera prst="orthographicFront"/>
+      <a:lightRig rig="threePt" dir="t"/>
+    </dgm:scene3d>
+    <dgm:sp3d/>
+    <dgm:txPr/>
+    <dgm:style>
+      <a:lnRef idx="2">
+        <a:scrgbClr r="0" g="0" b="0"/>
+      </a:lnRef>
+      <a:fillRef idx="1">
+        <a:scrgbClr r="0" g="0" b="0"/>
+      </a:fillRef>
+      <a:effectRef idx="0">
+        <a:scrgbClr r="0" g="0" b="0"/>
+      </a:effectRef>
+      <a:fontRef idx="minor"/>
+    </dgm:style>
+  </dgm:styleLbl>
+  <dgm:styleLbl name="fgAcc2">
+    <dgm:scene3d>
+      <a:camera prst="orthographicFront"/>
+      <a:lightRig rig="threePt" dir="t"/>
+    </dgm:scene3d>
+    <dgm:sp3d/>
+    <dgm:txPr/>
+    <dgm:style>
+      <a:lnRef idx="2">
+        <a:scrgbClr r="0" g="0" b="0"/>
+      </a:lnRef>
+      <a:fillRef idx="1">
+        <a:scrgbClr r="0" g="0" b="0"/>
+      </a:fillRef>
+      <a:effectRef idx="0">
+        <a:scrgbClr r="0" g="0" b="0"/>
+      </a:effectRef>
+      <a:fontRef idx="minor"/>
+    </dgm:style>
+  </dgm:styleLbl>
+  <dgm:styleLbl name="fgAcc3">
+    <dgm:scene3d>
+      <a:camera prst="orthographicFront"/>
+      <a:lightRig rig="threePt" dir="t"/>
+    </dgm:scene3d>
+    <dgm:sp3d/>
+    <dgm:txPr/>
+    <dgm:style>
+      <a:lnRef idx="2">
+        <a:scrgbClr r="0" g="0" b="0"/>
+      </a:lnRef>
+      <a:fillRef idx="1">
+        <a:scrgbClr r="0" g="0" b="0"/>
+      </a:fillRef>
+      <a:effectRef idx="0">
+        <a:scrgbClr r="0" g="0" b="0"/>
+      </a:effectRef>
+      <a:fontRef idx="minor"/>
+    </dgm:style>
+  </dgm:styleLbl>
+  <dgm:styleLbl name="fgAcc4">
+    <dgm:scene3d>
+      <a:camera prst="orthographicFront"/>
+      <a:lightRig rig="threePt" dir="t"/>
+    </dgm:scene3d>
+    <dgm:sp3d/>
+    <dgm:txPr/>
+    <dgm:style>
+      <a:lnRef idx="2">
+        <a:scrgbClr r="0" g="0" b="0"/>
+      </a:lnRef>
+      <a:fillRef idx="1">
+        <a:scrgbClr r="0" g="0" b="0"/>
+      </a:fillRef>
+      <a:effectRef idx="0">
+        <a:scrgbClr r="0" g="0" b="0"/>
+      </a:effectRef>
+      <a:fontRef idx="minor"/>
+    </dgm:style>
+  </dgm:styleLbl>
+  <dgm:styleLbl name="bgShp">
+    <dgm:scene3d>
+      <a:camera prst="orthographicFront"/>
+      <a:lightRig rig="threePt" dir="t"/>
+    </dgm:scene3d>
+    <dgm:sp3d/>
+    <dgm:txPr/>
+    <dgm:style>
+      <a:lnRef idx="0">
+        <a:scrgbClr r="0" g="0" b="0"/>
+      </a:lnRef>
+      <a:fillRef idx="1">
+        <a:scrgbClr r="0" g="0" b="0"/>
+      </a:fillRef>
+      <a:effectRef idx="0">
+        <a:scrgbClr r="0" g="0" b="0"/>
+      </a:effectRef>
+      <a:fontRef idx="minor"/>
+    </dgm:style>
+  </dgm:styleLbl>
+  <dgm:styleLbl name="dkBgShp">
+    <dgm:scene3d>
+      <a:camera prst="orthographicFront"/>
+      <a:lightRig rig="threePt" dir="t"/>
+    </dgm:scene3d>
+    <dgm:sp3d/>
+    <dgm:txPr/>
+    <dgm:style>
+      <a:lnRef idx="0">
+        <a:scrgbClr r="0" g="0" b="0"/>
+      </a:lnRef>
+      <a:fillRef idx="1">
+        <a:scrgbClr r="0" g="0" b="0"/>
+      </a:fillRef>
+      <a:effectRef idx="0">
+        <a:scrgbClr r="0" g="0" b="0"/>
+      </a:effectRef>
+      <a:fontRef idx="minor"/>
+    </dgm:style>
+  </dgm:styleLbl>
+  <dgm:styleLbl name="trBgShp">
+    <dgm:scene3d>
+      <a:camera prst="orthographicFront"/>
+      <a:lightRig rig="threePt" dir="t"/>
+    </dgm:scene3d>
+    <dgm:sp3d/>
+    <dgm:txPr/>
+    <dgm:style>
+      <a:lnRef idx="0">
+        <a:scrgbClr r="0" g="0" b="0"/>
+      </a:lnRef>
+      <a:fillRef idx="1">
+        <a:scrgbClr r="0" g="0" b="0"/>
+      </a:fillRef>
+      <a:effectRef idx="0">
+        <a:scrgbClr r="0" g="0" b="0"/>
+      </a:effectRef>
+      <a:fontRef idx="minor"/>
+    </dgm:style>
+  </dgm:styleLbl>
+  <dgm:styleLbl name="fgShp">
+    <dgm:scene3d>
+      <a:camera prst="orthographicFront"/>
+      <a:lightRig rig="threePt" dir="t"/>
+    </dgm:scene3d>
+    <dgm:sp3d/>
+    <dgm:txPr/>
+    <dgm:style>
+      <a:lnRef idx="2">
+        <a:scrgbClr r="0" g="0" b="0"/>
+      </a:lnRef>
+      <a:fillRef idx="1">
+        <a:scrgbClr r="0" g="0" b="0"/>
+      </a:fillRef>
+      <a:effectRef idx="0">
+        <a:scrgbClr r="0" g="0" b="0"/>
+      </a:effectRef>
+      <a:fontRef idx="minor"/>
+    </dgm:style>
+  </dgm:styleLbl>
+  <dgm:styleLbl name="revTx">
+    <dgm:scene3d>
+      <a:camera prst="orthographicFront"/>
+      <a:lightRig rig="threePt" dir="t"/>
+    </dgm:scene3d>
+    <dgm:sp3d/>
+    <dgm:txPr/>
+    <dgm:style>
+      <a:lnRef idx="0">
+        <a:scrgbClr r="0" g="0" b="0"/>
+      </a:lnRef>
+      <a:fillRef idx="0">
+        <a:scrgbClr r="0" g="0" b="0"/>
+      </a:fillRef>
+      <a:effectRef idx="0">
+        <a:scrgbClr r="0" g="0" b="0"/>
+      </a:effectRef>
+      <a:fontRef idx="minor"/>
+    </dgm:style>
+  </dgm:styleLbl>
+</dgm:styleDef>
+</file>
+
 <file path=ppt/notesMasters/notesMaster1.xml><?xml version="1.0" encoding="utf-8"?>
 <p:notesMaster xmlns:a="http://schemas.openxmlformats.org/drawingml/2006/main" xmlns:r="http://schemas.openxmlformats.org/officeDocument/2006/relationships" xmlns:p="http://schemas.openxmlformats.org/presentationml/2006/main">
   <p:cSld>
@@ -203,7 +2866,7 @@
           <a:p>
             <a:fld id="{1293BBDB-A477-4124-9A9D-9D5E9048EEE8}" type="datetimeFigureOut">
               <a:rPr lang="en-GB" smtClean="0"/>
-              <a:t>18/08/2024</a:t>
+              <a:t>16/09/2024</a:t>
             </a:fld>
             <a:endParaRPr lang="en-GB"/>
           </a:p>
@@ -665,7 +3328,7 @@
           <a:p>
             <a:fld id="{25734326-BB0B-41D3-A439-E35C0605205F}" type="slidenum">
               <a:rPr lang="en-GB" smtClean="0"/>
-              <a:t>3</a:t>
+              <a:t>4</a:t>
             </a:fld>
             <a:endParaRPr lang="en-GB"/>
           </a:p>
@@ -749,7 +3412,7 @@
           <a:p>
             <a:fld id="{25734326-BB0B-41D3-A439-E35C0605205F}" type="slidenum">
               <a:rPr lang="en-GB" smtClean="0"/>
-              <a:t>4</a:t>
+              <a:t>5</a:t>
             </a:fld>
             <a:endParaRPr lang="en-GB"/>
           </a:p>
@@ -862,7 +3525,7 @@
           <a:p>
             <a:fld id="{25734326-BB0B-41D3-A439-E35C0605205F}" type="slidenum">
               <a:rPr lang="en-GB" smtClean="0"/>
-              <a:t>5</a:t>
+              <a:t>6</a:t>
             </a:fld>
             <a:endParaRPr lang="en-GB"/>
           </a:p>
@@ -949,7 +3612,7 @@
           <a:p>
             <a:fld id="{25734326-BB0B-41D3-A439-E35C0605205F}" type="slidenum">
               <a:rPr lang="en-GB" smtClean="0"/>
-              <a:t>6</a:t>
+              <a:t>7</a:t>
             </a:fld>
             <a:endParaRPr lang="en-GB"/>
           </a:p>
@@ -1437,7 +4100,7 @@
           <a:p>
             <a:fld id="{EA0C0817-A112-4847-8014-A94B7D2A4EA3}" type="datetime1">
               <a:rPr lang="en-US" smtClean="0"/>
-              <a:t>8/18/2024</a:t>
+              <a:t>9/16/2024</a:t>
             </a:fld>
             <a:endParaRPr lang="en-US" dirty="0"/>
           </a:p>
@@ -1639,7 +4302,7 @@
           <a:p>
             <a:fld id="{134F40B7-36AB-4376-BE14-EF7004D79BB9}" type="datetime1">
               <a:rPr lang="en-US" smtClean="0"/>
-              <a:t>8/18/2024</a:t>
+              <a:t>9/16/2024</a:t>
             </a:fld>
             <a:endParaRPr lang="en-US"/>
           </a:p>
@@ -1819,7 +4482,7 @@
           <a:p>
             <a:fld id="{FF87CAB8-DCAE-46A5-AADA-B3FAD11A54E0}" type="datetime1">
               <a:rPr lang="en-US" smtClean="0"/>
-              <a:t>8/18/2024</a:t>
+              <a:t>9/16/2024</a:t>
             </a:fld>
             <a:endParaRPr lang="en-US"/>
           </a:p>
@@ -1989,7 +4652,7 @@
           <a:p>
             <a:fld id="{7332B432-ACDA-4023-A761-2BAB76577B62}" type="datetime1">
               <a:rPr lang="en-US" smtClean="0"/>
-              <a:t>8/18/2024</a:t>
+              <a:t>9/16/2024</a:t>
             </a:fld>
             <a:endParaRPr lang="en-US"/>
           </a:p>
@@ -2588,7 +5251,7 @@
           <a:p>
             <a:fld id="{D9C646AA-F36E-4540-911D-FFFC0A0EF24A}" type="datetime1">
               <a:rPr lang="en-US" smtClean="0"/>
-              <a:t>8/18/2024</a:t>
+              <a:t>9/16/2024</a:t>
             </a:fld>
             <a:endParaRPr lang="en-US" dirty="0"/>
           </a:p>
@@ -2908,7 +5571,7 @@
           <a:p>
             <a:fld id="{69186D26-FA5F-4637-B602-B7C2DC34CFD4}" type="datetime1">
               <a:rPr lang="en-US" smtClean="0"/>
-              <a:t>8/18/2024</a:t>
+              <a:t>9/16/2024</a:t>
             </a:fld>
             <a:endParaRPr lang="en-US"/>
           </a:p>
@@ -3343,7 +6006,7 @@
           <a:p>
             <a:fld id="{8A7F15D8-96D1-4781-BC50-CA8A088B2FE4}" type="datetime1">
               <a:rPr lang="en-US" smtClean="0"/>
-              <a:t>8/18/2024</a:t>
+              <a:t>9/16/2024</a:t>
             </a:fld>
             <a:endParaRPr lang="en-US"/>
           </a:p>
@@ -3461,7 +6124,7 @@
           <a:p>
             <a:fld id="{F9A96C99-B8F8-4528-BD05-0E16E943DC09}" type="datetime1">
               <a:rPr lang="en-US" smtClean="0"/>
-              <a:t>8/18/2024</a:t>
+              <a:t>9/16/2024</a:t>
             </a:fld>
             <a:endParaRPr lang="en-US"/>
           </a:p>
@@ -3556,7 +6219,7 @@
           <a:p>
             <a:fld id="{03636942-C211-4B28-8DBD-C953E00AF71B}" type="datetime1">
               <a:rPr lang="en-US" smtClean="0"/>
-              <a:t>8/18/2024</a:t>
+              <a:t>9/16/2024</a:t>
             </a:fld>
             <a:endParaRPr lang="en-US"/>
           </a:p>
@@ -3973,7 +6636,7 @@
           <a:p>
             <a:fld id="{7E8D12A6-918A-48BD-8CB9-CA713993B0EA}" type="datetime1">
               <a:rPr lang="en-US" smtClean="0"/>
-              <a:t>8/18/2024</a:t>
+              <a:t>9/16/2024</a:t>
             </a:fld>
             <a:endParaRPr lang="en-US"/>
           </a:p>
@@ -4235,7 +6898,7 @@
             <a:fld id="{E778CE86-875F-4587-BCF6-FA054AFC0D53}" type="datetime1">
               <a:rPr lang="en-US" smtClean="0"/>
               <a:pPr/>
-              <a:t>8/18/2024</a:t>
+              <a:t>9/16/2024</a:t>
             </a:fld>
             <a:endParaRPr lang="en-US" dirty="0"/>
           </a:p>
@@ -4751,7 +7414,7 @@
           <a:p>
             <a:fld id="{F6FA2B21-3FCD-4721-B95C-427943F61125}" type="datetime1">
               <a:rPr lang="en-US" smtClean="0"/>
-              <a:t>8/18/2024</a:t>
+              <a:t>9/16/2024</a:t>
             </a:fld>
             <a:endParaRPr lang="en-US"/>
           </a:p>
@@ -5526,7 +8189,7 @@
               <a:buNone/>
             </a:pPr>
             <a:r>
-              <a:rPr lang="en-AU" sz="1800" dirty="0">
+              <a:rPr lang="en-AU" sz="3000" dirty="0">
                 <a:effectLst/>
                 <a:latin typeface="Symbol" panose="05050102010706020507" pitchFamily="18" charset="2"/>
                 <a:ea typeface="Times New Roman" panose="02020603050405020304" pitchFamily="18" charset="0"/>
@@ -5534,14 +8197,14 @@
               <a:t>·</a:t>
             </a:r>
             <a:r>
-              <a:rPr lang="en-AU" sz="1800" dirty="0">
+              <a:rPr lang="en-AU" sz="3000" dirty="0">
                 <a:effectLst/>
                 <a:latin typeface="Times New Roman" panose="02020603050405020304" pitchFamily="18" charset="0"/>
                 <a:ea typeface="Times New Roman" panose="02020603050405020304" pitchFamily="18" charset="0"/>
               </a:rPr>
               <a:t> Understand the relationship between sound characteristics (amplitude, frequency) and wave properties.</a:t>
             </a:r>
-            <a:endParaRPr lang="en-GB" sz="1800" dirty="0">
+            <a:endParaRPr lang="en-GB" sz="3000" dirty="0">
               <a:effectLst/>
               <a:latin typeface="Times New Roman" panose="02020603050405020304" pitchFamily="18" charset="0"/>
               <a:ea typeface="Times New Roman" panose="02020603050405020304" pitchFamily="18" charset="0"/>
@@ -5552,7 +8215,7 @@
               <a:buNone/>
             </a:pPr>
             <a:r>
-              <a:rPr lang="en-AU" sz="1800" dirty="0">
+              <a:rPr lang="en-AU" sz="3000" dirty="0">
                 <a:effectLst/>
                 <a:latin typeface="Symbol" panose="05050102010706020507" pitchFamily="18" charset="2"/>
                 <a:ea typeface="Times New Roman" panose="02020603050405020304" pitchFamily="18" charset="0"/>
@@ -5560,14 +8223,14 @@
               <a:t>·</a:t>
             </a:r>
             <a:r>
-              <a:rPr lang="en-AU" sz="1800" dirty="0">
+              <a:rPr lang="en-AU" sz="3000" dirty="0">
                 <a:effectLst/>
                 <a:latin typeface="Times New Roman" panose="02020603050405020304" pitchFamily="18" charset="0"/>
                 <a:ea typeface="Times New Roman" panose="02020603050405020304" pitchFamily="18" charset="0"/>
               </a:rPr>
               <a:t> Conduct an experiment to measure the speed of sound using practical tools.</a:t>
             </a:r>
-            <a:endParaRPr lang="en-GB" sz="1800" dirty="0">
+            <a:endParaRPr lang="en-GB" sz="3000" dirty="0">
               <a:effectLst/>
               <a:latin typeface="Times New Roman" panose="02020603050405020304" pitchFamily="18" charset="0"/>
               <a:ea typeface="Times New Roman" panose="02020603050405020304" pitchFamily="18" charset="0"/>
@@ -5578,7 +8241,7 @@
               <a:buNone/>
             </a:pPr>
             <a:r>
-              <a:rPr lang="en-AU" sz="1800" dirty="0">
+              <a:rPr lang="en-AU" sz="3000" dirty="0">
                 <a:effectLst/>
                 <a:latin typeface="Symbol" panose="05050102010706020507" pitchFamily="18" charset="2"/>
                 <a:ea typeface="Times New Roman" panose="02020603050405020304" pitchFamily="18" charset="0"/>
@@ -5586,14 +8249,14 @@
               <a:t>·</a:t>
             </a:r>
             <a:r>
-              <a:rPr lang="en-AU" sz="1800" dirty="0">
+              <a:rPr lang="en-AU" sz="3000" dirty="0">
                 <a:effectLst/>
                 <a:latin typeface="Times New Roman" panose="02020603050405020304" pitchFamily="18" charset="0"/>
                 <a:ea typeface="Times New Roman" panose="02020603050405020304" pitchFamily="18" charset="0"/>
               </a:rPr>
               <a:t> Analyse data to understand how sound waves behave in different conditions</a:t>
             </a:r>
-            <a:endParaRPr lang="en-GB" sz="1800" dirty="0">
+            <a:endParaRPr lang="en-GB" sz="3000" dirty="0">
               <a:effectLst/>
               <a:latin typeface="Times New Roman" panose="02020603050405020304" pitchFamily="18" charset="0"/>
               <a:ea typeface="Times New Roman" panose="02020603050405020304" pitchFamily="18" charset="0"/>
@@ -5620,6 +8283,14 @@
 <file path=ppt/slides/slide3.xml><?xml version="1.0" encoding="utf-8"?>
 <p:sld xmlns:a="http://schemas.openxmlformats.org/drawingml/2006/main" xmlns:r="http://schemas.openxmlformats.org/officeDocument/2006/relationships" xmlns:p="http://schemas.openxmlformats.org/presentationml/2006/main">
   <p:cSld>
+    <p:bg>
+      <p:bgPr>
+        <a:solidFill>
+          <a:schemeClr val="bg1"/>
+        </a:solidFill>
+        <a:effectLst/>
+      </p:bgPr>
+    </p:bg>
     <p:spTree>
       <p:nvGrpSpPr>
         <p:cNvPr id="1" name=""/>
@@ -5634,12 +8305,204 @@
           <a:chExt cx="0" cy="0"/>
         </a:xfrm>
       </p:grpSpPr>
+      <p:sp useBgFill="1">
+        <p:nvSpPr>
+          <p:cNvPr id="3086" name="Rectangle 3085">
+            <a:extLst>
+              <a:ext uri="{FF2B5EF4-FFF2-40B4-BE49-F238E27FC236}">
+                <a16:creationId xmlns:a16="http://schemas.microsoft.com/office/drawing/2014/main" id="{78632963-757B-40C2-BB84-FC6107A54DAD}"/>
+              </a:ext>
+              <a:ext uri="{C183D7F6-B498-43B3-948B-1728B52AA6E4}">
+                <adec:decorative xmlns:adec="http://schemas.microsoft.com/office/drawing/2017/decorative" val="1"/>
+              </a:ext>
+            </a:extLst>
+          </p:cNvPr>
+          <p:cNvSpPr>
+            <a:spLocks noGrp="1" noRot="1" noChangeAspect="1" noMove="1" noResize="1" noEditPoints="1" noAdjustHandles="1" noChangeArrowheads="1" noChangeShapeType="1" noTextEdit="1"/>
+          </p:cNvSpPr>
+          <p:nvPr>
+            <p:extLst>
+              <p:ext uri="{386F3935-93C4-4BCD-93E2-E3B085C9AB24}">
+                <p16:designElem xmlns:p16="http://schemas.microsoft.com/office/powerpoint/2015/main" val="1"/>
+              </p:ext>
+            </p:extLst>
+          </p:nvPr>
+        </p:nvSpPr>
+        <p:spPr>
+          <a:xfrm>
+            <a:off x="-1866" y="0"/>
+            <a:ext cx="12193866" cy="6858000"/>
+          </a:xfrm>
+          <a:prstGeom prst="rect">
+            <a:avLst/>
+          </a:prstGeom>
+          <a:ln>
+            <a:noFill/>
+          </a:ln>
+        </p:spPr>
+        <p:style>
+          <a:lnRef idx="2">
+            <a:schemeClr val="accent1">
+              <a:shade val="50000"/>
+            </a:schemeClr>
+          </a:lnRef>
+          <a:fillRef idx="1">
+            <a:schemeClr val="accent1"/>
+          </a:fillRef>
+          <a:effectRef idx="0">
+            <a:schemeClr val="accent1"/>
+          </a:effectRef>
+          <a:fontRef idx="minor">
+            <a:schemeClr val="lt1"/>
+          </a:fontRef>
+        </p:style>
+        <p:txBody>
+          <a:bodyPr rtlCol="0" anchor="ctr"/>
+          <a:lstStyle/>
+          <a:p>
+            <a:pPr algn="ctr"/>
+            <a:endParaRPr lang="en-US" dirty="0"/>
+          </a:p>
+        </p:txBody>
+      </p:sp>
+      <p:sp>
+        <p:nvSpPr>
+          <p:cNvPr id="3088" name="Rectangle 3087">
+            <a:extLst>
+              <a:ext uri="{FF2B5EF4-FFF2-40B4-BE49-F238E27FC236}">
+                <a16:creationId xmlns:a16="http://schemas.microsoft.com/office/drawing/2014/main" id="{2853AE55-7E35-44B0-89F1-3F52B262AF33}"/>
+              </a:ext>
+              <a:ext uri="{C183D7F6-B498-43B3-948B-1728B52AA6E4}">
+                <adec:decorative xmlns:adec="http://schemas.microsoft.com/office/drawing/2017/decorative" val="1"/>
+              </a:ext>
+            </a:extLst>
+          </p:cNvPr>
+          <p:cNvSpPr>
+            <a:spLocks noGrp="1" noRot="1" noChangeAspect="1" noMove="1" noResize="1" noEditPoints="1" noAdjustHandles="1" noChangeArrowheads="1" noChangeShapeType="1" noTextEdit="1"/>
+          </p:cNvSpPr>
+          <p:nvPr>
+            <p:extLst>
+              <p:ext uri="{386F3935-93C4-4BCD-93E2-E3B085C9AB24}">
+                <p16:designElem xmlns:p16="http://schemas.microsoft.com/office/powerpoint/2015/main" val="1"/>
+              </p:ext>
+            </p:extLst>
+          </p:nvPr>
+        </p:nvSpPr>
+        <p:spPr>
+          <a:xfrm>
+            <a:off x="6339709" y="253548"/>
+            <a:ext cx="5612193" cy="6361598"/>
+          </a:xfrm>
+          <a:prstGeom prst="rect">
+            <a:avLst/>
+          </a:prstGeom>
+          <a:solidFill>
+            <a:schemeClr val="bg1">
+              <a:lumMod val="75000"/>
+              <a:alpha val="60000"/>
+            </a:schemeClr>
+          </a:solidFill>
+          <a:ln>
+            <a:noFill/>
+          </a:ln>
+        </p:spPr>
+        <p:style>
+          <a:lnRef idx="2">
+            <a:schemeClr val="accent1">
+              <a:shade val="50000"/>
+            </a:schemeClr>
+          </a:lnRef>
+          <a:fillRef idx="1">
+            <a:schemeClr val="accent1"/>
+          </a:fillRef>
+          <a:effectRef idx="0">
+            <a:schemeClr val="accent1"/>
+          </a:effectRef>
+          <a:fontRef idx="minor">
+            <a:schemeClr val="lt1"/>
+          </a:fontRef>
+        </p:style>
+        <p:txBody>
+          <a:bodyPr rtlCol="0" anchor="ctr"/>
+          <a:lstStyle/>
+          <a:p>
+            <a:pPr algn="ctr"/>
+            <a:endParaRPr lang="en-US"/>
+          </a:p>
+        </p:txBody>
+      </p:sp>
+      <p:sp>
+        <p:nvSpPr>
+          <p:cNvPr id="3090" name="Rectangle 3089">
+            <a:extLst>
+              <a:ext uri="{FF2B5EF4-FFF2-40B4-BE49-F238E27FC236}">
+                <a16:creationId xmlns:a16="http://schemas.microsoft.com/office/drawing/2014/main" id="{DBC4BE4D-4B50-4F51-9F85-4B5D60B02D81}"/>
+              </a:ext>
+              <a:ext uri="{C183D7F6-B498-43B3-948B-1728B52AA6E4}">
+                <adec:decorative xmlns:adec="http://schemas.microsoft.com/office/drawing/2017/decorative" val="1"/>
+              </a:ext>
+            </a:extLst>
+          </p:cNvPr>
+          <p:cNvSpPr>
+            <a:spLocks noGrp="1" noRot="1" noChangeAspect="1" noMove="1" noResize="1" noEditPoints="1" noAdjustHandles="1" noChangeArrowheads="1" noChangeShapeType="1" noTextEdit="1"/>
+          </p:cNvSpPr>
+          <p:nvPr>
+            <p:extLst>
+              <p:ext uri="{386F3935-93C4-4BCD-93E2-E3B085C9AB24}">
+                <p16:designElem xmlns:p16="http://schemas.microsoft.com/office/powerpoint/2015/main" val="1"/>
+              </p:ext>
+            </p:extLst>
+          </p:nvPr>
+        </p:nvSpPr>
+        <p:spPr>
+          <a:xfrm>
+            <a:off x="6487542" y="407588"/>
+            <a:ext cx="5299768" cy="6022878"/>
+          </a:xfrm>
+          <a:prstGeom prst="rect">
+            <a:avLst/>
+          </a:prstGeom>
+          <a:noFill/>
+          <a:ln w="6350">
+            <a:solidFill>
+              <a:schemeClr val="tx1">
+                <a:lumMod val="75000"/>
+                <a:lumOff val="25000"/>
+              </a:schemeClr>
+            </a:solidFill>
+          </a:ln>
+        </p:spPr>
+        <p:style>
+          <a:lnRef idx="2">
+            <a:schemeClr val="accent1">
+              <a:shade val="50000"/>
+            </a:schemeClr>
+          </a:lnRef>
+          <a:fillRef idx="1">
+            <a:schemeClr val="accent1"/>
+          </a:fillRef>
+          <a:effectRef idx="0">
+            <a:schemeClr val="accent1"/>
+          </a:effectRef>
+          <a:fontRef idx="minor">
+            <a:schemeClr val="lt1"/>
+          </a:fontRef>
+        </p:style>
+        <p:txBody>
+          <a:bodyPr rtlCol="0" anchor="ctr"/>
+          <a:lstStyle/>
+          <a:p>
+            <a:pPr algn="ctr"/>
+            <a:endParaRPr lang="en-US"/>
+          </a:p>
+        </p:txBody>
+      </p:sp>
       <p:sp>
         <p:nvSpPr>
           <p:cNvPr id="2" name="Title 1">
             <a:extLst>
               <a:ext uri="{FF2B5EF4-FFF2-40B4-BE49-F238E27FC236}">
-                <a16:creationId xmlns:a16="http://schemas.microsoft.com/office/drawing/2014/main" id="{890DD286-E7DF-A4B5-5A60-506AC9AF5415}"/>
+                <a16:creationId xmlns:a16="http://schemas.microsoft.com/office/drawing/2014/main" id="{DB5BBAA3-4091-7C4C-330D-54917902A8D3}"/>
               </a:ext>
             </a:extLst>
           </p:cNvPr>
@@ -5652,30 +8515,124 @@
         </p:nvSpPr>
         <p:spPr>
           <a:xfrm>
-            <a:off x="4759124" y="2263050"/>
-            <a:ext cx="3076937" cy="1371600"/>
+            <a:off x="6846137" y="804073"/>
+            <a:ext cx="4602152" cy="1345449"/>
           </a:xfrm>
         </p:spPr>
         <p:txBody>
-          <a:bodyPr/>
+          <a:bodyPr>
+            <a:normAutofit/>
+          </a:bodyPr>
           <a:lstStyle/>
           <a:p>
             <a:r>
               <a:rPr lang="en-GB" dirty="0"/>
-              <a:t>Speed = ?</a:t>
+              <a:t>Download</a:t>
             </a:r>
           </a:p>
         </p:txBody>
       </p:sp>
-      <p:sp>
-        <p:nvSpPr>
-          <p:cNvPr id="5" name="Content Placeholder 4">
+      <p:pic>
+        <p:nvPicPr>
+          <p:cNvPr id="3074" name="Picture 2" descr="Arduino Science Journal is replacing Google Science Journal - Danny Nics  Science Fix">
             <a:extLst>
               <a:ext uri="{FF2B5EF4-FFF2-40B4-BE49-F238E27FC236}">
-                <a16:creationId xmlns:a16="http://schemas.microsoft.com/office/drawing/2014/main" id="{EF38EF74-F967-1591-EE4E-6DC5F63AA81F}"/>
+                <a16:creationId xmlns:a16="http://schemas.microsoft.com/office/drawing/2014/main" id="{7BD6A773-5A81-43CD-D7B5-73BA6EB335E5}"/>
               </a:ext>
             </a:extLst>
           </p:cNvPr>
+          <p:cNvPicPr>
+            <a:picLocks noChangeAspect="1" noChangeArrowheads="1"/>
+          </p:cNvPicPr>
+          <p:nvPr/>
+        </p:nvPicPr>
+        <p:blipFill>
+          <a:blip r:embed="rId2">
+            <a:extLst>
+              <a:ext uri="{28A0092B-C50C-407E-A947-70E740481C1C}">
+                <a14:useLocalDpi xmlns:a14="http://schemas.microsoft.com/office/drawing/2010/main" val="0"/>
+              </a:ext>
+            </a:extLst>
+          </a:blip>
+          <a:stretch>
+            <a:fillRect/>
+          </a:stretch>
+        </p:blipFill>
+        <p:spPr bwMode="auto">
+          <a:xfrm>
+            <a:off x="841284" y="619331"/>
+            <a:ext cx="4665360" cy="2729236"/>
+          </a:xfrm>
+          <a:prstGeom prst="rect">
+            <a:avLst/>
+          </a:prstGeom>
+          <a:noFill/>
+          <a:extLst>
+            <a:ext uri="{909E8E84-426E-40DD-AFC4-6F175D3DCCD1}">
+              <a14:hiddenFill xmlns:a14="http://schemas.microsoft.com/office/drawing/2010/main">
+                <a:solidFill>
+                  <a:srgbClr val="FFFFFF"/>
+                </a:solidFill>
+              </a14:hiddenFill>
+            </a:ext>
+          </a:extLst>
+        </p:spPr>
+      </p:pic>
+      <p:pic>
+        <p:nvPicPr>
+          <p:cNvPr id="3076" name="Picture 4" descr="Arduino Science Journal App | ICT in Schools">
+            <a:extLst>
+              <a:ext uri="{FF2B5EF4-FFF2-40B4-BE49-F238E27FC236}">
+                <a16:creationId xmlns:a16="http://schemas.microsoft.com/office/drawing/2014/main" id="{FFB8A79D-3FF4-D4BC-8FE3-87B77B7DE30B}"/>
+              </a:ext>
+            </a:extLst>
+          </p:cNvPr>
+          <p:cNvPicPr>
+            <a:picLocks noChangeAspect="1" noChangeArrowheads="1"/>
+          </p:cNvPicPr>
+          <p:nvPr/>
+        </p:nvPicPr>
+        <p:blipFill>
+          <a:blip r:embed="rId3">
+            <a:extLst>
+              <a:ext uri="{28A0092B-C50C-407E-A947-70E740481C1C}">
+                <a14:useLocalDpi xmlns:a14="http://schemas.microsoft.com/office/drawing/2010/main" val="0"/>
+              </a:ext>
+            </a:extLst>
+          </a:blip>
+          <a:stretch>
+            <a:fillRect/>
+          </a:stretch>
+        </p:blipFill>
+        <p:spPr bwMode="auto">
+          <a:xfrm>
+            <a:off x="1307435" y="3509433"/>
+            <a:ext cx="3733057" cy="2771795"/>
+          </a:xfrm>
+          <a:prstGeom prst="rect">
+            <a:avLst/>
+          </a:prstGeom>
+          <a:noFill/>
+          <a:extLst>
+            <a:ext uri="{909E8E84-426E-40DD-AFC4-6F175D3DCCD1}">
+              <a14:hiddenFill xmlns:a14="http://schemas.microsoft.com/office/drawing/2010/main">
+                <a:solidFill>
+                  <a:srgbClr val="FFFFFF"/>
+                </a:solidFill>
+              </a14:hiddenFill>
+            </a:ext>
+          </a:extLst>
+        </p:spPr>
+      </p:pic>
+      <p:sp>
+        <p:nvSpPr>
+          <p:cNvPr id="3" name="Content Placeholder 2">
+            <a:extLst>
+              <a:ext uri="{FF2B5EF4-FFF2-40B4-BE49-F238E27FC236}">
+                <a16:creationId xmlns:a16="http://schemas.microsoft.com/office/drawing/2014/main" id="{FC7FA781-76E9-4DD1-63F8-724D6E2EED04}"/>
+              </a:ext>
+            </a:extLst>
+          </p:cNvPr>
           <p:cNvSpPr>
             <a:spLocks noGrp="1"/>
           </p:cNvSpPr>
@@ -5683,19 +8640,44 @@
             <p:ph idx="1"/>
           </p:nvPr>
         </p:nvSpPr>
-        <p:spPr/>
-        <p:txBody>
-          <a:bodyPr/>
+        <p:spPr>
+          <a:xfrm>
+            <a:off x="6846137" y="2303563"/>
+            <a:ext cx="4602152" cy="3715424"/>
+          </a:xfrm>
+        </p:spPr>
+        <p:txBody>
+          <a:bodyPr>
+            <a:normAutofit/>
+          </a:bodyPr>
           <a:lstStyle/>
           <a:p>
-            <a:endParaRPr lang="en-GB"/>
+            <a:r>
+              <a:rPr lang="en-GB" sz="3000" dirty="0">
+                <a:effectLst/>
+                <a:latin typeface="Calibri" panose="020F0502020204030204" pitchFamily="34" charset="0"/>
+                <a:ea typeface="Calibri" panose="020F0502020204030204" pitchFamily="34" charset="0"/>
+                <a:cs typeface="Times New Roman" panose="02020603050405020304" pitchFamily="18" charset="0"/>
+              </a:rPr>
+              <a:t>Arduino Science Journal app </a:t>
+            </a:r>
+          </a:p>
+          <a:p>
+            <a:r>
+              <a:rPr lang="en-GB" sz="3000" dirty="0">
+                <a:latin typeface="Calibri" panose="020F0502020204030204" pitchFamily="34" charset="0"/>
+                <a:cs typeface="Times New Roman" panose="02020603050405020304" pitchFamily="18" charset="0"/>
+              </a:rPr>
+              <a:t>You will use this to record the sound waves length</a:t>
+            </a:r>
+            <a:endParaRPr lang="en-GB" sz="3000" dirty="0"/>
           </a:p>
         </p:txBody>
       </p:sp>
     </p:spTree>
     <p:extLst>
       <p:ext uri="{BB962C8B-B14F-4D97-AF65-F5344CB8AC3E}">
-        <p14:creationId xmlns:p14="http://schemas.microsoft.com/office/powerpoint/2010/main" val="1000951753"/>
+        <p14:creationId xmlns:p14="http://schemas.microsoft.com/office/powerpoint/2010/main" val="405330373"/>
       </p:ext>
     </p:extLst>
   </p:cSld>
@@ -5706,6 +8688,2314 @@
 </file>
 
 <file path=ppt/slides/slide4.xml><?xml version="1.0" encoding="utf-8"?>
+<p:sld xmlns:a="http://schemas.openxmlformats.org/drawingml/2006/main" xmlns:r="http://schemas.openxmlformats.org/officeDocument/2006/relationships" xmlns:p="http://schemas.openxmlformats.org/presentationml/2006/main">
+  <p:cSld>
+    <p:bg>
+      <p:bgPr>
+        <a:solidFill>
+          <a:schemeClr val="bg1"/>
+        </a:solidFill>
+        <a:effectLst/>
+      </p:bgPr>
+    </p:bg>
+    <p:spTree>
+      <p:nvGrpSpPr>
+        <p:cNvPr id="1" name=""/>
+        <p:cNvGrpSpPr/>
+        <p:nvPr/>
+      </p:nvGrpSpPr>
+      <p:grpSpPr>
+        <a:xfrm>
+          <a:off x="0" y="0"/>
+          <a:ext cx="0" cy="0"/>
+          <a:chOff x="0" y="0"/>
+          <a:chExt cx="0" cy="0"/>
+        </a:xfrm>
+      </p:grpSpPr>
+      <p:sp>
+        <p:nvSpPr>
+          <p:cNvPr id="1031" name="Rectangle 1030">
+            <a:extLst>
+              <a:ext uri="{FF2B5EF4-FFF2-40B4-BE49-F238E27FC236}">
+                <a16:creationId xmlns:a16="http://schemas.microsoft.com/office/drawing/2014/main" id="{904DB13E-F722-4ED6-BB00-556651E95281}"/>
+              </a:ext>
+              <a:ext uri="{C183D7F6-B498-43B3-948B-1728B52AA6E4}">
+                <adec:decorative xmlns:adec="http://schemas.microsoft.com/office/drawing/2017/decorative" val="1"/>
+              </a:ext>
+            </a:extLst>
+          </p:cNvPr>
+          <p:cNvSpPr>
+            <a:spLocks noGrp="1" noRot="1" noChangeAspect="1" noMove="1" noResize="1" noEditPoints="1" noAdjustHandles="1" noChangeArrowheads="1" noChangeShapeType="1" noTextEdit="1"/>
+          </p:cNvSpPr>
+          <p:nvPr>
+            <p:extLst>
+              <p:ext uri="{386F3935-93C4-4BCD-93E2-E3B085C9AB24}">
+                <p16:designElem xmlns:p16="http://schemas.microsoft.com/office/powerpoint/2015/main" val="1"/>
+              </p:ext>
+            </p:extLst>
+          </p:nvPr>
+        </p:nvSpPr>
+        <p:spPr>
+          <a:xfrm>
+            <a:off x="0" y="0"/>
+            <a:ext cx="12192000" cy="6858000"/>
+          </a:xfrm>
+          <a:prstGeom prst="rect">
+            <a:avLst/>
+          </a:prstGeom>
+          <a:solidFill>
+            <a:schemeClr val="tx1">
+              <a:lumMod val="65000"/>
+              <a:lumOff val="35000"/>
+            </a:schemeClr>
+          </a:solidFill>
+          <a:ln>
+            <a:noFill/>
+          </a:ln>
+        </p:spPr>
+        <p:style>
+          <a:lnRef idx="2">
+            <a:schemeClr val="accent1">
+              <a:shade val="50000"/>
+            </a:schemeClr>
+          </a:lnRef>
+          <a:fillRef idx="1">
+            <a:schemeClr val="accent1"/>
+          </a:fillRef>
+          <a:effectRef idx="0">
+            <a:schemeClr val="accent1"/>
+          </a:effectRef>
+          <a:fontRef idx="minor">
+            <a:schemeClr val="lt1"/>
+          </a:fontRef>
+        </p:style>
+        <p:txBody>
+          <a:bodyPr rtlCol="0" anchor="ctr"/>
+          <a:lstStyle/>
+          <a:p>
+            <a:pPr algn="ctr"/>
+            <a:endParaRPr lang="en-US"/>
+          </a:p>
+        </p:txBody>
+      </p:sp>
+      <p:sp useBgFill="1">
+        <p:nvSpPr>
+          <p:cNvPr id="1033" name="Rectangle 1032">
+            <a:extLst>
+              <a:ext uri="{FF2B5EF4-FFF2-40B4-BE49-F238E27FC236}">
+                <a16:creationId xmlns:a16="http://schemas.microsoft.com/office/drawing/2014/main" id="{1419E3D9-C5FB-41A9-B6D2-DFB210BB6211}"/>
+              </a:ext>
+              <a:ext uri="{C183D7F6-B498-43B3-948B-1728B52AA6E4}">
+                <adec:decorative xmlns:adec="http://schemas.microsoft.com/office/drawing/2017/decorative" val="1"/>
+              </a:ext>
+            </a:extLst>
+          </p:cNvPr>
+          <p:cNvSpPr>
+            <a:spLocks noGrp="1" noRot="1" noChangeAspect="1" noMove="1" noResize="1" noEditPoints="1" noAdjustHandles="1" noChangeArrowheads="1" noChangeShapeType="1" noTextEdit="1"/>
+          </p:cNvSpPr>
+          <p:nvPr>
+            <p:extLst>
+              <p:ext uri="{386F3935-93C4-4BCD-93E2-E3B085C9AB24}">
+                <p16:designElem xmlns:p16="http://schemas.microsoft.com/office/powerpoint/2015/main" val="1"/>
+              </p:ext>
+            </p:extLst>
+          </p:nvPr>
+        </p:nvSpPr>
+        <p:spPr>
+          <a:xfrm>
+            <a:off x="1307870" y="1267730"/>
+            <a:ext cx="9576262" cy="4307950"/>
+          </a:xfrm>
+          <a:prstGeom prst="rect">
+            <a:avLst/>
+          </a:prstGeom>
+          <a:ln w="6350" cap="flat" cmpd="sng" algn="ctr">
+            <a:noFill/>
+            <a:prstDash val="solid"/>
+          </a:ln>
+          <a:effectLst>
+            <a:outerShdw blurRad="50800" algn="ctr" rotWithShape="0">
+              <a:prstClr val="black">
+                <a:alpha val="66000"/>
+              </a:prstClr>
+            </a:outerShdw>
+            <a:softEdge rad="0"/>
+          </a:effectLst>
+        </p:spPr>
+        <p:txBody>
+          <a:bodyPr/>
+          <a:lstStyle/>
+          <a:p>
+            <a:endParaRPr lang="en-GB"/>
+          </a:p>
+        </p:txBody>
+      </p:sp>
+      <p:sp>
+        <p:nvSpPr>
+          <p:cNvPr id="1035" name="Rectangle 1034">
+            <a:extLst>
+              <a:ext uri="{FF2B5EF4-FFF2-40B4-BE49-F238E27FC236}">
+                <a16:creationId xmlns:a16="http://schemas.microsoft.com/office/drawing/2014/main" id="{367909BF-1DF7-4ACE-8F58-6CF719BB27E5}"/>
+              </a:ext>
+              <a:ext uri="{C183D7F6-B498-43B3-948B-1728B52AA6E4}">
+                <adec:decorative xmlns:adec="http://schemas.microsoft.com/office/drawing/2017/decorative" val="1"/>
+              </a:ext>
+            </a:extLst>
+          </p:cNvPr>
+          <p:cNvSpPr>
+            <a:spLocks noGrp="1" noRot="1" noChangeAspect="1" noMove="1" noResize="1" noEditPoints="1" noAdjustHandles="1" noChangeArrowheads="1" noChangeShapeType="1" noTextEdit="1"/>
+          </p:cNvSpPr>
+          <p:nvPr>
+            <p:extLst>
+              <p:ext uri="{386F3935-93C4-4BCD-93E2-E3B085C9AB24}">
+                <p16:designElem xmlns:p16="http://schemas.microsoft.com/office/powerpoint/2015/main" val="1"/>
+              </p:ext>
+            </p:extLst>
+          </p:nvPr>
+        </p:nvSpPr>
+        <p:spPr>
+          <a:xfrm>
+            <a:off x="1447801" y="1411615"/>
+            <a:ext cx="9296400" cy="4034770"/>
+          </a:xfrm>
+          <a:prstGeom prst="rect">
+            <a:avLst/>
+          </a:prstGeom>
+          <a:noFill/>
+          <a:ln w="6350" cap="sq" cmpd="sng" algn="ctr">
+            <a:solidFill>
+              <a:schemeClr val="tx1">
+                <a:lumMod val="75000"/>
+                <a:lumOff val="25000"/>
+              </a:schemeClr>
+            </a:solidFill>
+            <a:prstDash val="solid"/>
+            <a:miter lim="800000"/>
+          </a:ln>
+          <a:effectLst/>
+        </p:spPr>
+        <p:txBody>
+          <a:bodyPr/>
+          <a:lstStyle/>
+          <a:p>
+            <a:endParaRPr lang="en-GB"/>
+          </a:p>
+        </p:txBody>
+      </p:sp>
+      <p:sp>
+        <p:nvSpPr>
+          <p:cNvPr id="1037" name="Rectangle 1036">
+            <a:extLst>
+              <a:ext uri="{FF2B5EF4-FFF2-40B4-BE49-F238E27FC236}">
+                <a16:creationId xmlns:a16="http://schemas.microsoft.com/office/drawing/2014/main" id="{89E8BEDB-0BBC-4F21-9CFB-8530D664C343}"/>
+              </a:ext>
+              <a:ext uri="{C183D7F6-B498-43B3-948B-1728B52AA6E4}">
+                <adec:decorative xmlns:adec="http://schemas.microsoft.com/office/drawing/2017/decorative" val="1"/>
+              </a:ext>
+            </a:extLst>
+          </p:cNvPr>
+          <p:cNvSpPr>
+            <a:spLocks noGrp="1" noRot="1" noChangeAspect="1" noMove="1" noResize="1" noEditPoints="1" noAdjustHandles="1" noChangeArrowheads="1" noChangeShapeType="1" noTextEdit="1"/>
+          </p:cNvSpPr>
+          <p:nvPr>
+            <p:extLst>
+              <p:ext uri="{386F3935-93C4-4BCD-93E2-E3B085C9AB24}">
+                <p16:designElem xmlns:p16="http://schemas.microsoft.com/office/powerpoint/2015/main" val="1"/>
+              </p:ext>
+            </p:extLst>
+          </p:nvPr>
+        </p:nvSpPr>
+        <p:spPr>
+          <a:xfrm>
+            <a:off x="5135880" y="1267730"/>
+            <a:ext cx="1920240" cy="731520"/>
+          </a:xfrm>
+          <a:prstGeom prst="rect">
+            <a:avLst/>
+          </a:prstGeom>
+          <a:solidFill>
+            <a:schemeClr val="accent1"/>
+          </a:solidFill>
+          <a:ln>
+            <a:noFill/>
+          </a:ln>
+        </p:spPr>
+        <p:style>
+          <a:lnRef idx="2">
+            <a:schemeClr val="accent1">
+              <a:shade val="50000"/>
+            </a:schemeClr>
+          </a:lnRef>
+          <a:fillRef idx="1">
+            <a:schemeClr val="accent1"/>
+          </a:fillRef>
+          <a:effectRef idx="0">
+            <a:schemeClr val="accent1"/>
+          </a:effectRef>
+          <a:fontRef idx="minor">
+            <a:schemeClr val="lt1"/>
+          </a:fontRef>
+        </p:style>
+        <p:txBody>
+          <a:bodyPr/>
+          <a:lstStyle/>
+          <a:p>
+            <a:endParaRPr lang="en-GB"/>
+          </a:p>
+        </p:txBody>
+      </p:sp>
+      <p:grpSp>
+        <p:nvGrpSpPr>
+          <p:cNvPr id="1039" name="Group 1038">
+            <a:extLst>
+              <a:ext uri="{FF2B5EF4-FFF2-40B4-BE49-F238E27FC236}">
+                <a16:creationId xmlns:a16="http://schemas.microsoft.com/office/drawing/2014/main" id="{E26428D7-C6F3-473D-A360-A3F5C3E8728C}"/>
+              </a:ext>
+              <a:ext uri="{C183D7F6-B498-43B3-948B-1728B52AA6E4}">
+                <adec:decorative xmlns:adec="http://schemas.microsoft.com/office/drawing/2017/decorative" val="1"/>
+              </a:ext>
+            </a:extLst>
+          </p:cNvPr>
+          <p:cNvGrpSpPr>
+            <a:grpSpLocks noGrp="1" noUngrp="1" noRot="1" noChangeAspect="1" noMove="1" noResize="1"/>
+          </p:cNvGrpSpPr>
+          <p:nvPr>
+            <p:extLst>
+              <p:ext uri="{386F3935-93C4-4BCD-93E2-E3B085C9AB24}">
+                <p16:designElem xmlns:p16="http://schemas.microsoft.com/office/powerpoint/2015/main" val="1"/>
+              </p:ext>
+            </p:extLst>
+          </p:nvPr>
+        </p:nvGrpSpPr>
+        <p:grpSpPr>
+          <a:xfrm>
+            <a:off x="5250180" y="1267730"/>
+            <a:ext cx="1691640" cy="615934"/>
+            <a:chOff x="5250180" y="1267730"/>
+            <a:chExt cx="1691640" cy="615934"/>
+          </a:xfrm>
+        </p:grpSpPr>
+        <p:cxnSp>
+          <p:nvCxnSpPr>
+            <p:cNvPr id="1040" name="Straight Connector 1039">
+              <a:extLst>
+                <a:ext uri="{FF2B5EF4-FFF2-40B4-BE49-F238E27FC236}">
+                  <a16:creationId xmlns:a16="http://schemas.microsoft.com/office/drawing/2014/main" id="{51D6D676-6F2F-4446-9935-2D8D0382147E}"/>
+                </a:ext>
+                <a:ext uri="{C183D7F6-B498-43B3-948B-1728B52AA6E4}">
+                  <adec:decorative xmlns:adec="http://schemas.microsoft.com/office/drawing/2017/decorative" val="1"/>
+                </a:ext>
+              </a:extLst>
+            </p:cNvPr>
+            <p:cNvCxnSpPr/>
+            <p:nvPr>
+              <p:extLst>
+                <p:ext uri="{386F3935-93C4-4BCD-93E2-E3B085C9AB24}">
+                  <p16:designElem xmlns:p16="http://schemas.microsoft.com/office/powerpoint/2015/main" val="1"/>
+                </p:ext>
+              </p:extLst>
+            </p:nvPr>
+          </p:nvCxnSpPr>
+          <p:spPr>
+            <a:xfrm>
+              <a:off x="5250180" y="1267730"/>
+              <a:ext cx="0" cy="612648"/>
+            </a:xfrm>
+            <a:prstGeom prst="line">
+              <a:avLst/>
+            </a:prstGeom>
+            <a:solidFill>
+              <a:schemeClr val="tx1">
+                <a:lumMod val="85000"/>
+                <a:lumOff val="15000"/>
+              </a:schemeClr>
+            </a:solidFill>
+            <a:ln>
+              <a:solidFill>
+                <a:srgbClr val="FFFFFF"/>
+              </a:solidFill>
+              <a:miter lim="800000"/>
+            </a:ln>
+          </p:spPr>
+          <p:style>
+            <a:lnRef idx="1">
+              <a:schemeClr val="accent1"/>
+            </a:lnRef>
+            <a:fillRef idx="0">
+              <a:schemeClr val="accent1"/>
+            </a:fillRef>
+            <a:effectRef idx="0">
+              <a:schemeClr val="accent1"/>
+            </a:effectRef>
+            <a:fontRef idx="minor">
+              <a:schemeClr val="tx1"/>
+            </a:fontRef>
+          </p:style>
+        </p:cxnSp>
+        <p:cxnSp>
+          <p:nvCxnSpPr>
+            <p:cNvPr id="1041" name="Straight Connector 1040">
+              <a:extLst>
+                <a:ext uri="{FF2B5EF4-FFF2-40B4-BE49-F238E27FC236}">
+                  <a16:creationId xmlns:a16="http://schemas.microsoft.com/office/drawing/2014/main" id="{E9BAEA2B-9C25-4B43-8C9A-A9D0C3E9B15A}"/>
+                </a:ext>
+                <a:ext uri="{C183D7F6-B498-43B3-948B-1728B52AA6E4}">
+                  <adec:decorative xmlns:adec="http://schemas.microsoft.com/office/drawing/2017/decorative" val="1"/>
+                </a:ext>
+              </a:extLst>
+            </p:cNvPr>
+            <p:cNvCxnSpPr/>
+            <p:nvPr>
+              <p:extLst>
+                <p:ext uri="{386F3935-93C4-4BCD-93E2-E3B085C9AB24}">
+                  <p16:designElem xmlns:p16="http://schemas.microsoft.com/office/powerpoint/2015/main" val="1"/>
+                </p:ext>
+              </p:extLst>
+            </p:nvPr>
+          </p:nvCxnSpPr>
+          <p:spPr>
+            <a:xfrm>
+              <a:off x="6941820" y="1267730"/>
+              <a:ext cx="0" cy="612648"/>
+            </a:xfrm>
+            <a:prstGeom prst="line">
+              <a:avLst/>
+            </a:prstGeom>
+            <a:solidFill>
+              <a:schemeClr val="tx1">
+                <a:lumMod val="85000"/>
+                <a:lumOff val="15000"/>
+              </a:schemeClr>
+            </a:solidFill>
+            <a:ln>
+              <a:solidFill>
+                <a:srgbClr val="FFFFFF"/>
+              </a:solidFill>
+              <a:miter lim="800000"/>
+            </a:ln>
+          </p:spPr>
+          <p:style>
+            <a:lnRef idx="1">
+              <a:schemeClr val="accent1"/>
+            </a:lnRef>
+            <a:fillRef idx="0">
+              <a:schemeClr val="accent1"/>
+            </a:fillRef>
+            <a:effectRef idx="0">
+              <a:schemeClr val="accent1"/>
+            </a:effectRef>
+            <a:fontRef idx="minor">
+              <a:schemeClr val="tx1"/>
+            </a:fontRef>
+          </p:style>
+        </p:cxnSp>
+        <p:cxnSp>
+          <p:nvCxnSpPr>
+            <p:cNvPr id="1042" name="Straight Connector 1041">
+              <a:extLst>
+                <a:ext uri="{FF2B5EF4-FFF2-40B4-BE49-F238E27FC236}">
+                  <a16:creationId xmlns:a16="http://schemas.microsoft.com/office/drawing/2014/main" id="{21FC5F3A-7F1A-4EE8-A913-C8E96ACC3C5C}"/>
+                </a:ext>
+                <a:ext uri="{C183D7F6-B498-43B3-948B-1728B52AA6E4}">
+                  <adec:decorative xmlns:adec="http://schemas.microsoft.com/office/drawing/2017/decorative" val="1"/>
+                </a:ext>
+              </a:extLst>
+            </p:cNvPr>
+            <p:cNvCxnSpPr/>
+            <p:nvPr>
+              <p:extLst>
+                <p:ext uri="{386F3935-93C4-4BCD-93E2-E3B085C9AB24}">
+                  <p16:designElem xmlns:p16="http://schemas.microsoft.com/office/powerpoint/2015/main" val="1"/>
+                </p:ext>
+              </p:extLst>
+            </p:nvPr>
+          </p:nvCxnSpPr>
+          <p:spPr>
+            <a:xfrm>
+              <a:off x="5250180" y="1883664"/>
+              <a:ext cx="1691640" cy="0"/>
+            </a:xfrm>
+            <a:prstGeom prst="line">
+              <a:avLst/>
+            </a:prstGeom>
+            <a:solidFill>
+              <a:schemeClr val="tx1">
+                <a:lumMod val="85000"/>
+                <a:lumOff val="15000"/>
+              </a:schemeClr>
+            </a:solidFill>
+            <a:ln>
+              <a:solidFill>
+                <a:srgbClr val="FFFFFF"/>
+              </a:solidFill>
+              <a:miter lim="800000"/>
+            </a:ln>
+          </p:spPr>
+          <p:style>
+            <a:lnRef idx="1">
+              <a:schemeClr val="accent1"/>
+            </a:lnRef>
+            <a:fillRef idx="0">
+              <a:schemeClr val="accent1"/>
+            </a:fillRef>
+            <a:effectRef idx="0">
+              <a:schemeClr val="accent1"/>
+            </a:effectRef>
+            <a:fontRef idx="minor">
+              <a:schemeClr val="tx1"/>
+            </a:fontRef>
+          </p:style>
+        </p:cxnSp>
+      </p:grpSp>
+      <p:sp>
+        <p:nvSpPr>
+          <p:cNvPr id="1044" name="Rectangle 1043">
+            <a:extLst>
+              <a:ext uri="{FF2B5EF4-FFF2-40B4-BE49-F238E27FC236}">
+                <a16:creationId xmlns:a16="http://schemas.microsoft.com/office/drawing/2014/main" id="{420551B3-B4DA-48EE-988C-4FAEAEB5CE98}"/>
+              </a:ext>
+              <a:ext uri="{C183D7F6-B498-43B3-948B-1728B52AA6E4}">
+                <adec:decorative xmlns:adec="http://schemas.microsoft.com/office/drawing/2017/decorative" val="1"/>
+              </a:ext>
+            </a:extLst>
+          </p:cNvPr>
+          <p:cNvSpPr>
+            <a:spLocks noGrp="1" noRot="1" noChangeAspect="1" noMove="1" noResize="1" noEditPoints="1" noAdjustHandles="1" noChangeArrowheads="1" noChangeShapeType="1" noTextEdit="1"/>
+          </p:cNvSpPr>
+          <p:nvPr>
+            <p:extLst>
+              <p:ext uri="{386F3935-93C4-4BCD-93E2-E3B085C9AB24}">
+                <p16:designElem xmlns:p16="http://schemas.microsoft.com/office/powerpoint/2015/main" val="1"/>
+              </p:ext>
+            </p:extLst>
+          </p:nvPr>
+        </p:nvSpPr>
+        <p:spPr>
+          <a:xfrm>
+            <a:off x="0" y="0"/>
+            <a:ext cx="12192000" cy="6858000"/>
+          </a:xfrm>
+          <a:prstGeom prst="rect">
+            <a:avLst/>
+          </a:prstGeom>
+          <a:solidFill>
+            <a:schemeClr val="tx1">
+              <a:lumMod val="65000"/>
+              <a:lumOff val="35000"/>
+            </a:schemeClr>
+          </a:solidFill>
+          <a:ln>
+            <a:noFill/>
+          </a:ln>
+        </p:spPr>
+        <p:style>
+          <a:lnRef idx="2">
+            <a:schemeClr val="accent1">
+              <a:shade val="50000"/>
+            </a:schemeClr>
+          </a:lnRef>
+          <a:fillRef idx="1">
+            <a:schemeClr val="accent1"/>
+          </a:fillRef>
+          <a:effectRef idx="0">
+            <a:schemeClr val="accent1"/>
+          </a:effectRef>
+          <a:fontRef idx="minor">
+            <a:schemeClr val="lt1"/>
+          </a:fontRef>
+        </p:style>
+        <p:txBody>
+          <a:bodyPr rtlCol="0" anchor="ctr"/>
+          <a:lstStyle/>
+          <a:p>
+            <a:pPr algn="ctr"/>
+            <a:endParaRPr lang="en-US"/>
+          </a:p>
+        </p:txBody>
+      </p:sp>
+      <p:pic>
+        <p:nvPicPr>
+          <p:cNvPr id="1026" name="Picture 2" descr="What's The Average Human Sprint Speed? A Statistical Analysis">
+            <a:extLst>
+              <a:ext uri="{FF2B5EF4-FFF2-40B4-BE49-F238E27FC236}">
+                <a16:creationId xmlns:a16="http://schemas.microsoft.com/office/drawing/2014/main" id="{C69D5E1E-DF37-ABFD-511B-34448AEBFD04}"/>
+              </a:ext>
+            </a:extLst>
+          </p:cNvPr>
+          <p:cNvPicPr>
+            <a:picLocks noGrp="1" noChangeAspect="1" noChangeArrowheads="1"/>
+          </p:cNvPicPr>
+          <p:nvPr>
+            <p:ph idx="1"/>
+          </p:nvPr>
+        </p:nvPicPr>
+        <p:blipFill>
+          <a:blip r:embed="rId3">
+            <a:alphaModFix/>
+            <a:extLst>
+              <a:ext uri="{28A0092B-C50C-407E-A947-70E740481C1C}">
+                <a14:useLocalDpi xmlns:a14="http://schemas.microsoft.com/office/drawing/2010/main" val="0"/>
+              </a:ext>
+            </a:extLst>
+          </a:blip>
+          <a:srcRect t="9905" b="453"/>
+          <a:stretch/>
+        </p:blipFill>
+        <p:spPr bwMode="auto">
+          <a:xfrm>
+            <a:off x="1" y="10"/>
+            <a:ext cx="12191999" cy="6857989"/>
+          </a:xfrm>
+          <a:prstGeom prst="rect">
+            <a:avLst/>
+          </a:prstGeom>
+          <a:noFill/>
+          <a:extLst>
+            <a:ext uri="{909E8E84-426E-40DD-AFC4-6F175D3DCCD1}">
+              <a14:hiddenFill xmlns:a14="http://schemas.microsoft.com/office/drawing/2010/main">
+                <a:solidFill>
+                  <a:srgbClr val="FFFFFF"/>
+                </a:solidFill>
+              </a14:hiddenFill>
+            </a:ext>
+          </a:extLst>
+        </p:spPr>
+      </p:pic>
+      <p:sp>
+        <p:nvSpPr>
+          <p:cNvPr id="1046" name="Rectangle 1045">
+            <a:extLst>
+              <a:ext uri="{FF2B5EF4-FFF2-40B4-BE49-F238E27FC236}">
+                <a16:creationId xmlns:a16="http://schemas.microsoft.com/office/drawing/2014/main" id="{87FD26E4-041F-4EF2-B92D-6034C0F85CCF}"/>
+              </a:ext>
+              <a:ext uri="{C183D7F6-B498-43B3-948B-1728B52AA6E4}">
+                <adec:decorative xmlns:adec="http://schemas.microsoft.com/office/drawing/2017/decorative" val="1"/>
+              </a:ext>
+            </a:extLst>
+          </p:cNvPr>
+          <p:cNvSpPr>
+            <a:spLocks noGrp="1" noRot="1" noChangeAspect="1" noMove="1" noResize="1" noEditPoints="1" noAdjustHandles="1" noChangeArrowheads="1" noChangeShapeType="1" noTextEdit="1"/>
+          </p:cNvSpPr>
+          <p:nvPr>
+            <p:extLst>
+              <p:ext uri="{386F3935-93C4-4BCD-93E2-E3B085C9AB24}">
+                <p16:designElem xmlns:p16="http://schemas.microsoft.com/office/powerpoint/2015/main" val="1"/>
+              </p:ext>
+            </p:extLst>
+          </p:nvPr>
+        </p:nvSpPr>
+        <p:spPr>
+          <a:xfrm>
+            <a:off x="0" y="937549"/>
+            <a:ext cx="12191999" cy="5058137"/>
+          </a:xfrm>
+          <a:prstGeom prst="rect">
+            <a:avLst/>
+          </a:prstGeom>
+          <a:gradFill flip="none" rotWithShape="1">
+            <a:gsLst>
+              <a:gs pos="50000">
+                <a:schemeClr val="bg1">
+                  <a:alpha val="30000"/>
+                </a:schemeClr>
+              </a:gs>
+              <a:gs pos="80000">
+                <a:schemeClr val="bg1">
+                  <a:alpha val="15000"/>
+                </a:schemeClr>
+              </a:gs>
+              <a:gs pos="0">
+                <a:schemeClr val="bg1">
+                  <a:alpha val="0"/>
+                </a:schemeClr>
+              </a:gs>
+              <a:gs pos="20000">
+                <a:schemeClr val="bg1">
+                  <a:alpha val="15000"/>
+                </a:schemeClr>
+              </a:gs>
+              <a:gs pos="100000">
+                <a:schemeClr val="bg1">
+                  <a:alpha val="0"/>
+                </a:schemeClr>
+              </a:gs>
+            </a:gsLst>
+            <a:lin ang="16200000" scaled="1"/>
+            <a:tileRect/>
+          </a:gradFill>
+          <a:ln>
+            <a:noFill/>
+          </a:ln>
+        </p:spPr>
+        <p:style>
+          <a:lnRef idx="2">
+            <a:schemeClr val="accent1">
+              <a:shade val="50000"/>
+            </a:schemeClr>
+          </a:lnRef>
+          <a:fillRef idx="1">
+            <a:schemeClr val="accent1"/>
+          </a:fillRef>
+          <a:effectRef idx="0">
+            <a:schemeClr val="accent1"/>
+          </a:effectRef>
+          <a:fontRef idx="minor">
+            <a:schemeClr val="lt1"/>
+          </a:fontRef>
+        </p:style>
+        <p:txBody>
+          <a:bodyPr rtlCol="0" anchor="ctr"/>
+          <a:lstStyle/>
+          <a:p>
+            <a:pPr algn="ctr"/>
+            <a:endParaRPr lang="en-US"/>
+          </a:p>
+        </p:txBody>
+      </p:sp>
+      <p:sp>
+        <p:nvSpPr>
+          <p:cNvPr id="2" name="Title 1">
+            <a:extLst>
+              <a:ext uri="{FF2B5EF4-FFF2-40B4-BE49-F238E27FC236}">
+                <a16:creationId xmlns:a16="http://schemas.microsoft.com/office/drawing/2014/main" id="{890DD286-E7DF-A4B5-5A60-506AC9AF5415}"/>
+              </a:ext>
+            </a:extLst>
+          </p:cNvPr>
+          <p:cNvSpPr>
+            <a:spLocks noGrp="1"/>
+          </p:cNvSpPr>
+          <p:nvPr>
+            <p:ph type="title"/>
+          </p:nvPr>
+        </p:nvSpPr>
+        <p:spPr>
+          <a:xfrm>
+            <a:off x="1374322" y="1179739"/>
+            <a:ext cx="9443357" cy="2753880"/>
+          </a:xfrm>
+        </p:spPr>
+        <p:txBody>
+          <a:bodyPr vert="horz" lIns="91440" tIns="45720" rIns="91440" bIns="45720" rtlCol="0" anchor="b">
+            <a:normAutofit/>
+          </a:bodyPr>
+          <a:lstStyle/>
+          <a:p>
+            <a:pPr algn="ctr">
+              <a:lnSpc>
+                <a:spcPct val="83000"/>
+              </a:lnSpc>
+            </a:pPr>
+            <a:r>
+              <a:rPr lang="en-US" sz="6800" cap="all" spc="-100"/>
+              <a:t>Speed = ?</a:t>
+            </a:r>
+          </a:p>
+        </p:txBody>
+      </p:sp>
+    </p:spTree>
+    <p:extLst>
+      <p:ext uri="{BB962C8B-B14F-4D97-AF65-F5344CB8AC3E}">
+        <p14:creationId xmlns:p14="http://schemas.microsoft.com/office/powerpoint/2010/main" val="1000951753"/>
+      </p:ext>
+    </p:extLst>
+  </p:cSld>
+  <p:clrMapOvr>
+    <a:overrideClrMapping bg1="dk1" tx1="lt1" bg2="dk2" tx2="lt2" accent1="accent1" accent2="accent2" accent3="accent3" accent4="accent4" accent5="accent5" accent6="accent6" hlink="hlink" folHlink="folHlink"/>
+  </p:clrMapOvr>
+</p:sld>
+</file>
+
+<file path=ppt/slides/slide5.xml><?xml version="1.0" encoding="utf-8"?>
+<p:sld xmlns:a="http://schemas.openxmlformats.org/drawingml/2006/main" xmlns:r="http://schemas.openxmlformats.org/officeDocument/2006/relationships" xmlns:p="http://schemas.openxmlformats.org/presentationml/2006/main">
+  <p:cSld>
+    <p:bg>
+      <p:bgPr>
+        <a:solidFill>
+          <a:schemeClr val="bg1"/>
+        </a:solidFill>
+        <a:effectLst/>
+      </p:bgPr>
+    </p:bg>
+    <p:spTree>
+      <p:nvGrpSpPr>
+        <p:cNvPr id="1" name=""/>
+        <p:cNvGrpSpPr/>
+        <p:nvPr/>
+      </p:nvGrpSpPr>
+      <p:grpSpPr>
+        <a:xfrm>
+          <a:off x="0" y="0"/>
+          <a:ext cx="0" cy="0"/>
+          <a:chOff x="0" y="0"/>
+          <a:chExt cx="0" cy="0"/>
+        </a:xfrm>
+      </p:grpSpPr>
+      <p:sp>
+        <p:nvSpPr>
+          <p:cNvPr id="11" name="Rectangle 10">
+            <a:extLst>
+              <a:ext uri="{FF2B5EF4-FFF2-40B4-BE49-F238E27FC236}">
+                <a16:creationId xmlns:a16="http://schemas.microsoft.com/office/drawing/2014/main" id="{B6EE7E08-B389-43E5-B019-1B0A8ACBBD93}"/>
+              </a:ext>
+              <a:ext uri="{C183D7F6-B498-43B3-948B-1728B52AA6E4}">
+                <adec:decorative xmlns:adec="http://schemas.microsoft.com/office/drawing/2017/decorative" val="1"/>
+              </a:ext>
+            </a:extLst>
+          </p:cNvPr>
+          <p:cNvSpPr>
+            <a:spLocks noGrp="1" noRot="1" noChangeAspect="1" noMove="1" noResize="1" noEditPoints="1" noAdjustHandles="1" noChangeArrowheads="1" noChangeShapeType="1" noTextEdit="1"/>
+          </p:cNvSpPr>
+          <p:nvPr>
+            <p:extLst>
+              <p:ext uri="{386F3935-93C4-4BCD-93E2-E3B085C9AB24}">
+                <p16:designElem xmlns:p16="http://schemas.microsoft.com/office/powerpoint/2015/main" val="1"/>
+              </p:ext>
+            </p:extLst>
+          </p:nvPr>
+        </p:nvSpPr>
+        <p:spPr>
+          <a:xfrm>
+            <a:off x="-1" y="0"/>
+            <a:ext cx="12192001" cy="6858000"/>
+          </a:xfrm>
+          <a:prstGeom prst="rect">
+            <a:avLst/>
+          </a:prstGeom>
+          <a:solidFill>
+            <a:srgbClr val="FFFFFF"/>
+          </a:solidFill>
+          <a:ln>
+            <a:noFill/>
+          </a:ln>
+        </p:spPr>
+        <p:style>
+          <a:lnRef idx="2">
+            <a:schemeClr val="accent1">
+              <a:shade val="50000"/>
+            </a:schemeClr>
+          </a:lnRef>
+          <a:fillRef idx="1">
+            <a:schemeClr val="accent1"/>
+          </a:fillRef>
+          <a:effectRef idx="0">
+            <a:schemeClr val="accent1"/>
+          </a:effectRef>
+          <a:fontRef idx="minor">
+            <a:schemeClr val="lt1"/>
+          </a:fontRef>
+        </p:style>
+        <p:txBody>
+          <a:bodyPr rtlCol="0" anchor="ctr"/>
+          <a:lstStyle/>
+          <a:p>
+            <a:pPr algn="ctr"/>
+            <a:endParaRPr lang="en-US"/>
+          </a:p>
+        </p:txBody>
+      </p:sp>
+      <p:pic>
+        <p:nvPicPr>
+          <p:cNvPr id="7" name="Picture 6" descr="Time compass on hand">
+            <a:extLst>
+              <a:ext uri="{FF2B5EF4-FFF2-40B4-BE49-F238E27FC236}">
+                <a16:creationId xmlns:a16="http://schemas.microsoft.com/office/drawing/2014/main" id="{174AAFDA-8AD9-C04B-751C-60EDDEEAF8CD}"/>
+              </a:ext>
+            </a:extLst>
+          </p:cNvPr>
+          <p:cNvPicPr>
+            <a:picLocks noChangeAspect="1"/>
+          </p:cNvPicPr>
+          <p:nvPr/>
+        </p:nvPicPr>
+        <p:blipFill>
+          <a:blip r:embed="rId3"/>
+          <a:srcRect l="12627" r="25386"/>
+          <a:stretch/>
+        </p:blipFill>
+        <p:spPr>
+          <a:xfrm>
+            <a:off x="20" y="10"/>
+            <a:ext cx="6392647" cy="6857990"/>
+          </a:xfrm>
+          <a:prstGeom prst="rect">
+            <a:avLst/>
+          </a:prstGeom>
+        </p:spPr>
+      </p:pic>
+      <p:sp>
+        <p:nvSpPr>
+          <p:cNvPr id="13" name="Rectangle 12">
+            <a:extLst>
+              <a:ext uri="{FF2B5EF4-FFF2-40B4-BE49-F238E27FC236}">
+                <a16:creationId xmlns:a16="http://schemas.microsoft.com/office/drawing/2014/main" id="{E60D94A5-8A09-4BAB-8F7C-69BC34C54DDE}"/>
+              </a:ext>
+              <a:ext uri="{C183D7F6-B498-43B3-948B-1728B52AA6E4}">
+                <adec:decorative xmlns:adec="http://schemas.microsoft.com/office/drawing/2017/decorative" val="1"/>
+              </a:ext>
+            </a:extLst>
+          </p:cNvPr>
+          <p:cNvSpPr>
+            <a:spLocks noGrp="1" noRot="1" noChangeAspect="1" noMove="1" noResize="1" noEditPoints="1" noAdjustHandles="1" noChangeArrowheads="1" noChangeShapeType="1" noTextEdit="1"/>
+          </p:cNvSpPr>
+          <p:nvPr>
+            <p:extLst>
+              <p:ext uri="{386F3935-93C4-4BCD-93E2-E3B085C9AB24}">
+                <p16:designElem xmlns:p16="http://schemas.microsoft.com/office/powerpoint/2015/main" val="1"/>
+              </p:ext>
+            </p:extLst>
+          </p:nvPr>
+        </p:nvSpPr>
+        <p:spPr>
+          <a:xfrm>
+            <a:off x="6621267" y="255102"/>
+            <a:ext cx="5342133" cy="6361598"/>
+          </a:xfrm>
+          <a:prstGeom prst="rect">
+            <a:avLst/>
+          </a:prstGeom>
+          <a:solidFill>
+            <a:schemeClr val="bg1">
+              <a:lumMod val="85000"/>
+              <a:alpha val="60000"/>
+            </a:schemeClr>
+          </a:solidFill>
+          <a:ln>
+            <a:noFill/>
+          </a:ln>
+        </p:spPr>
+        <p:style>
+          <a:lnRef idx="2">
+            <a:schemeClr val="accent1">
+              <a:shade val="50000"/>
+            </a:schemeClr>
+          </a:lnRef>
+          <a:fillRef idx="1">
+            <a:schemeClr val="accent1"/>
+          </a:fillRef>
+          <a:effectRef idx="0">
+            <a:schemeClr val="accent1"/>
+          </a:effectRef>
+          <a:fontRef idx="minor">
+            <a:schemeClr val="lt1"/>
+          </a:fontRef>
+        </p:style>
+        <p:txBody>
+          <a:bodyPr rtlCol="0" anchor="ctr"/>
+          <a:lstStyle/>
+          <a:p>
+            <a:pPr algn="ctr"/>
+            <a:endParaRPr lang="en-US"/>
+          </a:p>
+        </p:txBody>
+      </p:sp>
+      <p:sp>
+        <p:nvSpPr>
+          <p:cNvPr id="15" name="Rectangle 14">
+            <a:extLst>
+              <a:ext uri="{FF2B5EF4-FFF2-40B4-BE49-F238E27FC236}">
+                <a16:creationId xmlns:a16="http://schemas.microsoft.com/office/drawing/2014/main" id="{7A1AE32B-3A6E-4C5E-8FEB-73861B9A26B5}"/>
+              </a:ext>
+              <a:ext uri="{C183D7F6-B498-43B3-948B-1728B52AA6E4}">
+                <adec:decorative xmlns:adec="http://schemas.microsoft.com/office/drawing/2017/decorative" val="1"/>
+              </a:ext>
+            </a:extLst>
+          </p:cNvPr>
+          <p:cNvSpPr>
+            <a:spLocks noGrp="1" noRot="1" noChangeAspect="1" noMove="1" noResize="1" noEditPoints="1" noAdjustHandles="1" noChangeArrowheads="1" noChangeShapeType="1" noTextEdit="1"/>
+          </p:cNvSpPr>
+          <p:nvPr>
+            <p:extLst>
+              <p:ext uri="{386F3935-93C4-4BCD-93E2-E3B085C9AB24}">
+                <p16:designElem xmlns:p16="http://schemas.microsoft.com/office/powerpoint/2015/main" val="1"/>
+              </p:ext>
+            </p:extLst>
+          </p:nvPr>
+        </p:nvSpPr>
+        <p:spPr>
+          <a:xfrm>
+            <a:off x="6769100" y="393365"/>
+            <a:ext cx="5018211" cy="6035547"/>
+          </a:xfrm>
+          <a:prstGeom prst="rect">
+            <a:avLst/>
+          </a:prstGeom>
+          <a:noFill/>
+          <a:ln w="6350">
+            <a:solidFill>
+              <a:schemeClr val="tx1">
+                <a:lumMod val="75000"/>
+                <a:lumOff val="25000"/>
+              </a:schemeClr>
+            </a:solidFill>
+          </a:ln>
+        </p:spPr>
+        <p:style>
+          <a:lnRef idx="2">
+            <a:schemeClr val="accent1">
+              <a:shade val="50000"/>
+            </a:schemeClr>
+          </a:lnRef>
+          <a:fillRef idx="1">
+            <a:schemeClr val="accent1"/>
+          </a:fillRef>
+          <a:effectRef idx="0">
+            <a:schemeClr val="accent1"/>
+          </a:effectRef>
+          <a:fontRef idx="minor">
+            <a:schemeClr val="lt1"/>
+          </a:fontRef>
+        </p:style>
+        <p:txBody>
+          <a:bodyPr rtlCol="0" anchor="ctr"/>
+          <a:lstStyle/>
+          <a:p>
+            <a:pPr algn="ctr"/>
+            <a:endParaRPr lang="en-US"/>
+          </a:p>
+        </p:txBody>
+      </p:sp>
+      <p:sp>
+        <p:nvSpPr>
+          <p:cNvPr id="5" name="Title 4">
+            <a:extLst>
+              <a:ext uri="{FF2B5EF4-FFF2-40B4-BE49-F238E27FC236}">
+                <a16:creationId xmlns:a16="http://schemas.microsoft.com/office/drawing/2014/main" id="{52CEB551-64D8-9D62-5001-9467955FAC49}"/>
+              </a:ext>
+            </a:extLst>
+          </p:cNvPr>
+          <p:cNvSpPr>
+            <a:spLocks noGrp="1"/>
+          </p:cNvSpPr>
+          <p:nvPr>
+            <p:ph type="title"/>
+          </p:nvPr>
+        </p:nvSpPr>
+        <p:spPr>
+          <a:xfrm>
+            <a:off x="7064082" y="642594"/>
+            <a:ext cx="4472921" cy="1371600"/>
+          </a:xfrm>
+        </p:spPr>
+        <p:txBody>
+          <a:bodyPr>
+            <a:normAutofit/>
+          </a:bodyPr>
+          <a:lstStyle/>
+          <a:p>
+            <a:endParaRPr lang="en-GB"/>
+          </a:p>
+        </p:txBody>
+      </p:sp>
+      <p:sp>
+        <p:nvSpPr>
+          <p:cNvPr id="3" name="Content Placeholder 2">
+            <a:extLst>
+              <a:ext uri="{FF2B5EF4-FFF2-40B4-BE49-F238E27FC236}">
+                <a16:creationId xmlns:a16="http://schemas.microsoft.com/office/drawing/2014/main" id="{941F5A77-C215-D9EA-4530-44E208A293AF}"/>
+              </a:ext>
+            </a:extLst>
+          </p:cNvPr>
+          <p:cNvSpPr>
+            <a:spLocks noGrp="1"/>
+          </p:cNvSpPr>
+          <p:nvPr>
+            <p:ph idx="1"/>
+          </p:nvPr>
+        </p:nvSpPr>
+        <p:spPr>
+          <a:xfrm>
+            <a:off x="7064082" y="2103120"/>
+            <a:ext cx="4472922" cy="3931920"/>
+          </a:xfrm>
+        </p:spPr>
+        <p:txBody>
+          <a:bodyPr>
+            <a:normAutofit/>
+          </a:bodyPr>
+          <a:lstStyle/>
+          <a:p>
+            <a:endParaRPr lang="en-GB" dirty="0"/>
+          </a:p>
+          <a:p>
+            <a:endParaRPr lang="en-GB" sz="3000" dirty="0"/>
+          </a:p>
+          <a:p>
+            <a:r>
+              <a:rPr lang="en-GB" sz="3000" dirty="0"/>
+              <a:t>Speed = Distance / Time</a:t>
+            </a:r>
+          </a:p>
+        </p:txBody>
+      </p:sp>
+    </p:spTree>
+    <p:extLst>
+      <p:ext uri="{BB962C8B-B14F-4D97-AF65-F5344CB8AC3E}">
+        <p14:creationId xmlns:p14="http://schemas.microsoft.com/office/powerpoint/2010/main" val="3361660390"/>
+      </p:ext>
+    </p:extLst>
+  </p:cSld>
+  <p:clrMapOvr>
+    <a:masterClrMapping/>
+  </p:clrMapOvr>
+</p:sld>
+</file>
+
+<file path=ppt/slides/slide6.xml><?xml version="1.0" encoding="utf-8"?>
+<p:sld xmlns:a="http://schemas.openxmlformats.org/drawingml/2006/main" xmlns:r="http://schemas.openxmlformats.org/officeDocument/2006/relationships" xmlns:p="http://schemas.openxmlformats.org/presentationml/2006/main">
+  <p:cSld>
+    <p:bg>
+      <p:bgPr>
+        <a:solidFill>
+          <a:schemeClr val="bg1"/>
+        </a:solidFill>
+        <a:effectLst/>
+      </p:bgPr>
+    </p:bg>
+    <p:spTree>
+      <p:nvGrpSpPr>
+        <p:cNvPr id="1" name=""/>
+        <p:cNvGrpSpPr/>
+        <p:nvPr/>
+      </p:nvGrpSpPr>
+      <p:grpSpPr>
+        <a:xfrm>
+          <a:off x="0" y="0"/>
+          <a:ext cx="0" cy="0"/>
+          <a:chOff x="0" y="0"/>
+          <a:chExt cx="0" cy="0"/>
+        </a:xfrm>
+      </p:grpSpPr>
+      <p:sp>
+        <p:nvSpPr>
+          <p:cNvPr id="9" name="Rectangle 8">
+            <a:extLst>
+              <a:ext uri="{FF2B5EF4-FFF2-40B4-BE49-F238E27FC236}">
+                <a16:creationId xmlns:a16="http://schemas.microsoft.com/office/drawing/2014/main" id="{0EB72A9B-FD82-4F09-BF1E-D39311D3A0E3}"/>
+              </a:ext>
+              <a:ext uri="{C183D7F6-B498-43B3-948B-1728B52AA6E4}">
+                <adec:decorative xmlns:adec="http://schemas.microsoft.com/office/drawing/2017/decorative" val="1"/>
+              </a:ext>
+            </a:extLst>
+          </p:cNvPr>
+          <p:cNvSpPr>
+            <a:spLocks noGrp="1" noRot="1" noChangeAspect="1" noMove="1" noResize="1" noEditPoints="1" noAdjustHandles="1" noChangeArrowheads="1" noChangeShapeType="1" noTextEdit="1"/>
+          </p:cNvSpPr>
+          <p:nvPr>
+            <p:extLst>
+              <p:ext uri="{386F3935-93C4-4BCD-93E2-E3B085C9AB24}">
+                <p16:designElem xmlns:p16="http://schemas.microsoft.com/office/powerpoint/2015/main" val="1"/>
+              </p:ext>
+            </p:extLst>
+          </p:nvPr>
+        </p:nvSpPr>
+        <p:spPr>
+          <a:xfrm>
+            <a:off x="0" y="0"/>
+            <a:ext cx="12192000" cy="6858000"/>
+          </a:xfrm>
+          <a:prstGeom prst="rect">
+            <a:avLst/>
+          </a:prstGeom>
+          <a:solidFill>
+            <a:srgbClr val="FFFFFF"/>
+          </a:solidFill>
+          <a:ln>
+            <a:noFill/>
+          </a:ln>
+        </p:spPr>
+        <p:style>
+          <a:lnRef idx="2">
+            <a:schemeClr val="accent1">
+              <a:shade val="50000"/>
+            </a:schemeClr>
+          </a:lnRef>
+          <a:fillRef idx="1">
+            <a:schemeClr val="accent1"/>
+          </a:fillRef>
+          <a:effectRef idx="0">
+            <a:schemeClr val="accent1"/>
+          </a:effectRef>
+          <a:fontRef idx="minor">
+            <a:schemeClr val="lt1"/>
+          </a:fontRef>
+        </p:style>
+        <p:txBody>
+          <a:bodyPr rtlCol="0" anchor="ctr"/>
+          <a:lstStyle/>
+          <a:p>
+            <a:pPr algn="ctr"/>
+            <a:endParaRPr lang="en-US"/>
+          </a:p>
+        </p:txBody>
+      </p:sp>
+      <p:sp>
+        <p:nvSpPr>
+          <p:cNvPr id="11" name="Rectangle 10">
+            <a:extLst>
+              <a:ext uri="{FF2B5EF4-FFF2-40B4-BE49-F238E27FC236}">
+                <a16:creationId xmlns:a16="http://schemas.microsoft.com/office/drawing/2014/main" id="{DD39B371-6E4E-4070-AB4E-4D788405A5A6}"/>
+              </a:ext>
+              <a:ext uri="{C183D7F6-B498-43B3-948B-1728B52AA6E4}">
+                <adec:decorative xmlns:adec="http://schemas.microsoft.com/office/drawing/2017/decorative" val="1"/>
+              </a:ext>
+            </a:extLst>
+          </p:cNvPr>
+          <p:cNvSpPr>
+            <a:spLocks noGrp="1" noRot="1" noChangeAspect="1" noMove="1" noResize="1" noEditPoints="1" noAdjustHandles="1" noChangeArrowheads="1" noChangeShapeType="1" noTextEdit="1"/>
+          </p:cNvSpPr>
+          <p:nvPr>
+            <p:extLst>
+              <p:ext uri="{386F3935-93C4-4BCD-93E2-E3B085C9AB24}">
+                <p16:designElem xmlns:p16="http://schemas.microsoft.com/office/powerpoint/2015/main" val="1"/>
+              </p:ext>
+            </p:extLst>
+          </p:nvPr>
+        </p:nvSpPr>
+        <p:spPr>
+          <a:xfrm>
+            <a:off x="234696" y="237744"/>
+            <a:ext cx="11722608" cy="6382512"/>
+          </a:xfrm>
+          <a:prstGeom prst="rect">
+            <a:avLst/>
+          </a:prstGeom>
+          <a:solidFill>
+            <a:schemeClr val="bg1">
+              <a:lumMod val="85000"/>
+              <a:alpha val="60000"/>
+            </a:schemeClr>
+          </a:solidFill>
+          <a:ln>
+            <a:noFill/>
+          </a:ln>
+        </p:spPr>
+        <p:style>
+          <a:lnRef idx="2">
+            <a:schemeClr val="accent1">
+              <a:shade val="50000"/>
+            </a:schemeClr>
+          </a:lnRef>
+          <a:fillRef idx="1">
+            <a:schemeClr val="accent1"/>
+          </a:fillRef>
+          <a:effectRef idx="0">
+            <a:schemeClr val="accent1"/>
+          </a:effectRef>
+          <a:fontRef idx="minor">
+            <a:schemeClr val="lt1"/>
+          </a:fontRef>
+        </p:style>
+        <p:txBody>
+          <a:bodyPr/>
+          <a:lstStyle/>
+          <a:p>
+            <a:endParaRPr lang="en-GB"/>
+          </a:p>
+        </p:txBody>
+      </p:sp>
+      <p:sp>
+        <p:nvSpPr>
+          <p:cNvPr id="13" name="Rectangle 12">
+            <a:extLst>
+              <a:ext uri="{FF2B5EF4-FFF2-40B4-BE49-F238E27FC236}">
+                <a16:creationId xmlns:a16="http://schemas.microsoft.com/office/drawing/2014/main" id="{B937DAED-8BFE-4563-BB45-B5E554D70A84}"/>
+              </a:ext>
+              <a:ext uri="{C183D7F6-B498-43B3-948B-1728B52AA6E4}">
+                <adec:decorative xmlns:adec="http://schemas.microsoft.com/office/drawing/2017/decorative" val="1"/>
+              </a:ext>
+            </a:extLst>
+          </p:cNvPr>
+          <p:cNvSpPr>
+            <a:spLocks noGrp="1" noRot="1" noChangeAspect="1" noMove="1" noResize="1" noEditPoints="1" noAdjustHandles="1" noChangeArrowheads="1" noChangeShapeType="1" noTextEdit="1"/>
+          </p:cNvSpPr>
+          <p:nvPr>
+            <p:extLst>
+              <p:ext uri="{386F3935-93C4-4BCD-93E2-E3B085C9AB24}">
+                <p16:designElem xmlns:p16="http://schemas.microsoft.com/office/powerpoint/2015/main" val="1"/>
+              </p:ext>
+            </p:extLst>
+          </p:nvPr>
+        </p:nvSpPr>
+        <p:spPr>
+          <a:xfrm>
+            <a:off x="371856" y="374904"/>
+            <a:ext cx="11448288" cy="6108192"/>
+          </a:xfrm>
+          <a:prstGeom prst="rect">
+            <a:avLst/>
+          </a:prstGeom>
+          <a:noFill/>
+          <a:ln w="6350" cap="sq" cmpd="sng" algn="ctr">
+            <a:solidFill>
+              <a:schemeClr val="tx1">
+                <a:lumMod val="85000"/>
+                <a:lumOff val="15000"/>
+              </a:schemeClr>
+            </a:solidFill>
+            <a:prstDash val="solid"/>
+            <a:miter lim="800000"/>
+          </a:ln>
+          <a:effectLst/>
+        </p:spPr>
+        <p:txBody>
+          <a:bodyPr/>
+          <a:lstStyle/>
+          <a:p>
+            <a:endParaRPr lang="en-GB"/>
+          </a:p>
+        </p:txBody>
+      </p:sp>
+      <p:sp>
+        <p:nvSpPr>
+          <p:cNvPr id="2" name="Title 1">
+            <a:extLst>
+              <a:ext uri="{FF2B5EF4-FFF2-40B4-BE49-F238E27FC236}">
+                <a16:creationId xmlns:a16="http://schemas.microsoft.com/office/drawing/2014/main" id="{8A773A6E-7FAB-A439-6E2F-AFFD6D9C88F3}"/>
+              </a:ext>
+            </a:extLst>
+          </p:cNvPr>
+          <p:cNvSpPr>
+            <a:spLocks noGrp="1"/>
+          </p:cNvSpPr>
+          <p:nvPr>
+            <p:ph type="title"/>
+          </p:nvPr>
+        </p:nvSpPr>
+        <p:spPr>
+          <a:xfrm>
+            <a:off x="1066800" y="642594"/>
+            <a:ext cx="10058400" cy="1371600"/>
+          </a:xfrm>
+        </p:spPr>
+        <p:txBody>
+          <a:bodyPr>
+            <a:normAutofit/>
+          </a:bodyPr>
+          <a:lstStyle/>
+          <a:p>
+            <a:pPr algn="ctr"/>
+            <a:r>
+              <a:rPr lang="en-GB" dirty="0"/>
+              <a:t>Experiments</a:t>
+            </a:r>
+            <a:endParaRPr lang="en-GB"/>
+          </a:p>
+        </p:txBody>
+      </p:sp>
+      <p:graphicFrame>
+        <p:nvGraphicFramePr>
+          <p:cNvPr id="5" name="Content Placeholder 2">
+            <a:extLst>
+              <a:ext uri="{FF2B5EF4-FFF2-40B4-BE49-F238E27FC236}">
+                <a16:creationId xmlns:a16="http://schemas.microsoft.com/office/drawing/2014/main" id="{2C3E6BE2-E742-2F91-D589-78881BB551D6}"/>
+              </a:ext>
+            </a:extLst>
+          </p:cNvPr>
+          <p:cNvGraphicFramePr>
+            <a:graphicFrameLocks noGrp="1"/>
+          </p:cNvGraphicFramePr>
+          <p:nvPr>
+            <p:ph idx="1"/>
+            <p:extLst>
+              <p:ext uri="{D42A27DB-BD31-4B8C-83A1-F6EECF244321}">
+                <p14:modId xmlns:p14="http://schemas.microsoft.com/office/powerpoint/2010/main" val="2302175684"/>
+              </p:ext>
+            </p:extLst>
+          </p:nvPr>
+        </p:nvGraphicFramePr>
+        <p:xfrm>
+          <a:off x="1066800" y="2310063"/>
+          <a:ext cx="10058400" cy="3725612"/>
+        </p:xfrm>
+        <a:graphic>
+          <a:graphicData uri="http://schemas.openxmlformats.org/drawingml/2006/diagram">
+            <dgm:relIds xmlns:dgm="http://schemas.openxmlformats.org/drawingml/2006/diagram" xmlns:r="http://schemas.openxmlformats.org/officeDocument/2006/relationships" r:dm="rId3" r:lo="rId4" r:qs="rId5" r:cs="rId6"/>
+          </a:graphicData>
+        </a:graphic>
+      </p:graphicFrame>
+    </p:spTree>
+    <p:extLst>
+      <p:ext uri="{BB962C8B-B14F-4D97-AF65-F5344CB8AC3E}">
+        <p14:creationId xmlns:p14="http://schemas.microsoft.com/office/powerpoint/2010/main" val="3589279446"/>
+      </p:ext>
+    </p:extLst>
+  </p:cSld>
+  <p:clrMapOvr>
+    <a:masterClrMapping/>
+  </p:clrMapOvr>
+</p:sld>
+</file>
+
+<file path=ppt/slides/slide7.xml><?xml version="1.0" encoding="utf-8"?>
+<p:sld xmlns:a="http://schemas.openxmlformats.org/drawingml/2006/main" xmlns:r="http://schemas.openxmlformats.org/officeDocument/2006/relationships" xmlns:p="http://schemas.openxmlformats.org/presentationml/2006/main">
+  <p:cSld>
+    <p:bg>
+      <p:bgPr>
+        <a:solidFill>
+          <a:schemeClr val="bg1"/>
+        </a:solidFill>
+        <a:effectLst/>
+      </p:bgPr>
+    </p:bg>
+    <p:spTree>
+      <p:nvGrpSpPr>
+        <p:cNvPr id="1" name=""/>
+        <p:cNvGrpSpPr/>
+        <p:nvPr/>
+      </p:nvGrpSpPr>
+      <p:grpSpPr>
+        <a:xfrm>
+          <a:off x="0" y="0"/>
+          <a:ext cx="0" cy="0"/>
+          <a:chOff x="0" y="0"/>
+          <a:chExt cx="0" cy="0"/>
+        </a:xfrm>
+      </p:grpSpPr>
+      <p:sp>
+        <p:nvSpPr>
+          <p:cNvPr id="2059" name="Rectangle 2058">
+            <a:extLst>
+              <a:ext uri="{FF2B5EF4-FFF2-40B4-BE49-F238E27FC236}">
+                <a16:creationId xmlns:a16="http://schemas.microsoft.com/office/drawing/2014/main" id="{904DB13E-F722-4ED6-BB00-556651E95281}"/>
+              </a:ext>
+              <a:ext uri="{C183D7F6-B498-43B3-948B-1728B52AA6E4}">
+                <adec:decorative xmlns:adec="http://schemas.microsoft.com/office/drawing/2017/decorative" val="1"/>
+              </a:ext>
+            </a:extLst>
+          </p:cNvPr>
+          <p:cNvSpPr>
+            <a:spLocks noGrp="1" noRot="1" noChangeAspect="1" noMove="1" noResize="1" noEditPoints="1" noAdjustHandles="1" noChangeArrowheads="1" noChangeShapeType="1" noTextEdit="1"/>
+          </p:cNvSpPr>
+          <p:nvPr>
+            <p:extLst>
+              <p:ext uri="{386F3935-93C4-4BCD-93E2-E3B085C9AB24}">
+                <p16:designElem xmlns:p16="http://schemas.microsoft.com/office/powerpoint/2015/main" val="1"/>
+              </p:ext>
+            </p:extLst>
+          </p:nvPr>
+        </p:nvSpPr>
+        <p:spPr>
+          <a:xfrm>
+            <a:off x="0" y="0"/>
+            <a:ext cx="12192000" cy="6858000"/>
+          </a:xfrm>
+          <a:prstGeom prst="rect">
+            <a:avLst/>
+          </a:prstGeom>
+          <a:solidFill>
+            <a:schemeClr val="tx1">
+              <a:lumMod val="65000"/>
+              <a:lumOff val="35000"/>
+            </a:schemeClr>
+          </a:solidFill>
+          <a:ln>
+            <a:noFill/>
+          </a:ln>
+        </p:spPr>
+        <p:style>
+          <a:lnRef idx="2">
+            <a:schemeClr val="accent1">
+              <a:shade val="50000"/>
+            </a:schemeClr>
+          </a:lnRef>
+          <a:fillRef idx="1">
+            <a:schemeClr val="accent1"/>
+          </a:fillRef>
+          <a:effectRef idx="0">
+            <a:schemeClr val="accent1"/>
+          </a:effectRef>
+          <a:fontRef idx="minor">
+            <a:schemeClr val="lt1"/>
+          </a:fontRef>
+        </p:style>
+        <p:txBody>
+          <a:bodyPr rtlCol="0" anchor="ctr"/>
+          <a:lstStyle/>
+          <a:p>
+            <a:pPr algn="ctr"/>
+            <a:endParaRPr lang="en-US"/>
+          </a:p>
+        </p:txBody>
+      </p:sp>
+      <p:sp useBgFill="1">
+        <p:nvSpPr>
+          <p:cNvPr id="2061" name="Rectangle 2060">
+            <a:extLst>
+              <a:ext uri="{FF2B5EF4-FFF2-40B4-BE49-F238E27FC236}">
+                <a16:creationId xmlns:a16="http://schemas.microsoft.com/office/drawing/2014/main" id="{1419E3D9-C5FB-41A9-B6D2-DFB210BB6211}"/>
+              </a:ext>
+              <a:ext uri="{C183D7F6-B498-43B3-948B-1728B52AA6E4}">
+                <adec:decorative xmlns:adec="http://schemas.microsoft.com/office/drawing/2017/decorative" val="1"/>
+              </a:ext>
+            </a:extLst>
+          </p:cNvPr>
+          <p:cNvSpPr>
+            <a:spLocks noGrp="1" noRot="1" noChangeAspect="1" noMove="1" noResize="1" noEditPoints="1" noAdjustHandles="1" noChangeArrowheads="1" noChangeShapeType="1" noTextEdit="1"/>
+          </p:cNvSpPr>
+          <p:nvPr>
+            <p:extLst>
+              <p:ext uri="{386F3935-93C4-4BCD-93E2-E3B085C9AB24}">
+                <p16:designElem xmlns:p16="http://schemas.microsoft.com/office/powerpoint/2015/main" val="1"/>
+              </p:ext>
+            </p:extLst>
+          </p:nvPr>
+        </p:nvSpPr>
+        <p:spPr>
+          <a:xfrm>
+            <a:off x="1307870" y="1267730"/>
+            <a:ext cx="9576262" cy="4307950"/>
+          </a:xfrm>
+          <a:prstGeom prst="rect">
+            <a:avLst/>
+          </a:prstGeom>
+          <a:ln w="6350" cap="flat" cmpd="sng" algn="ctr">
+            <a:noFill/>
+            <a:prstDash val="solid"/>
+          </a:ln>
+          <a:effectLst>
+            <a:outerShdw blurRad="50800" algn="ctr" rotWithShape="0">
+              <a:prstClr val="black">
+                <a:alpha val="66000"/>
+              </a:prstClr>
+            </a:outerShdw>
+            <a:softEdge rad="0"/>
+          </a:effectLst>
+        </p:spPr>
+        <p:txBody>
+          <a:bodyPr/>
+          <a:lstStyle/>
+          <a:p>
+            <a:endParaRPr lang="en-GB"/>
+          </a:p>
+        </p:txBody>
+      </p:sp>
+      <p:sp>
+        <p:nvSpPr>
+          <p:cNvPr id="2063" name="Rectangle 2062">
+            <a:extLst>
+              <a:ext uri="{FF2B5EF4-FFF2-40B4-BE49-F238E27FC236}">
+                <a16:creationId xmlns:a16="http://schemas.microsoft.com/office/drawing/2014/main" id="{367909BF-1DF7-4ACE-8F58-6CF719BB27E5}"/>
+              </a:ext>
+              <a:ext uri="{C183D7F6-B498-43B3-948B-1728B52AA6E4}">
+                <adec:decorative xmlns:adec="http://schemas.microsoft.com/office/drawing/2017/decorative" val="1"/>
+              </a:ext>
+            </a:extLst>
+          </p:cNvPr>
+          <p:cNvSpPr>
+            <a:spLocks noGrp="1" noRot="1" noChangeAspect="1" noMove="1" noResize="1" noEditPoints="1" noAdjustHandles="1" noChangeArrowheads="1" noChangeShapeType="1" noTextEdit="1"/>
+          </p:cNvSpPr>
+          <p:nvPr>
+            <p:extLst>
+              <p:ext uri="{386F3935-93C4-4BCD-93E2-E3B085C9AB24}">
+                <p16:designElem xmlns:p16="http://schemas.microsoft.com/office/powerpoint/2015/main" val="1"/>
+              </p:ext>
+            </p:extLst>
+          </p:nvPr>
+        </p:nvSpPr>
+        <p:spPr>
+          <a:xfrm>
+            <a:off x="1447801" y="1411615"/>
+            <a:ext cx="9296400" cy="4034770"/>
+          </a:xfrm>
+          <a:prstGeom prst="rect">
+            <a:avLst/>
+          </a:prstGeom>
+          <a:noFill/>
+          <a:ln w="6350" cap="sq" cmpd="sng" algn="ctr">
+            <a:solidFill>
+              <a:schemeClr val="tx1">
+                <a:lumMod val="75000"/>
+                <a:lumOff val="25000"/>
+              </a:schemeClr>
+            </a:solidFill>
+            <a:prstDash val="solid"/>
+            <a:miter lim="800000"/>
+          </a:ln>
+          <a:effectLst/>
+        </p:spPr>
+        <p:txBody>
+          <a:bodyPr/>
+          <a:lstStyle/>
+          <a:p>
+            <a:endParaRPr lang="en-GB"/>
+          </a:p>
+        </p:txBody>
+      </p:sp>
+      <p:sp>
+        <p:nvSpPr>
+          <p:cNvPr id="2065" name="Rectangle 2064">
+            <a:extLst>
+              <a:ext uri="{FF2B5EF4-FFF2-40B4-BE49-F238E27FC236}">
+                <a16:creationId xmlns:a16="http://schemas.microsoft.com/office/drawing/2014/main" id="{89E8BEDB-0BBC-4F21-9CFB-8530D664C343}"/>
+              </a:ext>
+              <a:ext uri="{C183D7F6-B498-43B3-948B-1728B52AA6E4}">
+                <adec:decorative xmlns:adec="http://schemas.microsoft.com/office/drawing/2017/decorative" val="1"/>
+              </a:ext>
+            </a:extLst>
+          </p:cNvPr>
+          <p:cNvSpPr>
+            <a:spLocks noGrp="1" noRot="1" noChangeAspect="1" noMove="1" noResize="1" noEditPoints="1" noAdjustHandles="1" noChangeArrowheads="1" noChangeShapeType="1" noTextEdit="1"/>
+          </p:cNvSpPr>
+          <p:nvPr>
+            <p:extLst>
+              <p:ext uri="{386F3935-93C4-4BCD-93E2-E3B085C9AB24}">
+                <p16:designElem xmlns:p16="http://schemas.microsoft.com/office/powerpoint/2015/main" val="1"/>
+              </p:ext>
+            </p:extLst>
+          </p:nvPr>
+        </p:nvSpPr>
+        <p:spPr>
+          <a:xfrm>
+            <a:off x="5135880" y="1267730"/>
+            <a:ext cx="1920240" cy="731520"/>
+          </a:xfrm>
+          <a:prstGeom prst="rect">
+            <a:avLst/>
+          </a:prstGeom>
+          <a:solidFill>
+            <a:schemeClr val="accent1"/>
+          </a:solidFill>
+          <a:ln>
+            <a:noFill/>
+          </a:ln>
+        </p:spPr>
+        <p:style>
+          <a:lnRef idx="2">
+            <a:schemeClr val="accent1">
+              <a:shade val="50000"/>
+            </a:schemeClr>
+          </a:lnRef>
+          <a:fillRef idx="1">
+            <a:schemeClr val="accent1"/>
+          </a:fillRef>
+          <a:effectRef idx="0">
+            <a:schemeClr val="accent1"/>
+          </a:effectRef>
+          <a:fontRef idx="minor">
+            <a:schemeClr val="lt1"/>
+          </a:fontRef>
+        </p:style>
+        <p:txBody>
+          <a:bodyPr/>
+          <a:lstStyle/>
+          <a:p>
+            <a:endParaRPr lang="en-GB"/>
+          </a:p>
+        </p:txBody>
+      </p:sp>
+      <p:grpSp>
+        <p:nvGrpSpPr>
+          <p:cNvPr id="2067" name="Group 2066">
+            <a:extLst>
+              <a:ext uri="{FF2B5EF4-FFF2-40B4-BE49-F238E27FC236}">
+                <a16:creationId xmlns:a16="http://schemas.microsoft.com/office/drawing/2014/main" id="{E26428D7-C6F3-473D-A360-A3F5C3E8728C}"/>
+              </a:ext>
+              <a:ext uri="{C183D7F6-B498-43B3-948B-1728B52AA6E4}">
+                <adec:decorative xmlns:adec="http://schemas.microsoft.com/office/drawing/2017/decorative" val="1"/>
+              </a:ext>
+            </a:extLst>
+          </p:cNvPr>
+          <p:cNvGrpSpPr>
+            <a:grpSpLocks noGrp="1" noUngrp="1" noRot="1" noChangeAspect="1" noMove="1" noResize="1"/>
+          </p:cNvGrpSpPr>
+          <p:nvPr>
+            <p:extLst>
+              <p:ext uri="{386F3935-93C4-4BCD-93E2-E3B085C9AB24}">
+                <p16:designElem xmlns:p16="http://schemas.microsoft.com/office/powerpoint/2015/main" val="1"/>
+              </p:ext>
+            </p:extLst>
+          </p:nvPr>
+        </p:nvGrpSpPr>
+        <p:grpSpPr>
+          <a:xfrm>
+            <a:off x="5250180" y="1267730"/>
+            <a:ext cx="1691640" cy="615934"/>
+            <a:chOff x="5250180" y="1267730"/>
+            <a:chExt cx="1691640" cy="615934"/>
+          </a:xfrm>
+        </p:grpSpPr>
+        <p:cxnSp>
+          <p:nvCxnSpPr>
+            <p:cNvPr id="2068" name="Straight Connector 2067">
+              <a:extLst>
+                <a:ext uri="{FF2B5EF4-FFF2-40B4-BE49-F238E27FC236}">
+                  <a16:creationId xmlns:a16="http://schemas.microsoft.com/office/drawing/2014/main" id="{51D6D676-6F2F-4446-9935-2D8D0382147E}"/>
+                </a:ext>
+                <a:ext uri="{C183D7F6-B498-43B3-948B-1728B52AA6E4}">
+                  <adec:decorative xmlns:adec="http://schemas.microsoft.com/office/drawing/2017/decorative" val="1"/>
+                </a:ext>
+              </a:extLst>
+            </p:cNvPr>
+            <p:cNvCxnSpPr/>
+            <p:nvPr>
+              <p:extLst>
+                <p:ext uri="{386F3935-93C4-4BCD-93E2-E3B085C9AB24}">
+                  <p16:designElem xmlns:p16="http://schemas.microsoft.com/office/powerpoint/2015/main" val="1"/>
+                </p:ext>
+              </p:extLst>
+            </p:nvPr>
+          </p:nvCxnSpPr>
+          <p:spPr>
+            <a:xfrm>
+              <a:off x="5250180" y="1267730"/>
+              <a:ext cx="0" cy="612648"/>
+            </a:xfrm>
+            <a:prstGeom prst="line">
+              <a:avLst/>
+            </a:prstGeom>
+            <a:solidFill>
+              <a:schemeClr val="tx1">
+                <a:lumMod val="85000"/>
+                <a:lumOff val="15000"/>
+              </a:schemeClr>
+            </a:solidFill>
+            <a:ln>
+              <a:solidFill>
+                <a:srgbClr val="FFFFFF"/>
+              </a:solidFill>
+              <a:miter lim="800000"/>
+            </a:ln>
+          </p:spPr>
+          <p:style>
+            <a:lnRef idx="1">
+              <a:schemeClr val="accent1"/>
+            </a:lnRef>
+            <a:fillRef idx="0">
+              <a:schemeClr val="accent1"/>
+            </a:fillRef>
+            <a:effectRef idx="0">
+              <a:schemeClr val="accent1"/>
+            </a:effectRef>
+            <a:fontRef idx="minor">
+              <a:schemeClr val="tx1"/>
+            </a:fontRef>
+          </p:style>
+        </p:cxnSp>
+        <p:cxnSp>
+          <p:nvCxnSpPr>
+            <p:cNvPr id="2069" name="Straight Connector 2068">
+              <a:extLst>
+                <a:ext uri="{FF2B5EF4-FFF2-40B4-BE49-F238E27FC236}">
+                  <a16:creationId xmlns:a16="http://schemas.microsoft.com/office/drawing/2014/main" id="{E9BAEA2B-9C25-4B43-8C9A-A9D0C3E9B15A}"/>
+                </a:ext>
+                <a:ext uri="{C183D7F6-B498-43B3-948B-1728B52AA6E4}">
+                  <adec:decorative xmlns:adec="http://schemas.microsoft.com/office/drawing/2017/decorative" val="1"/>
+                </a:ext>
+              </a:extLst>
+            </p:cNvPr>
+            <p:cNvCxnSpPr/>
+            <p:nvPr>
+              <p:extLst>
+                <p:ext uri="{386F3935-93C4-4BCD-93E2-E3B085C9AB24}">
+                  <p16:designElem xmlns:p16="http://schemas.microsoft.com/office/powerpoint/2015/main" val="1"/>
+                </p:ext>
+              </p:extLst>
+            </p:nvPr>
+          </p:nvCxnSpPr>
+          <p:spPr>
+            <a:xfrm>
+              <a:off x="6941820" y="1267730"/>
+              <a:ext cx="0" cy="612648"/>
+            </a:xfrm>
+            <a:prstGeom prst="line">
+              <a:avLst/>
+            </a:prstGeom>
+            <a:solidFill>
+              <a:schemeClr val="tx1">
+                <a:lumMod val="85000"/>
+                <a:lumOff val="15000"/>
+              </a:schemeClr>
+            </a:solidFill>
+            <a:ln>
+              <a:solidFill>
+                <a:srgbClr val="FFFFFF"/>
+              </a:solidFill>
+              <a:miter lim="800000"/>
+            </a:ln>
+          </p:spPr>
+          <p:style>
+            <a:lnRef idx="1">
+              <a:schemeClr val="accent1"/>
+            </a:lnRef>
+            <a:fillRef idx="0">
+              <a:schemeClr val="accent1"/>
+            </a:fillRef>
+            <a:effectRef idx="0">
+              <a:schemeClr val="accent1"/>
+            </a:effectRef>
+            <a:fontRef idx="minor">
+              <a:schemeClr val="tx1"/>
+            </a:fontRef>
+          </p:style>
+        </p:cxnSp>
+        <p:cxnSp>
+          <p:nvCxnSpPr>
+            <p:cNvPr id="2070" name="Straight Connector 2069">
+              <a:extLst>
+                <a:ext uri="{FF2B5EF4-FFF2-40B4-BE49-F238E27FC236}">
+                  <a16:creationId xmlns:a16="http://schemas.microsoft.com/office/drawing/2014/main" id="{21FC5F3A-7F1A-4EE8-A913-C8E96ACC3C5C}"/>
+                </a:ext>
+                <a:ext uri="{C183D7F6-B498-43B3-948B-1728B52AA6E4}">
+                  <adec:decorative xmlns:adec="http://schemas.microsoft.com/office/drawing/2017/decorative" val="1"/>
+                </a:ext>
+              </a:extLst>
+            </p:cNvPr>
+            <p:cNvCxnSpPr/>
+            <p:nvPr>
+              <p:extLst>
+                <p:ext uri="{386F3935-93C4-4BCD-93E2-E3B085C9AB24}">
+                  <p16:designElem xmlns:p16="http://schemas.microsoft.com/office/powerpoint/2015/main" val="1"/>
+                </p:ext>
+              </p:extLst>
+            </p:nvPr>
+          </p:nvCxnSpPr>
+          <p:spPr>
+            <a:xfrm>
+              <a:off x="5250180" y="1883664"/>
+              <a:ext cx="1691640" cy="0"/>
+            </a:xfrm>
+            <a:prstGeom prst="line">
+              <a:avLst/>
+            </a:prstGeom>
+            <a:solidFill>
+              <a:schemeClr val="tx1">
+                <a:lumMod val="85000"/>
+                <a:lumOff val="15000"/>
+              </a:schemeClr>
+            </a:solidFill>
+            <a:ln>
+              <a:solidFill>
+                <a:srgbClr val="FFFFFF"/>
+              </a:solidFill>
+              <a:miter lim="800000"/>
+            </a:ln>
+          </p:spPr>
+          <p:style>
+            <a:lnRef idx="1">
+              <a:schemeClr val="accent1"/>
+            </a:lnRef>
+            <a:fillRef idx="0">
+              <a:schemeClr val="accent1"/>
+            </a:fillRef>
+            <a:effectRef idx="0">
+              <a:schemeClr val="accent1"/>
+            </a:effectRef>
+            <a:fontRef idx="minor">
+              <a:schemeClr val="tx1"/>
+            </a:fontRef>
+          </p:style>
+        </p:cxnSp>
+      </p:grpSp>
+      <p:sp>
+        <p:nvSpPr>
+          <p:cNvPr id="2072" name="Rectangle 2071">
+            <a:extLst>
+              <a:ext uri="{FF2B5EF4-FFF2-40B4-BE49-F238E27FC236}">
+                <a16:creationId xmlns:a16="http://schemas.microsoft.com/office/drawing/2014/main" id="{420551B3-B4DA-48EE-988C-4FAEAEB5CE98}"/>
+              </a:ext>
+              <a:ext uri="{C183D7F6-B498-43B3-948B-1728B52AA6E4}">
+                <adec:decorative xmlns:adec="http://schemas.microsoft.com/office/drawing/2017/decorative" val="1"/>
+              </a:ext>
+            </a:extLst>
+          </p:cNvPr>
+          <p:cNvSpPr>
+            <a:spLocks noGrp="1" noRot="1" noChangeAspect="1" noMove="1" noResize="1" noEditPoints="1" noAdjustHandles="1" noChangeArrowheads="1" noChangeShapeType="1" noTextEdit="1"/>
+          </p:cNvSpPr>
+          <p:nvPr>
+            <p:extLst>
+              <p:ext uri="{386F3935-93C4-4BCD-93E2-E3B085C9AB24}">
+                <p16:designElem xmlns:p16="http://schemas.microsoft.com/office/powerpoint/2015/main" val="1"/>
+              </p:ext>
+            </p:extLst>
+          </p:nvPr>
+        </p:nvSpPr>
+        <p:spPr>
+          <a:xfrm>
+            <a:off x="0" y="0"/>
+            <a:ext cx="12192000" cy="6858000"/>
+          </a:xfrm>
+          <a:prstGeom prst="rect">
+            <a:avLst/>
+          </a:prstGeom>
+          <a:solidFill>
+            <a:schemeClr val="tx1">
+              <a:lumMod val="65000"/>
+              <a:lumOff val="35000"/>
+            </a:schemeClr>
+          </a:solidFill>
+          <a:ln>
+            <a:noFill/>
+          </a:ln>
+        </p:spPr>
+        <p:style>
+          <a:lnRef idx="2">
+            <a:schemeClr val="accent1">
+              <a:shade val="50000"/>
+            </a:schemeClr>
+          </a:lnRef>
+          <a:fillRef idx="1">
+            <a:schemeClr val="accent1"/>
+          </a:fillRef>
+          <a:effectRef idx="0">
+            <a:schemeClr val="accent1"/>
+          </a:effectRef>
+          <a:fontRef idx="minor">
+            <a:schemeClr val="lt1"/>
+          </a:fontRef>
+        </p:style>
+        <p:txBody>
+          <a:bodyPr rtlCol="0" anchor="ctr"/>
+          <a:lstStyle/>
+          <a:p>
+            <a:pPr algn="ctr"/>
+            <a:endParaRPr lang="en-US"/>
+          </a:p>
+        </p:txBody>
+      </p:sp>
+      <p:pic>
+        <p:nvPicPr>
+          <p:cNvPr id="2054" name="Picture 6" descr="Unleashing the Power of Sound: 9 Characteristics of a Sound Wave">
+            <a:extLst>
+              <a:ext uri="{FF2B5EF4-FFF2-40B4-BE49-F238E27FC236}">
+                <a16:creationId xmlns:a16="http://schemas.microsoft.com/office/drawing/2014/main" id="{71F213CC-EB3F-4B5C-C679-9648FEA90494}"/>
+              </a:ext>
+            </a:extLst>
+          </p:cNvPr>
+          <p:cNvPicPr>
+            <a:picLocks noGrp="1" noChangeAspect="1" noChangeArrowheads="1"/>
+          </p:cNvPicPr>
+          <p:nvPr>
+            <p:ph idx="1"/>
+          </p:nvPr>
+        </p:nvPicPr>
+        <p:blipFill>
+          <a:blip r:embed="rId3">
+            <a:alphaModFix amt="90000"/>
+            <a:extLst>
+              <a:ext uri="{28A0092B-C50C-407E-A947-70E740481C1C}">
+                <a14:useLocalDpi xmlns:a14="http://schemas.microsoft.com/office/drawing/2010/main" val="0"/>
+              </a:ext>
+            </a:extLst>
+          </a:blip>
+          <a:srcRect/>
+          <a:stretch/>
+        </p:blipFill>
+        <p:spPr bwMode="auto">
+          <a:xfrm>
+            <a:off x="0" y="0"/>
+            <a:ext cx="12192000" cy="6858000"/>
+          </a:xfrm>
+          <a:prstGeom prst="rect">
+            <a:avLst/>
+          </a:prstGeom>
+          <a:noFill/>
+          <a:extLst>
+            <a:ext uri="{909E8E84-426E-40DD-AFC4-6F175D3DCCD1}">
+              <a14:hiddenFill xmlns:a14="http://schemas.microsoft.com/office/drawing/2010/main">
+                <a:solidFill>
+                  <a:srgbClr val="FFFFFF"/>
+                </a:solidFill>
+              </a14:hiddenFill>
+            </a:ext>
+          </a:extLst>
+        </p:spPr>
+      </p:pic>
+      <p:sp>
+        <p:nvSpPr>
+          <p:cNvPr id="2074" name="Rectangle 2073">
+            <a:extLst>
+              <a:ext uri="{FF2B5EF4-FFF2-40B4-BE49-F238E27FC236}">
+                <a16:creationId xmlns:a16="http://schemas.microsoft.com/office/drawing/2014/main" id="{DB4A12B6-EF0D-43E8-8C17-4FAD4D2766E4}"/>
+              </a:ext>
+              <a:ext uri="{C183D7F6-B498-43B3-948B-1728B52AA6E4}">
+                <adec:decorative xmlns:adec="http://schemas.microsoft.com/office/drawing/2017/decorative" val="1"/>
+              </a:ext>
+            </a:extLst>
+          </p:cNvPr>
+          <p:cNvSpPr>
+            <a:spLocks noGrp="1" noRot="1" noChangeAspect="1" noMove="1" noResize="1" noEditPoints="1" noAdjustHandles="1" noChangeArrowheads="1" noChangeShapeType="1" noTextEdit="1"/>
+          </p:cNvSpPr>
+          <p:nvPr>
+            <p:extLst>
+              <p:ext uri="{386F3935-93C4-4BCD-93E2-E3B085C9AB24}">
+                <p16:designElem xmlns:p16="http://schemas.microsoft.com/office/powerpoint/2015/main" val="1"/>
+              </p:ext>
+            </p:extLst>
+          </p:nvPr>
+        </p:nvSpPr>
+        <p:spPr>
+          <a:xfrm>
+            <a:off x="1307870" y="1267730"/>
+            <a:ext cx="9576262" cy="4307950"/>
+          </a:xfrm>
+          <a:prstGeom prst="rect">
+            <a:avLst/>
+          </a:prstGeom>
+          <a:solidFill>
+            <a:schemeClr val="bg1">
+              <a:lumMod val="85000"/>
+              <a:lumOff val="15000"/>
+              <a:alpha val="93000"/>
+            </a:schemeClr>
+          </a:solidFill>
+          <a:ln w="6350" cap="flat" cmpd="sng" algn="ctr">
+            <a:noFill/>
+            <a:prstDash val="solid"/>
+          </a:ln>
+          <a:effectLst>
+            <a:softEdge rad="0"/>
+          </a:effectLst>
+        </p:spPr>
+        <p:txBody>
+          <a:bodyPr/>
+          <a:lstStyle/>
+          <a:p>
+            <a:endParaRPr lang="en-GB"/>
+          </a:p>
+        </p:txBody>
+      </p:sp>
+      <p:sp>
+        <p:nvSpPr>
+          <p:cNvPr id="2076" name="Rectangle 2075">
+            <a:extLst>
+              <a:ext uri="{FF2B5EF4-FFF2-40B4-BE49-F238E27FC236}">
+                <a16:creationId xmlns:a16="http://schemas.microsoft.com/office/drawing/2014/main" id="{AE107525-0C02-447F-8A3F-553320A7230E}"/>
+              </a:ext>
+              <a:ext uri="{C183D7F6-B498-43B3-948B-1728B52AA6E4}">
+                <adec:decorative xmlns:adec="http://schemas.microsoft.com/office/drawing/2017/decorative" val="1"/>
+              </a:ext>
+            </a:extLst>
+          </p:cNvPr>
+          <p:cNvSpPr>
+            <a:spLocks noGrp="1" noRot="1" noChangeAspect="1" noMove="1" noResize="1" noEditPoints="1" noAdjustHandles="1" noChangeArrowheads="1" noChangeShapeType="1" noTextEdit="1"/>
+          </p:cNvSpPr>
+          <p:nvPr>
+            <p:extLst>
+              <p:ext uri="{386F3935-93C4-4BCD-93E2-E3B085C9AB24}">
+                <p16:designElem xmlns:p16="http://schemas.microsoft.com/office/powerpoint/2015/main" val="1"/>
+              </p:ext>
+            </p:extLst>
+          </p:nvPr>
+        </p:nvSpPr>
+        <p:spPr>
+          <a:xfrm>
+            <a:off x="1447801" y="1411615"/>
+            <a:ext cx="9296400" cy="4034770"/>
+          </a:xfrm>
+          <a:prstGeom prst="rect">
+            <a:avLst/>
+          </a:prstGeom>
+          <a:noFill/>
+          <a:ln w="6350" cap="sq" cmpd="sng" algn="ctr">
+            <a:solidFill>
+              <a:schemeClr val="tx2"/>
+            </a:solidFill>
+            <a:prstDash val="solid"/>
+            <a:miter lim="800000"/>
+          </a:ln>
+          <a:effectLst/>
+        </p:spPr>
+        <p:txBody>
+          <a:bodyPr/>
+          <a:lstStyle/>
+          <a:p>
+            <a:endParaRPr lang="en-GB"/>
+          </a:p>
+        </p:txBody>
+      </p:sp>
+      <p:sp>
+        <p:nvSpPr>
+          <p:cNvPr id="2" name="Title 1">
+            <a:extLst>
+              <a:ext uri="{FF2B5EF4-FFF2-40B4-BE49-F238E27FC236}">
+                <a16:creationId xmlns:a16="http://schemas.microsoft.com/office/drawing/2014/main" id="{BD477EBD-3FE1-7B90-7E2E-0CBF6339AC68}"/>
+              </a:ext>
+            </a:extLst>
+          </p:cNvPr>
+          <p:cNvSpPr>
+            <a:spLocks noGrp="1"/>
+          </p:cNvSpPr>
+          <p:nvPr>
+            <p:ph type="title"/>
+          </p:nvPr>
+        </p:nvSpPr>
+        <p:spPr>
+          <a:xfrm>
+            <a:off x="1629103" y="2244830"/>
+            <a:ext cx="8933796" cy="2437232"/>
+          </a:xfrm>
+        </p:spPr>
+        <p:txBody>
+          <a:bodyPr vert="horz" lIns="91440" tIns="45720" rIns="91440" bIns="45720" rtlCol="0" anchor="ctr">
+            <a:normAutofit/>
+          </a:bodyPr>
+          <a:lstStyle/>
+          <a:p>
+            <a:pPr algn="ctr">
+              <a:lnSpc>
+                <a:spcPct val="83000"/>
+              </a:lnSpc>
+            </a:pPr>
+            <a:r>
+              <a:rPr lang="en-US" sz="6800" cap="all" spc="-100"/>
+              <a:t>What will happen?</a:t>
+            </a:r>
+          </a:p>
+        </p:txBody>
+      </p:sp>
+      <p:sp>
+        <p:nvSpPr>
+          <p:cNvPr id="2078" name="Rectangle 2077">
+            <a:extLst>
+              <a:ext uri="{FF2B5EF4-FFF2-40B4-BE49-F238E27FC236}">
+                <a16:creationId xmlns:a16="http://schemas.microsoft.com/office/drawing/2014/main" id="{AB7A42E3-05D8-4A0B-9D4E-20EF581E57C0}"/>
+              </a:ext>
+              <a:ext uri="{C183D7F6-B498-43B3-948B-1728B52AA6E4}">
+                <adec:decorative xmlns:adec="http://schemas.microsoft.com/office/drawing/2017/decorative" val="1"/>
+              </a:ext>
+            </a:extLst>
+          </p:cNvPr>
+          <p:cNvSpPr>
+            <a:spLocks noGrp="1" noRot="1" noChangeAspect="1" noMove="1" noResize="1" noEditPoints="1" noAdjustHandles="1" noChangeArrowheads="1" noChangeShapeType="1" noTextEdit="1"/>
+          </p:cNvSpPr>
+          <p:nvPr>
+            <p:extLst>
+              <p:ext uri="{386F3935-93C4-4BCD-93E2-E3B085C9AB24}">
+                <p16:designElem xmlns:p16="http://schemas.microsoft.com/office/powerpoint/2015/main" val="1"/>
+              </p:ext>
+            </p:extLst>
+          </p:nvPr>
+        </p:nvSpPr>
+        <p:spPr>
+          <a:xfrm>
+            <a:off x="5135880" y="1267730"/>
+            <a:ext cx="1920240" cy="731520"/>
+          </a:xfrm>
+          <a:prstGeom prst="rect">
+            <a:avLst/>
+          </a:prstGeom>
+          <a:solidFill>
+            <a:schemeClr val="accent1"/>
+          </a:solidFill>
+          <a:ln>
+            <a:noFill/>
+          </a:ln>
+        </p:spPr>
+        <p:style>
+          <a:lnRef idx="2">
+            <a:schemeClr val="accent1">
+              <a:shade val="50000"/>
+            </a:schemeClr>
+          </a:lnRef>
+          <a:fillRef idx="1">
+            <a:schemeClr val="accent1"/>
+          </a:fillRef>
+          <a:effectRef idx="0">
+            <a:schemeClr val="accent1"/>
+          </a:effectRef>
+          <a:fontRef idx="minor">
+            <a:schemeClr val="lt1"/>
+          </a:fontRef>
+        </p:style>
+        <p:txBody>
+          <a:bodyPr/>
+          <a:lstStyle/>
+          <a:p>
+            <a:endParaRPr lang="en-GB"/>
+          </a:p>
+        </p:txBody>
+      </p:sp>
+      <p:cxnSp>
+        <p:nvCxnSpPr>
+          <p:cNvPr id="2080" name="Straight Connector 2079">
+            <a:extLst>
+              <a:ext uri="{FF2B5EF4-FFF2-40B4-BE49-F238E27FC236}">
+                <a16:creationId xmlns:a16="http://schemas.microsoft.com/office/drawing/2014/main" id="{6EE9A54B-189D-4645-8254-FDC4210EC6DB}"/>
+              </a:ext>
+              <a:ext uri="{C183D7F6-B498-43B3-948B-1728B52AA6E4}">
+                <adec:decorative xmlns:adec="http://schemas.microsoft.com/office/drawing/2017/decorative" val="1"/>
+              </a:ext>
+            </a:extLst>
+          </p:cNvPr>
+          <p:cNvCxnSpPr>
+            <a:cxnSpLocks noGrp="1" noRot="1" noChangeAspect="1" noMove="1" noResize="1" noEditPoints="1" noAdjustHandles="1" noChangeArrowheads="1" noChangeShapeType="1"/>
+          </p:cNvCxnSpPr>
+          <p:nvPr>
+            <p:extLst>
+              <p:ext uri="{386F3935-93C4-4BCD-93E2-E3B085C9AB24}">
+                <p16:designElem xmlns:p16="http://schemas.microsoft.com/office/powerpoint/2015/main" val="1"/>
+              </p:ext>
+            </p:extLst>
+          </p:nvPr>
+        </p:nvCxnSpPr>
+        <p:spPr>
+          <a:xfrm>
+            <a:off x="5250180" y="1267730"/>
+            <a:ext cx="0" cy="640080"/>
+          </a:xfrm>
+          <a:prstGeom prst="line">
+            <a:avLst/>
+          </a:prstGeom>
+          <a:solidFill>
+            <a:schemeClr val="tx1">
+              <a:lumMod val="85000"/>
+              <a:lumOff val="15000"/>
+            </a:schemeClr>
+          </a:solidFill>
+          <a:ln>
+            <a:solidFill>
+              <a:srgbClr val="FFFFFF"/>
+            </a:solidFill>
+            <a:miter lim="800000"/>
+          </a:ln>
+        </p:spPr>
+        <p:style>
+          <a:lnRef idx="1">
+            <a:schemeClr val="accent1"/>
+          </a:lnRef>
+          <a:fillRef idx="0">
+            <a:schemeClr val="accent1"/>
+          </a:fillRef>
+          <a:effectRef idx="0">
+            <a:schemeClr val="accent1"/>
+          </a:effectRef>
+          <a:fontRef idx="minor">
+            <a:schemeClr val="tx1"/>
+          </a:fontRef>
+        </p:style>
+      </p:cxnSp>
+      <p:cxnSp>
+        <p:nvCxnSpPr>
+          <p:cNvPr id="2082" name="Straight Connector 2081">
+            <a:extLst>
+              <a:ext uri="{FF2B5EF4-FFF2-40B4-BE49-F238E27FC236}">
+                <a16:creationId xmlns:a16="http://schemas.microsoft.com/office/drawing/2014/main" id="{511CE48F-D5E4-4520-AF1E-8F85CFBDA596}"/>
+              </a:ext>
+              <a:ext uri="{C183D7F6-B498-43B3-948B-1728B52AA6E4}">
+                <adec:decorative xmlns:adec="http://schemas.microsoft.com/office/drawing/2017/decorative" val="1"/>
+              </a:ext>
+            </a:extLst>
+          </p:cNvPr>
+          <p:cNvCxnSpPr>
+            <a:cxnSpLocks noGrp="1" noRot="1" noChangeAspect="1" noMove="1" noResize="1" noEditPoints="1" noAdjustHandles="1" noChangeArrowheads="1" noChangeShapeType="1"/>
+          </p:cNvCxnSpPr>
+          <p:nvPr>
+            <p:extLst>
+              <p:ext uri="{386F3935-93C4-4BCD-93E2-E3B085C9AB24}">
+                <p16:designElem xmlns:p16="http://schemas.microsoft.com/office/powerpoint/2015/main" val="1"/>
+              </p:ext>
+            </p:extLst>
+          </p:nvPr>
+        </p:nvCxnSpPr>
+        <p:spPr>
+          <a:xfrm>
+            <a:off x="6941820" y="1267730"/>
+            <a:ext cx="0" cy="640080"/>
+          </a:xfrm>
+          <a:prstGeom prst="line">
+            <a:avLst/>
+          </a:prstGeom>
+          <a:solidFill>
+            <a:schemeClr val="tx1">
+              <a:lumMod val="85000"/>
+              <a:lumOff val="15000"/>
+            </a:schemeClr>
+          </a:solidFill>
+          <a:ln>
+            <a:solidFill>
+              <a:srgbClr val="FFFFFF"/>
+            </a:solidFill>
+            <a:miter lim="800000"/>
+          </a:ln>
+        </p:spPr>
+        <p:style>
+          <a:lnRef idx="1">
+            <a:schemeClr val="accent1"/>
+          </a:lnRef>
+          <a:fillRef idx="0">
+            <a:schemeClr val="accent1"/>
+          </a:fillRef>
+          <a:effectRef idx="0">
+            <a:schemeClr val="accent1"/>
+          </a:effectRef>
+          <a:fontRef idx="minor">
+            <a:schemeClr val="tx1"/>
+          </a:fontRef>
+        </p:style>
+      </p:cxnSp>
+      <p:cxnSp>
+        <p:nvCxnSpPr>
+          <p:cNvPr id="2084" name="Straight Connector 2083">
+            <a:extLst>
+              <a:ext uri="{FF2B5EF4-FFF2-40B4-BE49-F238E27FC236}">
+                <a16:creationId xmlns:a16="http://schemas.microsoft.com/office/drawing/2014/main" id="{41448851-39AD-4943-BF9C-C50704E08377}"/>
+              </a:ext>
+              <a:ext uri="{C183D7F6-B498-43B3-948B-1728B52AA6E4}">
+                <adec:decorative xmlns:adec="http://schemas.microsoft.com/office/drawing/2017/decorative" val="1"/>
+              </a:ext>
+            </a:extLst>
+          </p:cNvPr>
+          <p:cNvCxnSpPr>
+            <a:cxnSpLocks noGrp="1" noRot="1" noChangeAspect="1" noMove="1" noResize="1" noEditPoints="1" noAdjustHandles="1" noChangeArrowheads="1" noChangeShapeType="1"/>
+          </p:cNvCxnSpPr>
+          <p:nvPr>
+            <p:extLst>
+              <p:ext uri="{386F3935-93C4-4BCD-93E2-E3B085C9AB24}">
+                <p16:designElem xmlns:p16="http://schemas.microsoft.com/office/powerpoint/2015/main" val="1"/>
+              </p:ext>
+            </p:extLst>
+          </p:nvPr>
+        </p:nvCxnSpPr>
+        <p:spPr>
+          <a:xfrm>
+            <a:off x="5250180" y="1913025"/>
+            <a:ext cx="1691640" cy="0"/>
+          </a:xfrm>
+          <a:prstGeom prst="line">
+            <a:avLst/>
+          </a:prstGeom>
+          <a:solidFill>
+            <a:schemeClr val="tx1">
+              <a:lumMod val="85000"/>
+              <a:lumOff val="15000"/>
+            </a:schemeClr>
+          </a:solidFill>
+          <a:ln>
+            <a:solidFill>
+              <a:srgbClr val="FFFFFF"/>
+            </a:solidFill>
+            <a:miter lim="800000"/>
+          </a:ln>
+        </p:spPr>
+        <p:style>
+          <a:lnRef idx="1">
+            <a:schemeClr val="accent1"/>
+          </a:lnRef>
+          <a:fillRef idx="0">
+            <a:schemeClr val="accent1"/>
+          </a:fillRef>
+          <a:effectRef idx="0">
+            <a:schemeClr val="accent1"/>
+          </a:effectRef>
+          <a:fontRef idx="minor">
+            <a:schemeClr val="tx1"/>
+          </a:fontRef>
+        </p:style>
+      </p:cxnSp>
+    </p:spTree>
+    <p:extLst>
+      <p:ext uri="{BB962C8B-B14F-4D97-AF65-F5344CB8AC3E}">
+        <p14:creationId xmlns:p14="http://schemas.microsoft.com/office/powerpoint/2010/main" val="3118344270"/>
+      </p:ext>
+    </p:extLst>
+  </p:cSld>
+  <p:clrMapOvr>
+    <a:overrideClrMapping bg1="dk1" tx1="lt1" bg2="dk2" tx2="lt2" accent1="accent1" accent2="accent2" accent3="accent3" accent4="accent4" accent5="accent5" accent6="accent6" hlink="hlink" folHlink="folHlink"/>
+  </p:clrMapOvr>
+</p:sld>
+</file>
+
+<file path=ppt/slides/slide8.xml><?xml version="1.0" encoding="utf-8"?>
 <p:sld xmlns:a="http://schemas.openxmlformats.org/drawingml/2006/main" xmlns:r="http://schemas.openxmlformats.org/officeDocument/2006/relationships" xmlns:p="http://schemas.openxmlformats.org/presentationml/2006/main">
   <p:cSld>
     <p:spTree>
@@ -5727,7 +11017,7 @@
           <p:cNvPr id="2" name="Title 1">
             <a:extLst>
               <a:ext uri="{FF2B5EF4-FFF2-40B4-BE49-F238E27FC236}">
-                <a16:creationId xmlns:a16="http://schemas.microsoft.com/office/drawing/2014/main" id="{890DD286-E7DF-A4B5-5A60-506AC9AF5415}"/>
+                <a16:creationId xmlns:a16="http://schemas.microsoft.com/office/drawing/2014/main" id="{4284FF47-C285-9A45-DD8D-505F7D33BF9D}"/>
               </a:ext>
             </a:extLst>
           </p:cNvPr>
@@ -5745,7 +11035,7 @@
           <a:p>
             <a:r>
               <a:rPr lang="en-GB" dirty="0"/>
-              <a:t>Speed</a:t>
+              <a:t>Plot the Charts</a:t>
             </a:r>
           </a:p>
         </p:txBody>
@@ -5755,7 +11045,7 @@
           <p:cNvPr id="3" name="Content Placeholder 2">
             <a:extLst>
               <a:ext uri="{FF2B5EF4-FFF2-40B4-BE49-F238E27FC236}">
-                <a16:creationId xmlns:a16="http://schemas.microsoft.com/office/drawing/2014/main" id="{941F5A77-C215-D9EA-4530-44E208A293AF}"/>
+                <a16:creationId xmlns:a16="http://schemas.microsoft.com/office/drawing/2014/main" id="{5EB0B615-752C-68AC-7064-D44BE194F67D}"/>
               </a:ext>
             </a:extLst>
           </p:cNvPr>
@@ -5768,18 +11058,26 @@
         </p:nvSpPr>
         <p:spPr/>
         <p:txBody>
-          <a:bodyPr/>
+          <a:bodyPr>
+            <a:normAutofit/>
+          </a:bodyPr>
           <a:lstStyle/>
           <a:p>
-            <a:endParaRPr lang="en-GB" dirty="0"/>
-          </a:p>
-          <a:p>
-            <a:endParaRPr lang="en-GB" dirty="0"/>
-          </a:p>
-          <a:p>
             <a:r>
-              <a:rPr lang="en-GB" sz="2800" dirty="0"/>
-              <a:t>Speed = Distance / Time</a:t>
+              <a:rPr lang="en-GB" sz="3000" dirty="0"/>
+              <a:t>Remember the x-axis should be what you change</a:t>
+            </a:r>
+          </a:p>
+          <a:p>
+            <a:r>
+              <a:rPr lang="en-GB" sz="3000" dirty="0"/>
+              <a:t>Take an average of your results at each distance (sum(all)/ amount(all))</a:t>
+            </a:r>
+          </a:p>
+          <a:p>
+            <a:r>
+              <a:rPr lang="en-GB" sz="3000" dirty="0"/>
+              <a:t>What does this chart show?</a:t>
             </a:r>
           </a:p>
         </p:txBody>
@@ -5787,7 +11085,7 @@
     </p:spTree>
     <p:extLst>
       <p:ext uri="{BB962C8B-B14F-4D97-AF65-F5344CB8AC3E}">
-        <p14:creationId xmlns:p14="http://schemas.microsoft.com/office/powerpoint/2010/main" val="3361660390"/>
+        <p14:creationId xmlns:p14="http://schemas.microsoft.com/office/powerpoint/2010/main" val="1174514698"/>
       </p:ext>
     </p:extLst>
   </p:cSld>
@@ -5797,9 +11095,17 @@
 </p:sld>
 </file>
 
-<file path=ppt/slides/slide5.xml><?xml version="1.0" encoding="utf-8"?>
+<file path=ppt/slides/slide9.xml><?xml version="1.0" encoding="utf-8"?>
 <p:sld xmlns:a="http://schemas.openxmlformats.org/drawingml/2006/main" xmlns:r="http://schemas.openxmlformats.org/officeDocument/2006/relationships" xmlns:p="http://schemas.openxmlformats.org/presentationml/2006/main">
   <p:cSld>
+    <p:bg>
+      <p:bgPr>
+        <a:solidFill>
+          <a:schemeClr val="bg1"/>
+        </a:solidFill>
+        <a:effectLst/>
+      </p:bgPr>
+    </p:bg>
     <p:spTree>
       <p:nvGrpSpPr>
         <p:cNvPr id="1" name=""/>
@@ -5814,12 +11120,203 @@
           <a:chExt cx="0" cy="0"/>
         </a:xfrm>
       </p:grpSpPr>
+      <p:sp useBgFill="1">
+        <p:nvSpPr>
+          <p:cNvPr id="1031" name="Rectangle 1030">
+            <a:extLst>
+              <a:ext uri="{FF2B5EF4-FFF2-40B4-BE49-F238E27FC236}">
+                <a16:creationId xmlns:a16="http://schemas.microsoft.com/office/drawing/2014/main" id="{11657BF2-BFFB-4FF0-9FE2-4D7F7A7C9D50}"/>
+              </a:ext>
+              <a:ext uri="{C183D7F6-B498-43B3-948B-1728B52AA6E4}">
+                <adec:decorative xmlns:adec="http://schemas.microsoft.com/office/drawing/2017/decorative" val="1"/>
+              </a:ext>
+            </a:extLst>
+          </p:cNvPr>
+          <p:cNvSpPr>
+            <a:spLocks noGrp="1" noRot="1" noChangeAspect="1" noMove="1" noResize="1" noEditPoints="1" noAdjustHandles="1" noChangeArrowheads="1" noChangeShapeType="1" noTextEdit="1"/>
+          </p:cNvSpPr>
+          <p:nvPr>
+            <p:extLst>
+              <p:ext uri="{386F3935-93C4-4BCD-93E2-E3B085C9AB24}">
+                <p16:designElem xmlns:p16="http://schemas.microsoft.com/office/powerpoint/2015/main" val="1"/>
+              </p:ext>
+            </p:extLst>
+          </p:nvPr>
+        </p:nvSpPr>
+        <p:spPr>
+          <a:xfrm>
+            <a:off x="0" y="0"/>
+            <a:ext cx="12192000" cy="6858000"/>
+          </a:xfrm>
+          <a:prstGeom prst="rect">
+            <a:avLst/>
+          </a:prstGeom>
+          <a:ln>
+            <a:noFill/>
+          </a:ln>
+        </p:spPr>
+        <p:style>
+          <a:lnRef idx="2">
+            <a:schemeClr val="accent1">
+              <a:shade val="50000"/>
+            </a:schemeClr>
+          </a:lnRef>
+          <a:fillRef idx="1">
+            <a:schemeClr val="accent1"/>
+          </a:fillRef>
+          <a:effectRef idx="0">
+            <a:schemeClr val="accent1"/>
+          </a:effectRef>
+          <a:fontRef idx="minor">
+            <a:schemeClr val="lt1"/>
+          </a:fontRef>
+        </p:style>
+        <p:txBody>
+          <a:bodyPr rtlCol="0" anchor="ctr"/>
+          <a:lstStyle/>
+          <a:p>
+            <a:pPr algn="ctr"/>
+            <a:endParaRPr lang="en-US"/>
+          </a:p>
+        </p:txBody>
+      </p:sp>
+      <p:sp>
+        <p:nvSpPr>
+          <p:cNvPr id="1033" name="Rectangle 1032">
+            <a:extLst>
+              <a:ext uri="{FF2B5EF4-FFF2-40B4-BE49-F238E27FC236}">
+                <a16:creationId xmlns:a16="http://schemas.microsoft.com/office/drawing/2014/main" id="{25397171-E233-4F26-9A8C-29C436537DC4}"/>
+              </a:ext>
+              <a:ext uri="{C183D7F6-B498-43B3-948B-1728B52AA6E4}">
+                <adec:decorative xmlns:adec="http://schemas.microsoft.com/office/drawing/2017/decorative" val="1"/>
+              </a:ext>
+            </a:extLst>
+          </p:cNvPr>
+          <p:cNvSpPr>
+            <a:spLocks noGrp="1" noRot="1" noChangeAspect="1" noMove="1" noResize="1" noEditPoints="1" noAdjustHandles="1" noChangeArrowheads="1" noChangeShapeType="1" noTextEdit="1"/>
+          </p:cNvSpPr>
+          <p:nvPr>
+            <p:extLst>
+              <p:ext uri="{386F3935-93C4-4BCD-93E2-E3B085C9AB24}">
+                <p16:designElem xmlns:p16="http://schemas.microsoft.com/office/powerpoint/2015/main" val="1"/>
+              </p:ext>
+            </p:extLst>
+          </p:nvPr>
+        </p:nvSpPr>
+        <p:spPr>
+          <a:xfrm>
+            <a:off x="184393" y="237744"/>
+            <a:ext cx="7652977" cy="6382512"/>
+          </a:xfrm>
+          <a:prstGeom prst="rect">
+            <a:avLst/>
+          </a:prstGeom>
+          <a:solidFill>
+            <a:schemeClr val="bg1">
+              <a:lumMod val="85000"/>
+              <a:alpha val="60000"/>
+            </a:schemeClr>
+          </a:solidFill>
+          <a:ln>
+            <a:noFill/>
+          </a:ln>
+        </p:spPr>
+        <p:style>
+          <a:lnRef idx="2">
+            <a:schemeClr val="accent1">
+              <a:shade val="50000"/>
+            </a:schemeClr>
+          </a:lnRef>
+          <a:fillRef idx="1">
+            <a:schemeClr val="accent1"/>
+          </a:fillRef>
+          <a:effectRef idx="0">
+            <a:schemeClr val="accent1"/>
+          </a:effectRef>
+          <a:fontRef idx="minor">
+            <a:schemeClr val="lt1"/>
+          </a:fontRef>
+        </p:style>
+        <p:txBody>
+          <a:bodyPr/>
+          <a:lstStyle/>
+          <a:p>
+            <a:endParaRPr lang="en-GB"/>
+          </a:p>
+        </p:txBody>
+      </p:sp>
+      <p:sp>
+        <p:nvSpPr>
+          <p:cNvPr id="1035" name="Rectangle 1034">
+            <a:extLst>
+              <a:ext uri="{FF2B5EF4-FFF2-40B4-BE49-F238E27FC236}">
+                <a16:creationId xmlns:a16="http://schemas.microsoft.com/office/drawing/2014/main" id="{EA830B9C-C9EB-4D80-9552-AE9DE30758C9}"/>
+              </a:ext>
+              <a:ext uri="{C183D7F6-B498-43B3-948B-1728B52AA6E4}">
+                <adec:decorative xmlns:adec="http://schemas.microsoft.com/office/drawing/2017/decorative" val="1"/>
+              </a:ext>
+            </a:extLst>
+          </p:cNvPr>
+          <p:cNvSpPr>
+            <a:spLocks noGrp="1" noRot="1" noChangeAspect="1" noMove="1" noResize="1" noEditPoints="1" noAdjustHandles="1" noChangeArrowheads="1" noChangeShapeType="1" noTextEdit="1"/>
+          </p:cNvSpPr>
+          <p:nvPr>
+            <p:extLst>
+              <p:ext uri="{386F3935-93C4-4BCD-93E2-E3B085C9AB24}">
+                <p16:designElem xmlns:p16="http://schemas.microsoft.com/office/powerpoint/2015/main" val="1"/>
+              </p:ext>
+            </p:extLst>
+          </p:nvPr>
+        </p:nvSpPr>
+        <p:spPr>
+          <a:xfrm>
+            <a:off x="321553" y="374904"/>
+            <a:ext cx="7340156" cy="6108192"/>
+          </a:xfrm>
+          <a:prstGeom prst="rect">
+            <a:avLst/>
+          </a:prstGeom>
+          <a:noFill/>
+          <a:ln w="6350" cap="sq">
+            <a:solidFill>
+              <a:schemeClr val="tx1">
+                <a:lumMod val="75000"/>
+                <a:lumOff val="25000"/>
+              </a:schemeClr>
+            </a:solidFill>
+            <a:miter lim="800000"/>
+          </a:ln>
+        </p:spPr>
+        <p:style>
+          <a:lnRef idx="2">
+            <a:schemeClr val="accent1">
+              <a:shade val="50000"/>
+            </a:schemeClr>
+          </a:lnRef>
+          <a:fillRef idx="1">
+            <a:schemeClr val="accent1"/>
+          </a:fillRef>
+          <a:effectRef idx="0">
+            <a:schemeClr val="accent1"/>
+          </a:effectRef>
+          <a:fontRef idx="minor">
+            <a:schemeClr val="lt1"/>
+          </a:fontRef>
+        </p:style>
+        <p:txBody>
+          <a:bodyPr/>
+          <a:lstStyle/>
+          <a:p>
+            <a:endParaRPr lang="en-GB"/>
+          </a:p>
+        </p:txBody>
+      </p:sp>
       <p:sp>
         <p:nvSpPr>
           <p:cNvPr id="2" name="Title 1">
             <a:extLst>
               <a:ext uri="{FF2B5EF4-FFF2-40B4-BE49-F238E27FC236}">
-                <a16:creationId xmlns:a16="http://schemas.microsoft.com/office/drawing/2014/main" id="{8A773A6E-7FAB-A439-6E2F-AFFD6D9C88F3}"/>
+                <a16:creationId xmlns:a16="http://schemas.microsoft.com/office/drawing/2014/main" id="{A5781CA8-3995-E8DF-F634-2A4744A8F912}"/>
               </a:ext>
             </a:extLst>
           </p:cNvPr>
@@ -5830,35 +11327,12 @@
             <p:ph type="title"/>
           </p:nvPr>
         </p:nvSpPr>
-        <p:spPr/>
-        <p:txBody>
-          <a:bodyPr/>
-          <a:lstStyle/>
-          <a:p>
-            <a:r>
-              <a:rPr lang="en-GB" dirty="0"/>
-              <a:t>Experiments</a:t>
-            </a:r>
-          </a:p>
-        </p:txBody>
-      </p:sp>
-      <p:sp>
-        <p:nvSpPr>
-          <p:cNvPr id="3" name="Content Placeholder 2">
-            <a:extLst>
-              <a:ext uri="{FF2B5EF4-FFF2-40B4-BE49-F238E27FC236}">
-                <a16:creationId xmlns:a16="http://schemas.microsoft.com/office/drawing/2014/main" id="{A50B2AB9-53E4-6380-53BC-133AEC7440A6}"/>
-              </a:ext>
-            </a:extLst>
-          </p:cNvPr>
-          <p:cNvSpPr>
-            <a:spLocks noGrp="1"/>
-          </p:cNvSpPr>
-          <p:nvPr>
-            <p:ph idx="1"/>
-          </p:nvPr>
-        </p:nvSpPr>
-        <p:spPr/>
+        <p:spPr>
+          <a:xfrm>
+            <a:off x="868680" y="642593"/>
+            <a:ext cx="6281928" cy="1744183"/>
+          </a:xfrm>
+        </p:spPr>
         <p:txBody>
           <a:bodyPr>
             <a:normAutofit/>
@@ -5866,66 +11340,18 @@
           <a:lstStyle/>
           <a:p>
             <a:r>
-              <a:rPr lang="en-GB" sz="2800" dirty="0"/>
-              <a:t>Equipment</a:t>
+              <a:rPr lang="en-GB" dirty="0"/>
+              <a:t>Heinrich Hertz</a:t>
             </a:r>
           </a:p>
-          <a:p>
-            <a:endParaRPr lang="en-GB" sz="2800" dirty="0"/>
-          </a:p>
-          <a:p>
-            <a:r>
-              <a:rPr lang="en-GB" sz="2800" dirty="0"/>
-              <a:t>Variables</a:t>
-            </a:r>
-          </a:p>
-          <a:p>
-            <a:endParaRPr lang="en-GB" sz="2800" dirty="0"/>
-          </a:p>
-          <a:p>
-            <a:r>
-              <a:rPr lang="en-GB" sz="2800" dirty="0"/>
-              <a:t>Method</a:t>
-            </a:r>
-          </a:p>
-        </p:txBody>
-      </p:sp>
-    </p:spTree>
-    <p:extLst>
-      <p:ext uri="{BB962C8B-B14F-4D97-AF65-F5344CB8AC3E}">
-        <p14:creationId xmlns:p14="http://schemas.microsoft.com/office/powerpoint/2010/main" val="3589279446"/>
-      </p:ext>
-    </p:extLst>
-  </p:cSld>
-  <p:clrMapOvr>
-    <a:masterClrMapping/>
-  </p:clrMapOvr>
-</p:sld>
-</file>
-
-<file path=ppt/slides/slide6.xml><?xml version="1.0" encoding="utf-8"?>
-<p:sld xmlns:a="http://schemas.openxmlformats.org/drawingml/2006/main" xmlns:r="http://schemas.openxmlformats.org/officeDocument/2006/relationships" xmlns:p="http://schemas.openxmlformats.org/presentationml/2006/main">
-  <p:cSld>
-    <p:spTree>
-      <p:nvGrpSpPr>
-        <p:cNvPr id="1" name=""/>
-        <p:cNvGrpSpPr/>
-        <p:nvPr/>
-      </p:nvGrpSpPr>
-      <p:grpSpPr>
-        <a:xfrm>
-          <a:off x="0" y="0"/>
-          <a:ext cx="0" cy="0"/>
-          <a:chOff x="0" y="0"/>
-          <a:chExt cx="0" cy="0"/>
-        </a:xfrm>
-      </p:grpSpPr>
-      <p:sp>
-        <p:nvSpPr>
-          <p:cNvPr id="2" name="Title 1">
+        </p:txBody>
+      </p:sp>
+      <p:sp>
+        <p:nvSpPr>
+          <p:cNvPr id="3" name="Content Placeholder 2">
             <a:extLst>
               <a:ext uri="{FF2B5EF4-FFF2-40B4-BE49-F238E27FC236}">
-                <a16:creationId xmlns:a16="http://schemas.microsoft.com/office/drawing/2014/main" id="{BD477EBD-3FE1-7B90-7E2E-0CBF6339AC68}"/>
+                <a16:creationId xmlns:a16="http://schemas.microsoft.com/office/drawing/2014/main" id="{E8523F33-5226-B031-6AA1-1B12FA8F9440}"/>
               </a:ext>
             </a:extLst>
           </p:cNvPr>
@@ -5933,121 +11359,15 @@
             <a:spLocks noGrp="1"/>
           </p:cNvSpPr>
           <p:nvPr>
-            <p:ph type="title"/>
-          </p:nvPr>
-        </p:nvSpPr>
-        <p:spPr/>
-        <p:txBody>
-          <a:bodyPr/>
-          <a:lstStyle/>
-          <a:p>
-            <a:r>
-              <a:rPr lang="en-GB" dirty="0"/>
-              <a:t>What will happen?</a:t>
-            </a:r>
-          </a:p>
-        </p:txBody>
-      </p:sp>
-      <p:sp>
-        <p:nvSpPr>
-          <p:cNvPr id="3" name="Content Placeholder 2">
-            <a:extLst>
-              <a:ext uri="{FF2B5EF4-FFF2-40B4-BE49-F238E27FC236}">
-                <a16:creationId xmlns:a16="http://schemas.microsoft.com/office/drawing/2014/main" id="{ACB2F5F6-5314-A7DB-01E6-2D2BB7ABB33B}"/>
-              </a:ext>
-            </a:extLst>
-          </p:cNvPr>
-          <p:cNvSpPr>
-            <a:spLocks noGrp="1"/>
-          </p:cNvSpPr>
-          <p:nvPr>
             <p:ph idx="1"/>
           </p:nvPr>
         </p:nvSpPr>
-        <p:spPr/>
-        <p:txBody>
-          <a:bodyPr/>
-          <a:lstStyle/>
-          <a:p>
-            <a:endParaRPr lang="en-GB"/>
-          </a:p>
-        </p:txBody>
-      </p:sp>
-    </p:spTree>
-    <p:extLst>
-      <p:ext uri="{BB962C8B-B14F-4D97-AF65-F5344CB8AC3E}">
-        <p14:creationId xmlns:p14="http://schemas.microsoft.com/office/powerpoint/2010/main" val="3118344270"/>
-      </p:ext>
-    </p:extLst>
-  </p:cSld>
-  <p:clrMapOvr>
-    <a:masterClrMapping/>
-  </p:clrMapOvr>
-</p:sld>
-</file>
-
-<file path=ppt/slides/slide7.xml><?xml version="1.0" encoding="utf-8"?>
-<p:sld xmlns:a="http://schemas.openxmlformats.org/drawingml/2006/main" xmlns:r="http://schemas.openxmlformats.org/officeDocument/2006/relationships" xmlns:p="http://schemas.openxmlformats.org/presentationml/2006/main">
-  <p:cSld>
-    <p:spTree>
-      <p:nvGrpSpPr>
-        <p:cNvPr id="1" name=""/>
-        <p:cNvGrpSpPr/>
-        <p:nvPr/>
-      </p:nvGrpSpPr>
-      <p:grpSpPr>
-        <a:xfrm>
-          <a:off x="0" y="0"/>
-          <a:ext cx="0" cy="0"/>
-          <a:chOff x="0" y="0"/>
-          <a:chExt cx="0" cy="0"/>
-        </a:xfrm>
-      </p:grpSpPr>
-      <p:sp>
-        <p:nvSpPr>
-          <p:cNvPr id="2" name="Title 1">
-            <a:extLst>
-              <a:ext uri="{FF2B5EF4-FFF2-40B4-BE49-F238E27FC236}">
-                <a16:creationId xmlns:a16="http://schemas.microsoft.com/office/drawing/2014/main" id="{4284FF47-C285-9A45-DD8D-505F7D33BF9D}"/>
-              </a:ext>
-            </a:extLst>
-          </p:cNvPr>
-          <p:cNvSpPr>
-            <a:spLocks noGrp="1"/>
-          </p:cNvSpPr>
-          <p:nvPr>
-            <p:ph type="title"/>
-          </p:nvPr>
-        </p:nvSpPr>
-        <p:spPr/>
-        <p:txBody>
-          <a:bodyPr/>
-          <a:lstStyle/>
-          <a:p>
-            <a:r>
-              <a:rPr lang="en-GB" dirty="0"/>
-              <a:t>Plot the Charts</a:t>
-            </a:r>
-          </a:p>
-        </p:txBody>
-      </p:sp>
-      <p:sp>
-        <p:nvSpPr>
-          <p:cNvPr id="3" name="Content Placeholder 2">
-            <a:extLst>
-              <a:ext uri="{FF2B5EF4-FFF2-40B4-BE49-F238E27FC236}">
-                <a16:creationId xmlns:a16="http://schemas.microsoft.com/office/drawing/2014/main" id="{5EB0B615-752C-68AC-7064-D44BE194F67D}"/>
-              </a:ext>
-            </a:extLst>
-          </p:cNvPr>
-          <p:cNvSpPr>
-            <a:spLocks noGrp="1"/>
-          </p:cNvSpPr>
-          <p:nvPr>
-            <p:ph idx="1"/>
-          </p:nvPr>
-        </p:nvSpPr>
-        <p:spPr/>
+        <p:spPr>
+          <a:xfrm>
+            <a:off x="868680" y="2386584"/>
+            <a:ext cx="6281928" cy="3648456"/>
+          </a:xfrm>
+        </p:spPr>
         <p:txBody>
           <a:bodyPr>
             <a:normAutofit/>
@@ -6055,28 +11375,97 @@
           <a:lstStyle/>
           <a:p>
             <a:r>
-              <a:rPr lang="en-GB" sz="1600" dirty="0"/>
-              <a:t>Remember the x-axis should be what you change</a:t>
+              <a:rPr lang="en-GB" b="1" dirty="0"/>
+              <a:t>Heinrich Hertz</a:t>
             </a:r>
-          </a:p>
-          <a:p>
             <a:r>
-              <a:rPr lang="en-GB" sz="1600" dirty="0"/>
-              <a:t>Take an average of your results at each distance (sum(all)/ amount(all))</a:t>
+              <a:rPr lang="en-GB" dirty="0"/>
+              <a:t> (1857–1894) was a German physicist known for his groundbreaking work in </a:t>
             </a:r>
-          </a:p>
-          <a:p>
             <a:r>
-              <a:rPr lang="en-GB" sz="1600" dirty="0"/>
-              <a:t>What does this chart show?</a:t>
+              <a:rPr lang="en-GB" b="1" dirty="0"/>
+              <a:t>electromagnetic waves</a:t>
             </a:r>
-          </a:p>
-        </p:txBody>
-      </p:sp>
+            <a:r>
+              <a:rPr lang="en-GB" dirty="0"/>
+              <a:t>. He confirmed </a:t>
+            </a:r>
+            <a:r>
+              <a:rPr lang="en-GB" b="1" dirty="0"/>
+              <a:t>James Clerk Maxwell's</a:t>
+            </a:r>
+            <a:r>
+              <a:rPr lang="en-GB" dirty="0"/>
+              <a:t> theory that electromagnetic waves travel at the speed of light, proving that light itself is a form of electromagnetic radiation. Hertz's experiments, conducted in the 1880s, led to the discovery of </a:t>
+            </a:r>
+            <a:r>
+              <a:rPr lang="en-GB" b="1" dirty="0"/>
+              <a:t>radio waves</a:t>
+            </a:r>
+            <a:r>
+              <a:rPr lang="en-GB" dirty="0"/>
+              <a:t>, which paved the way for the development of wireless communication, including radio, television, and radar. The unit of frequency, the </a:t>
+            </a:r>
+            <a:r>
+              <a:rPr lang="en-GB" b="1" dirty="0"/>
+              <a:t>hertz (Hz)</a:t>
+            </a:r>
+            <a:r>
+              <a:rPr lang="en-GB" dirty="0"/>
+              <a:t>, is named in his honour. Though he died young, his work fundamentally shaped modern physics and communication technology.</a:t>
+            </a:r>
+          </a:p>
+        </p:txBody>
+      </p:sp>
+      <p:pic>
+        <p:nvPicPr>
+          <p:cNvPr id="1026" name="Picture 2" descr="Heinrich Hertz - Wikipedia">
+            <a:extLst>
+              <a:ext uri="{FF2B5EF4-FFF2-40B4-BE49-F238E27FC236}">
+                <a16:creationId xmlns:a16="http://schemas.microsoft.com/office/drawing/2014/main" id="{62034E2B-FE35-153E-F929-3E39A4A92D16}"/>
+              </a:ext>
+            </a:extLst>
+          </p:cNvPr>
+          <p:cNvPicPr>
+            <a:picLocks noChangeAspect="1" noChangeArrowheads="1"/>
+          </p:cNvPicPr>
+          <p:nvPr/>
+        </p:nvPicPr>
+        <p:blipFill>
+          <a:blip r:embed="rId2">
+            <a:extLst>
+              <a:ext uri="{28A0092B-C50C-407E-A947-70E740481C1C}">
+                <a14:useLocalDpi xmlns:a14="http://schemas.microsoft.com/office/drawing/2010/main" val="0"/>
+              </a:ext>
+            </a:extLst>
+          </a:blip>
+          <a:srcRect l="25220" r="73" b="-2"/>
+          <a:stretch/>
+        </p:blipFill>
+        <p:spPr bwMode="auto">
+          <a:xfrm>
+            <a:off x="7837371" y="237744"/>
+            <a:ext cx="4124416" cy="6382512"/>
+          </a:xfrm>
+          <a:prstGeom prst="rect">
+            <a:avLst/>
+          </a:prstGeom>
+          <a:noFill/>
+          <a:extLst>
+            <a:ext uri="{909E8E84-426E-40DD-AFC4-6F175D3DCCD1}">
+              <a14:hiddenFill xmlns:a14="http://schemas.microsoft.com/office/drawing/2010/main">
+                <a:solidFill>
+                  <a:srgbClr val="FFFFFF"/>
+                </a:solidFill>
+              </a14:hiddenFill>
+            </a:ext>
+          </a:extLst>
+        </p:spPr>
+      </p:pic>
     </p:spTree>
     <p:extLst>
       <p:ext uri="{BB962C8B-B14F-4D97-AF65-F5344CB8AC3E}">
-        <p14:creationId xmlns:p14="http://schemas.microsoft.com/office/powerpoint/2010/main" val="1174514698"/>
+        <p14:creationId xmlns:p14="http://schemas.microsoft.com/office/powerpoint/2010/main" val="2542433797"/>
       </p:ext>
     </p:extLst>
   </p:cSld>
